--- a/doc/Report/ongoing.pptx
+++ b/doc/Report/ongoing.pptx
@@ -5,17 +5,20 @@
     <p:sldMasterId id="2147483648" r:id="rId1"/>
   </p:sldMasterIdLst>
   <p:notesMasterIdLst>
-    <p:notesMasterId r:id="rId10"/>
+    <p:notesMasterId r:id="rId13"/>
   </p:notesMasterIdLst>
   <p:sldIdLst>
     <p:sldId id="271" r:id="rId2"/>
     <p:sldId id="295" r:id="rId3"/>
-    <p:sldId id="296" r:id="rId4"/>
-    <p:sldId id="302" r:id="rId5"/>
-    <p:sldId id="306" r:id="rId6"/>
-    <p:sldId id="307" r:id="rId7"/>
-    <p:sldId id="304" r:id="rId8"/>
-    <p:sldId id="305" r:id="rId9"/>
+    <p:sldId id="308" r:id="rId4"/>
+    <p:sldId id="296" r:id="rId5"/>
+    <p:sldId id="302" r:id="rId6"/>
+    <p:sldId id="309" r:id="rId7"/>
+    <p:sldId id="306" r:id="rId8"/>
+    <p:sldId id="307" r:id="rId9"/>
+    <p:sldId id="310" r:id="rId10"/>
+    <p:sldId id="304" r:id="rId11"/>
+    <p:sldId id="305" r:id="rId12"/>
   </p:sldIdLst>
   <p:sldSz cx="12192000" cy="6858000"/>
   <p:notesSz cx="6858000" cy="9144000"/>
@@ -204,7 +207,7 @@
           <a:p>
             <a:fld id="{97BE2177-E45B-449F-AE2E-ED4743253C6D}" type="datetimeFigureOut">
               <a:rPr lang="zh-CN" altLang="en-US" smtClean="0"/>
-              <a:t>2018/9/3</a:t>
+              <a:t>2018/9/5</a:t>
             </a:fld>
             <a:endParaRPr lang="zh-CN" altLang="en-US"/>
           </a:p>
@@ -536,7 +539,7 @@
           <a:p>
             <a:fld id="{C676D08B-1E4C-4901-ABEC-209650D3181D}" type="slidenum">
               <a:rPr lang="zh-CN" altLang="en-US" smtClean="0"/>
-              <a:t>5</a:t>
+              <a:t>3</a:t>
             </a:fld>
             <a:endParaRPr lang="zh-CN" altLang="en-US"/>
           </a:p>
@@ -545,7 +548,7 @@
     </p:spTree>
     <p:extLst>
       <p:ext uri="{BB962C8B-B14F-4D97-AF65-F5344CB8AC3E}">
-        <p14:creationId xmlns:p14="http://schemas.microsoft.com/office/powerpoint/2010/main" val="2768591612"/>
+        <p14:creationId xmlns:p14="http://schemas.microsoft.com/office/powerpoint/2010/main" val="2823439655"/>
       </p:ext>
     </p:extLst>
   </p:cSld>
@@ -629,7 +632,259 @@
     </p:spTree>
     <p:extLst>
       <p:ext uri="{BB962C8B-B14F-4D97-AF65-F5344CB8AC3E}">
+        <p14:creationId xmlns:p14="http://schemas.microsoft.com/office/powerpoint/2010/main" val="1152025013"/>
+      </p:ext>
+    </p:extLst>
+  </p:cSld>
+  <p:clrMapOvr>
+    <a:masterClrMapping/>
+  </p:clrMapOvr>
+</p:notes>
+</file>
+
+<file path=ppt/notesSlides/notesSlide3.xml><?xml version="1.0" encoding="utf-8"?>
+<p:notes xmlns:a="http://schemas.openxmlformats.org/drawingml/2006/main" xmlns:r="http://schemas.openxmlformats.org/officeDocument/2006/relationships" xmlns:p="http://schemas.openxmlformats.org/presentationml/2006/main">
+  <p:cSld>
+    <p:spTree>
+      <p:nvGrpSpPr>
+        <p:cNvPr id="1" name=""/>
+        <p:cNvGrpSpPr/>
+        <p:nvPr/>
+      </p:nvGrpSpPr>
+      <p:grpSpPr>
+        <a:xfrm>
+          <a:off x="0" y="0"/>
+          <a:ext cx="0" cy="0"/>
+          <a:chOff x="0" y="0"/>
+          <a:chExt cx="0" cy="0"/>
+        </a:xfrm>
+      </p:grpSpPr>
+      <p:sp>
+        <p:nvSpPr>
+          <p:cNvPr id="2" name="幻灯片图像占位符 1"/>
+          <p:cNvSpPr>
+            <a:spLocks noGrp="1" noRot="1" noChangeAspect="1"/>
+          </p:cNvSpPr>
+          <p:nvPr>
+            <p:ph type="sldImg"/>
+          </p:nvPr>
+        </p:nvSpPr>
+        <p:spPr/>
+      </p:sp>
+      <p:sp>
+        <p:nvSpPr>
+          <p:cNvPr id="3" name="备注占位符 2"/>
+          <p:cNvSpPr>
+            <a:spLocks noGrp="1"/>
+          </p:cNvSpPr>
+          <p:nvPr>
+            <p:ph type="body" idx="1"/>
+          </p:nvPr>
+        </p:nvSpPr>
+        <p:spPr/>
+        <p:txBody>
+          <a:bodyPr/>
+          <a:lstStyle/>
+          <a:p>
+            <a:endParaRPr lang="zh-CN" altLang="en-US" dirty="0"/>
+          </a:p>
+        </p:txBody>
+      </p:sp>
+      <p:sp>
+        <p:nvSpPr>
+          <p:cNvPr id="4" name="灯片编号占位符 3"/>
+          <p:cNvSpPr>
+            <a:spLocks noGrp="1"/>
+          </p:cNvSpPr>
+          <p:nvPr>
+            <p:ph type="sldNum" sz="quarter" idx="10"/>
+          </p:nvPr>
+        </p:nvSpPr>
+        <p:spPr/>
+        <p:txBody>
+          <a:bodyPr/>
+          <a:lstStyle/>
+          <a:p>
+            <a:fld id="{C676D08B-1E4C-4901-ABEC-209650D3181D}" type="slidenum">
+              <a:rPr lang="zh-CN" altLang="en-US" smtClean="0"/>
+              <a:t>7</a:t>
+            </a:fld>
+            <a:endParaRPr lang="zh-CN" altLang="en-US"/>
+          </a:p>
+        </p:txBody>
+      </p:sp>
+    </p:spTree>
+    <p:extLst>
+      <p:ext uri="{BB962C8B-B14F-4D97-AF65-F5344CB8AC3E}">
+        <p14:creationId xmlns:p14="http://schemas.microsoft.com/office/powerpoint/2010/main" val="2768591612"/>
+      </p:ext>
+    </p:extLst>
+  </p:cSld>
+  <p:clrMapOvr>
+    <a:masterClrMapping/>
+  </p:clrMapOvr>
+</p:notes>
+</file>
+
+<file path=ppt/notesSlides/notesSlide4.xml><?xml version="1.0" encoding="utf-8"?>
+<p:notes xmlns:a="http://schemas.openxmlformats.org/drawingml/2006/main" xmlns:r="http://schemas.openxmlformats.org/officeDocument/2006/relationships" xmlns:p="http://schemas.openxmlformats.org/presentationml/2006/main">
+  <p:cSld>
+    <p:spTree>
+      <p:nvGrpSpPr>
+        <p:cNvPr id="1" name=""/>
+        <p:cNvGrpSpPr/>
+        <p:nvPr/>
+      </p:nvGrpSpPr>
+      <p:grpSpPr>
+        <a:xfrm>
+          <a:off x="0" y="0"/>
+          <a:ext cx="0" cy="0"/>
+          <a:chOff x="0" y="0"/>
+          <a:chExt cx="0" cy="0"/>
+        </a:xfrm>
+      </p:grpSpPr>
+      <p:sp>
+        <p:nvSpPr>
+          <p:cNvPr id="2" name="幻灯片图像占位符 1"/>
+          <p:cNvSpPr>
+            <a:spLocks noGrp="1" noRot="1" noChangeAspect="1"/>
+          </p:cNvSpPr>
+          <p:nvPr>
+            <p:ph type="sldImg"/>
+          </p:nvPr>
+        </p:nvSpPr>
+        <p:spPr/>
+      </p:sp>
+      <p:sp>
+        <p:nvSpPr>
+          <p:cNvPr id="3" name="备注占位符 2"/>
+          <p:cNvSpPr>
+            <a:spLocks noGrp="1"/>
+          </p:cNvSpPr>
+          <p:nvPr>
+            <p:ph type="body" idx="1"/>
+          </p:nvPr>
+        </p:nvSpPr>
+        <p:spPr/>
+        <p:txBody>
+          <a:bodyPr/>
+          <a:lstStyle/>
+          <a:p>
+            <a:endParaRPr lang="zh-CN" altLang="en-US" dirty="0"/>
+          </a:p>
+        </p:txBody>
+      </p:sp>
+      <p:sp>
+        <p:nvSpPr>
+          <p:cNvPr id="4" name="灯片编号占位符 3"/>
+          <p:cNvSpPr>
+            <a:spLocks noGrp="1"/>
+          </p:cNvSpPr>
+          <p:nvPr>
+            <p:ph type="sldNum" sz="quarter" idx="10"/>
+          </p:nvPr>
+        </p:nvSpPr>
+        <p:spPr/>
+        <p:txBody>
+          <a:bodyPr/>
+          <a:lstStyle/>
+          <a:p>
+            <a:fld id="{C676D08B-1E4C-4901-ABEC-209650D3181D}" type="slidenum">
+              <a:rPr lang="zh-CN" altLang="en-US" smtClean="0"/>
+              <a:t>8</a:t>
+            </a:fld>
+            <a:endParaRPr lang="zh-CN" altLang="en-US"/>
+          </a:p>
+        </p:txBody>
+      </p:sp>
+    </p:spTree>
+    <p:extLst>
+      <p:ext uri="{BB962C8B-B14F-4D97-AF65-F5344CB8AC3E}">
         <p14:creationId xmlns:p14="http://schemas.microsoft.com/office/powerpoint/2010/main" val="1859630201"/>
+      </p:ext>
+    </p:extLst>
+  </p:cSld>
+  <p:clrMapOvr>
+    <a:masterClrMapping/>
+  </p:clrMapOvr>
+</p:notes>
+</file>
+
+<file path=ppt/notesSlides/notesSlide5.xml><?xml version="1.0" encoding="utf-8"?>
+<p:notes xmlns:a="http://schemas.openxmlformats.org/drawingml/2006/main" xmlns:r="http://schemas.openxmlformats.org/officeDocument/2006/relationships" xmlns:p="http://schemas.openxmlformats.org/presentationml/2006/main">
+  <p:cSld>
+    <p:spTree>
+      <p:nvGrpSpPr>
+        <p:cNvPr id="1" name=""/>
+        <p:cNvGrpSpPr/>
+        <p:nvPr/>
+      </p:nvGrpSpPr>
+      <p:grpSpPr>
+        <a:xfrm>
+          <a:off x="0" y="0"/>
+          <a:ext cx="0" cy="0"/>
+          <a:chOff x="0" y="0"/>
+          <a:chExt cx="0" cy="0"/>
+        </a:xfrm>
+      </p:grpSpPr>
+      <p:sp>
+        <p:nvSpPr>
+          <p:cNvPr id="2" name="幻灯片图像占位符 1"/>
+          <p:cNvSpPr>
+            <a:spLocks noGrp="1" noRot="1" noChangeAspect="1"/>
+          </p:cNvSpPr>
+          <p:nvPr>
+            <p:ph type="sldImg"/>
+          </p:nvPr>
+        </p:nvSpPr>
+        <p:spPr/>
+      </p:sp>
+      <p:sp>
+        <p:nvSpPr>
+          <p:cNvPr id="3" name="备注占位符 2"/>
+          <p:cNvSpPr>
+            <a:spLocks noGrp="1"/>
+          </p:cNvSpPr>
+          <p:nvPr>
+            <p:ph type="body" idx="1"/>
+          </p:nvPr>
+        </p:nvSpPr>
+        <p:spPr/>
+        <p:txBody>
+          <a:bodyPr/>
+          <a:lstStyle/>
+          <a:p>
+            <a:endParaRPr lang="zh-CN" altLang="en-US" dirty="0"/>
+          </a:p>
+        </p:txBody>
+      </p:sp>
+      <p:sp>
+        <p:nvSpPr>
+          <p:cNvPr id="4" name="灯片编号占位符 3"/>
+          <p:cNvSpPr>
+            <a:spLocks noGrp="1"/>
+          </p:cNvSpPr>
+          <p:nvPr>
+            <p:ph type="sldNum" sz="quarter" idx="10"/>
+          </p:nvPr>
+        </p:nvSpPr>
+        <p:spPr/>
+        <p:txBody>
+          <a:bodyPr/>
+          <a:lstStyle/>
+          <a:p>
+            <a:fld id="{C676D08B-1E4C-4901-ABEC-209650D3181D}" type="slidenum">
+              <a:rPr lang="zh-CN" altLang="en-US" smtClean="0"/>
+              <a:t>9</a:t>
+            </a:fld>
+            <a:endParaRPr lang="zh-CN" altLang="en-US"/>
+          </a:p>
+        </p:txBody>
+      </p:sp>
+    </p:spTree>
+    <p:extLst>
+      <p:ext uri="{BB962C8B-B14F-4D97-AF65-F5344CB8AC3E}">
+        <p14:creationId xmlns:p14="http://schemas.microsoft.com/office/powerpoint/2010/main" val="308378821"/>
       </p:ext>
     </p:extLst>
   </p:cSld>
@@ -786,7 +1041,7 @@
           <a:p>
             <a:fld id="{B9614994-C529-43AC-BD2C-52D47B0301A5}" type="datetimeFigureOut">
               <a:rPr lang="zh-CN" altLang="en-US" smtClean="0"/>
-              <a:t>2018/9/2</a:t>
+              <a:t>2018/9/5</a:t>
             </a:fld>
             <a:endParaRPr lang="zh-CN" altLang="en-US"/>
           </a:p>
@@ -984,7 +1239,7 @@
           <a:p>
             <a:fld id="{B9614994-C529-43AC-BD2C-52D47B0301A5}" type="datetimeFigureOut">
               <a:rPr lang="zh-CN" altLang="en-US" smtClean="0"/>
-              <a:t>2018/9/2</a:t>
+              <a:t>2018/9/5</a:t>
             </a:fld>
             <a:endParaRPr lang="zh-CN" altLang="en-US"/>
           </a:p>
@@ -1192,7 +1447,7 @@
           <a:p>
             <a:fld id="{B9614994-C529-43AC-BD2C-52D47B0301A5}" type="datetimeFigureOut">
               <a:rPr lang="zh-CN" altLang="en-US" smtClean="0"/>
-              <a:t>2018/9/2</a:t>
+              <a:t>2018/9/5</a:t>
             </a:fld>
             <a:endParaRPr lang="zh-CN" altLang="en-US"/>
           </a:p>
@@ -1390,7 +1645,7 @@
           <a:p>
             <a:fld id="{B9614994-C529-43AC-BD2C-52D47B0301A5}" type="datetimeFigureOut">
               <a:rPr lang="zh-CN" altLang="en-US" smtClean="0"/>
-              <a:t>2018/9/2</a:t>
+              <a:t>2018/9/5</a:t>
             </a:fld>
             <a:endParaRPr lang="zh-CN" altLang="en-US"/>
           </a:p>
@@ -1665,7 +1920,7 @@
           <a:p>
             <a:fld id="{B9614994-C529-43AC-BD2C-52D47B0301A5}" type="datetimeFigureOut">
               <a:rPr lang="zh-CN" altLang="en-US" smtClean="0"/>
-              <a:t>2018/9/2</a:t>
+              <a:t>2018/9/5</a:t>
             </a:fld>
             <a:endParaRPr lang="zh-CN" altLang="en-US"/>
           </a:p>
@@ -1930,7 +2185,7 @@
           <a:p>
             <a:fld id="{B9614994-C529-43AC-BD2C-52D47B0301A5}" type="datetimeFigureOut">
               <a:rPr lang="zh-CN" altLang="en-US" smtClean="0"/>
-              <a:t>2018/9/2</a:t>
+              <a:t>2018/9/5</a:t>
             </a:fld>
             <a:endParaRPr lang="zh-CN" altLang="en-US"/>
           </a:p>
@@ -2342,7 +2597,7 @@
           <a:p>
             <a:fld id="{B9614994-C529-43AC-BD2C-52D47B0301A5}" type="datetimeFigureOut">
               <a:rPr lang="zh-CN" altLang="en-US" smtClean="0"/>
-              <a:t>2018/9/2</a:t>
+              <a:t>2018/9/5</a:t>
             </a:fld>
             <a:endParaRPr lang="zh-CN" altLang="en-US"/>
           </a:p>
@@ -2483,7 +2738,7 @@
           <a:p>
             <a:fld id="{B9614994-C529-43AC-BD2C-52D47B0301A5}" type="datetimeFigureOut">
               <a:rPr lang="zh-CN" altLang="en-US" smtClean="0"/>
-              <a:t>2018/9/2</a:t>
+              <a:t>2018/9/5</a:t>
             </a:fld>
             <a:endParaRPr lang="zh-CN" altLang="en-US"/>
           </a:p>
@@ -2596,7 +2851,7 @@
           <a:p>
             <a:fld id="{B9614994-C529-43AC-BD2C-52D47B0301A5}" type="datetimeFigureOut">
               <a:rPr lang="zh-CN" altLang="en-US" smtClean="0"/>
-              <a:t>2018/9/2</a:t>
+              <a:t>2018/9/5</a:t>
             </a:fld>
             <a:endParaRPr lang="zh-CN" altLang="en-US"/>
           </a:p>
@@ -2907,7 +3162,7 @@
           <a:p>
             <a:fld id="{B9614994-C529-43AC-BD2C-52D47B0301A5}" type="datetimeFigureOut">
               <a:rPr lang="zh-CN" altLang="en-US" smtClean="0"/>
-              <a:t>2018/9/2</a:t>
+              <a:t>2018/9/5</a:t>
             </a:fld>
             <a:endParaRPr lang="zh-CN" altLang="en-US"/>
           </a:p>
@@ -3195,7 +3450,7 @@
           <a:p>
             <a:fld id="{B9614994-C529-43AC-BD2C-52D47B0301A5}" type="datetimeFigureOut">
               <a:rPr lang="zh-CN" altLang="en-US" smtClean="0"/>
-              <a:t>2018/9/2</a:t>
+              <a:t>2018/9/5</a:t>
             </a:fld>
             <a:endParaRPr lang="zh-CN" altLang="en-US"/>
           </a:p>
@@ -3436,7 +3691,7 @@
           <a:p>
             <a:fld id="{B9614994-C529-43AC-BD2C-52D47B0301A5}" type="datetimeFigureOut">
               <a:rPr lang="zh-CN" altLang="en-US" smtClean="0"/>
-              <a:t>2018/9/2</a:t>
+              <a:t>2018/9/5</a:t>
             </a:fld>
             <a:endParaRPr lang="zh-CN" altLang="en-US"/>
           </a:p>
@@ -3945,20 +4200,12 @@
           </a:p>
           <a:p>
             <a:r>
-              <a:rPr lang="en-US" sz="2000">
-                <a:latin typeface="Calibri" charset="0"/>
-                <a:ea typeface="Calibri" charset="0"/>
-                <a:cs typeface="Calibri" charset="0"/>
-              </a:rPr>
-              <a:t>Aug </a:t>
-            </a:r>
-            <a:r>
               <a:rPr lang="en-US" sz="2000" dirty="0">
                 <a:latin typeface="Calibri" charset="0"/>
                 <a:ea typeface="Calibri" charset="0"/>
                 <a:cs typeface="Calibri" charset="0"/>
               </a:rPr>
-              <a:t>28, 2018</a:t>
+              <a:t>Aug 28, 2018</a:t>
             </a:r>
           </a:p>
         </p:txBody>
@@ -4006,6 +4253,282 @@
 </p:sld>
 </file>
 
+<file path=ppt/slides/slide10.xml><?xml version="1.0" encoding="utf-8"?>
+<p:sld xmlns:a="http://schemas.openxmlformats.org/drawingml/2006/main" xmlns:r="http://schemas.openxmlformats.org/officeDocument/2006/relationships" xmlns:p="http://schemas.openxmlformats.org/presentationml/2006/main">
+  <p:cSld>
+    <p:spTree>
+      <p:nvGrpSpPr>
+        <p:cNvPr id="1" name=""/>
+        <p:cNvGrpSpPr/>
+        <p:nvPr/>
+      </p:nvGrpSpPr>
+      <p:grpSpPr>
+        <a:xfrm>
+          <a:off x="0" y="0"/>
+          <a:ext cx="0" cy="0"/>
+          <a:chOff x="0" y="0"/>
+          <a:chExt cx="0" cy="0"/>
+        </a:xfrm>
+      </p:grpSpPr>
+      <p:sp>
+        <p:nvSpPr>
+          <p:cNvPr id="2" name="标题 1">
+            <a:extLst>
+              <a:ext uri="{FF2B5EF4-FFF2-40B4-BE49-F238E27FC236}">
+                <a16:creationId xmlns:a16="http://schemas.microsoft.com/office/drawing/2014/main" id="{7E4CFA14-E8C9-4F79-B31E-7AC8C0F7ADF4}"/>
+              </a:ext>
+            </a:extLst>
+          </p:cNvPr>
+          <p:cNvSpPr>
+            <a:spLocks noGrp="1"/>
+          </p:cNvSpPr>
+          <p:nvPr>
+            <p:ph type="title"/>
+          </p:nvPr>
+        </p:nvSpPr>
+        <p:spPr>
+          <a:xfrm>
+            <a:off x="838200" y="681037"/>
+            <a:ext cx="10515600" cy="1325563"/>
+          </a:xfrm>
+        </p:spPr>
+        <p:txBody>
+          <a:bodyPr>
+            <a:normAutofit fontScale="90000"/>
+          </a:bodyPr>
+          <a:lstStyle/>
+          <a:p>
+            <a:r>
+              <a:rPr lang="en-US" altLang="zh-CN" dirty="0"/>
+              <a:t>Distributed Compression</a:t>
+            </a:r>
+            <a:br>
+              <a:rPr lang="en-US" altLang="zh-CN" dirty="0"/>
+            </a:br>
+            <a:br>
+              <a:rPr lang="en-US" altLang="zh-CN" dirty="0"/>
+            </a:br>
+            <a:endParaRPr lang="zh-CN" altLang="en-US" dirty="0"/>
+          </a:p>
+        </p:txBody>
+      </p:sp>
+      <p:sp>
+        <p:nvSpPr>
+          <p:cNvPr id="3" name="内容占位符 2">
+            <a:extLst>
+              <a:ext uri="{FF2B5EF4-FFF2-40B4-BE49-F238E27FC236}">
+                <a16:creationId xmlns:a16="http://schemas.microsoft.com/office/drawing/2014/main" id="{65B773BF-8D7E-447B-99B4-F29841BEF59C}"/>
+              </a:ext>
+            </a:extLst>
+          </p:cNvPr>
+          <p:cNvSpPr>
+            <a:spLocks noGrp="1"/>
+          </p:cNvSpPr>
+          <p:nvPr>
+            <p:ph idx="1"/>
+          </p:nvPr>
+        </p:nvSpPr>
+        <p:spPr/>
+        <p:txBody>
+          <a:bodyPr/>
+          <a:lstStyle/>
+          <a:p>
+            <a:r>
+              <a:rPr lang="en-US" altLang="zh-CN" dirty="0"/>
+              <a:t>Milestones</a:t>
+            </a:r>
+          </a:p>
+          <a:p>
+            <a:pPr lvl="1"/>
+            <a:r>
+              <a:rPr lang="en-US" altLang="zh-CN" dirty="0"/>
+              <a:t>Split image dataset into several subset of data</a:t>
+            </a:r>
+          </a:p>
+          <a:p>
+            <a:pPr lvl="1"/>
+            <a:r>
+              <a:rPr lang="en-US" altLang="zh-CN" dirty="0"/>
+              <a:t>Each slave node has a sperate encoder</a:t>
+            </a:r>
+          </a:p>
+          <a:p>
+            <a:pPr lvl="1"/>
+            <a:r>
+              <a:rPr lang="en-US" altLang="zh-CN" dirty="0"/>
+              <a:t>The main host receive the codes from slave nodes and concatenate them together to decode them from a single decoder</a:t>
+            </a:r>
+          </a:p>
+          <a:p>
+            <a:pPr lvl="1"/>
+            <a:r>
+              <a:rPr lang="en-US" altLang="zh-CN" dirty="0"/>
+              <a:t>The system should yield better rate-distortion curve compared to decode each slave node separately</a:t>
+            </a:r>
+          </a:p>
+          <a:p>
+            <a:pPr lvl="1"/>
+            <a:r>
+              <a:rPr lang="en-US" altLang="zh-CN" dirty="0"/>
+              <a:t>Possible to add classification and other objectives</a:t>
+            </a:r>
+          </a:p>
+        </p:txBody>
+      </p:sp>
+    </p:spTree>
+    <p:extLst>
+      <p:ext uri="{BB962C8B-B14F-4D97-AF65-F5344CB8AC3E}">
+        <p14:creationId xmlns:p14="http://schemas.microsoft.com/office/powerpoint/2010/main" val="1769019586"/>
+      </p:ext>
+    </p:extLst>
+  </p:cSld>
+  <p:clrMapOvr>
+    <a:masterClrMapping/>
+  </p:clrMapOvr>
+</p:sld>
+</file>
+
+<file path=ppt/slides/slide11.xml><?xml version="1.0" encoding="utf-8"?>
+<p:sld xmlns:a="http://schemas.openxmlformats.org/drawingml/2006/main" xmlns:r="http://schemas.openxmlformats.org/officeDocument/2006/relationships" xmlns:p="http://schemas.openxmlformats.org/presentationml/2006/main">
+  <p:cSld>
+    <p:spTree>
+      <p:nvGrpSpPr>
+        <p:cNvPr id="1" name=""/>
+        <p:cNvGrpSpPr/>
+        <p:nvPr/>
+      </p:nvGrpSpPr>
+      <p:grpSpPr>
+        <a:xfrm>
+          <a:off x="0" y="0"/>
+          <a:ext cx="0" cy="0"/>
+          <a:chOff x="0" y="0"/>
+          <a:chExt cx="0" cy="0"/>
+        </a:xfrm>
+      </p:grpSpPr>
+      <p:sp>
+        <p:nvSpPr>
+          <p:cNvPr id="2" name="标题 1">
+            <a:extLst>
+              <a:ext uri="{FF2B5EF4-FFF2-40B4-BE49-F238E27FC236}">
+                <a16:creationId xmlns:a16="http://schemas.microsoft.com/office/drawing/2014/main" id="{7E4CFA14-E8C9-4F79-B31E-7AC8C0F7ADF4}"/>
+              </a:ext>
+            </a:extLst>
+          </p:cNvPr>
+          <p:cNvSpPr>
+            <a:spLocks noGrp="1"/>
+          </p:cNvSpPr>
+          <p:nvPr>
+            <p:ph type="title"/>
+          </p:nvPr>
+        </p:nvSpPr>
+        <p:spPr>
+          <a:xfrm>
+            <a:off x="838200" y="681037"/>
+            <a:ext cx="10515600" cy="1325563"/>
+          </a:xfrm>
+        </p:spPr>
+        <p:txBody>
+          <a:bodyPr>
+            <a:normAutofit fontScale="90000"/>
+          </a:bodyPr>
+          <a:lstStyle/>
+          <a:p>
+            <a:r>
+              <a:rPr lang="en-US" altLang="zh-CN" dirty="0"/>
+              <a:t>Codec Conversion</a:t>
+            </a:r>
+            <a:br>
+              <a:rPr lang="en-US" altLang="zh-CN" dirty="0"/>
+            </a:br>
+            <a:br>
+              <a:rPr lang="en-US" altLang="zh-CN" dirty="0"/>
+            </a:br>
+            <a:endParaRPr lang="zh-CN" altLang="en-US" dirty="0"/>
+          </a:p>
+        </p:txBody>
+      </p:sp>
+      <p:sp>
+        <p:nvSpPr>
+          <p:cNvPr id="3" name="内容占位符 2">
+            <a:extLst>
+              <a:ext uri="{FF2B5EF4-FFF2-40B4-BE49-F238E27FC236}">
+                <a16:creationId xmlns:a16="http://schemas.microsoft.com/office/drawing/2014/main" id="{65B773BF-8D7E-447B-99B4-F29841BEF59C}"/>
+              </a:ext>
+            </a:extLst>
+          </p:cNvPr>
+          <p:cNvSpPr>
+            <a:spLocks noGrp="1"/>
+          </p:cNvSpPr>
+          <p:nvPr>
+            <p:ph idx="1"/>
+          </p:nvPr>
+        </p:nvSpPr>
+        <p:spPr/>
+        <p:txBody>
+          <a:bodyPr/>
+          <a:lstStyle/>
+          <a:p>
+            <a:r>
+              <a:rPr lang="en-US" altLang="zh-CN" dirty="0"/>
+              <a:t>Milestones</a:t>
+            </a:r>
+          </a:p>
+          <a:p>
+            <a:r>
+              <a:rPr lang="en-US" altLang="zh-CN" dirty="0"/>
+              <a:t>Convert between classical codecs like jpeg, </a:t>
+            </a:r>
+            <a:r>
+              <a:rPr lang="en-US" altLang="zh-CN" dirty="0" err="1"/>
+              <a:t>png</a:t>
+            </a:r>
+            <a:r>
+              <a:rPr lang="en-US" altLang="zh-CN" dirty="0"/>
+              <a:t> and neural network based codecs</a:t>
+            </a:r>
+          </a:p>
+          <a:p>
+            <a:pPr lvl="1"/>
+            <a:r>
+              <a:rPr lang="en-US" altLang="zh-CN" dirty="0"/>
+              <a:t>Convert between neural network based codecs</a:t>
+            </a:r>
+          </a:p>
+          <a:p>
+            <a:pPr lvl="1"/>
+            <a:r>
+              <a:rPr lang="en-US" altLang="zh-CN" dirty="0"/>
+              <a:t>Convert between classical codecs</a:t>
+            </a:r>
+          </a:p>
+          <a:p>
+            <a:pPr lvl="1"/>
+            <a:r>
+              <a:rPr lang="en-US" altLang="zh-CN" dirty="0"/>
+              <a:t>Can we convert between lossy compressed codes and lossless compressed codes with neural network</a:t>
+            </a:r>
+          </a:p>
+          <a:p>
+            <a:pPr marL="457200" lvl="1" indent="0">
+              <a:buNone/>
+            </a:pPr>
+            <a:endParaRPr lang="en-US" altLang="zh-CN" dirty="0"/>
+          </a:p>
+        </p:txBody>
+      </p:sp>
+    </p:spTree>
+    <p:extLst>
+      <p:ext uri="{BB962C8B-B14F-4D97-AF65-F5344CB8AC3E}">
+        <p14:creationId xmlns:p14="http://schemas.microsoft.com/office/powerpoint/2010/main" val="2260779395"/>
+      </p:ext>
+    </p:extLst>
+  </p:cSld>
+  <p:clrMapOvr>
+    <a:masterClrMapping/>
+  </p:clrMapOvr>
+</p:sld>
+</file>
+
 <file path=ppt/slides/slide2.xml><?xml version="1.0" encoding="utf-8"?>
 <p:sld xmlns:a="http://schemas.openxmlformats.org/drawingml/2006/main" xmlns:r="http://schemas.openxmlformats.org/officeDocument/2006/relationships" xmlns:p="http://schemas.openxmlformats.org/presentationml/2006/main">
   <p:cSld>
@@ -4070,8 +4593,22 @@
         </p:nvSpPr>
         <p:spPr/>
         <p:txBody>
-          <a:bodyPr/>
-          <a:lstStyle/>
+          <a:bodyPr>
+            <a:normAutofit/>
+          </a:bodyPr>
+          <a:lstStyle/>
+          <a:p>
+            <a:r>
+              <a:rPr lang="en-US" altLang="zh-CN" dirty="0"/>
+              <a:t>Computation</a:t>
+            </a:r>
+          </a:p>
+          <a:p>
+            <a:r>
+              <a:rPr lang="en-US" altLang="zh-CN" dirty="0"/>
+              <a:t>Data</a:t>
+            </a:r>
+          </a:p>
           <a:p>
             <a:r>
               <a:rPr lang="en-US" altLang="zh-CN" dirty="0"/>
@@ -4082,42 +4619,21 @@
             <a:pPr lvl="1"/>
             <a:r>
               <a:rPr lang="en-US" altLang="zh-CN" dirty="0"/>
-              <a:t>Data</a:t>
+              <a:t>Rate Variable Classification</a:t>
             </a:r>
           </a:p>
           <a:p>
             <a:pPr lvl="1"/>
             <a:r>
               <a:rPr lang="en-US" altLang="zh-CN" dirty="0"/>
-              <a:t>Compression</a:t>
+              <a:t>Two stage (isolated) optimization</a:t>
             </a:r>
           </a:p>
           <a:p>
             <a:pPr lvl="1"/>
             <a:r>
               <a:rPr lang="en-US" altLang="zh-CN" dirty="0"/>
-              <a:t>Classification</a:t>
-            </a:r>
-          </a:p>
-          <a:p>
-            <a:pPr lvl="1"/>
-            <a:r>
-              <a:rPr lang="en-US" altLang="zh-CN" dirty="0"/>
-              <a:t>Multi-Objective Optimization</a:t>
-            </a:r>
-          </a:p>
-          <a:p>
-            <a:pPr lvl="1"/>
-            <a:r>
-              <a:rPr lang="en-US" altLang="zh-CN" dirty="0"/>
-              <a:t>Preliminary Result</a:t>
-            </a:r>
-          </a:p>
-          <a:p>
-            <a:pPr lvl="1"/>
-            <a:r>
-              <a:rPr lang="en-US" altLang="zh-CN" dirty="0"/>
-              <a:t>Next Step</a:t>
+              <a:t>CIFAR10</a:t>
             </a:r>
           </a:p>
           <a:p>
@@ -4173,7 +4689,7 @@
           <p:cNvPr id="2" name="标题 1">
             <a:extLst>
               <a:ext uri="{FF2B5EF4-FFF2-40B4-BE49-F238E27FC236}">
-                <a16:creationId xmlns:a16="http://schemas.microsoft.com/office/drawing/2014/main" id="{7E4CFA14-E8C9-4F79-B31E-7AC8C0F7ADF4}"/>
+                <a16:creationId xmlns:a16="http://schemas.microsoft.com/office/drawing/2014/main" id="{79CF7ED7-445B-4732-928D-97004C11D38B}"/>
               </a:ext>
             </a:extLst>
           </p:cNvPr>
@@ -4191,11 +4707,8 @@
           <a:p>
             <a:r>
               <a:rPr lang="en-US" altLang="zh-CN" dirty="0"/>
-              <a:t>Compression and Classification</a:t>
-            </a:r>
-            <a:br>
-              <a:rPr lang="en-US" altLang="zh-CN" dirty="0"/>
-            </a:br>
+              <a:t>Computation</a:t>
+            </a:r>
             <a:endParaRPr lang="zh-CN" altLang="en-US" dirty="0"/>
           </a:p>
         </p:txBody>
@@ -4205,7 +4718,7 @@
           <p:cNvPr id="3" name="内容占位符 2">
             <a:extLst>
               <a:ext uri="{FF2B5EF4-FFF2-40B4-BE49-F238E27FC236}">
-                <a16:creationId xmlns:a16="http://schemas.microsoft.com/office/drawing/2014/main" id="{65B773BF-8D7E-447B-99B4-F29841BEF59C}"/>
+                <a16:creationId xmlns:a16="http://schemas.microsoft.com/office/drawing/2014/main" id="{69B00410-0AA5-45E1-9ECB-0D42BEFA8C53}"/>
               </a:ext>
             </a:extLst>
           </p:cNvPr>
@@ -4223,72 +4736,60 @@
           <a:p>
             <a:r>
               <a:rPr lang="en-US" altLang="zh-CN" dirty="0"/>
-              <a:t>Data</a:t>
+              <a:t>My own desktop GPU: GTX 1080 TI (cutting edge single-precision)</a:t>
+            </a:r>
+          </a:p>
+          <a:p>
+            <a:r>
+              <a:rPr lang="en-US" altLang="zh-CN" dirty="0"/>
+              <a:t>Azure(or AWS) cluster GPU available: V100, P100, K80 (double-precision, more memory)</a:t>
+            </a:r>
+          </a:p>
+          <a:p>
+            <a:r>
+              <a:rPr lang="en-US" altLang="zh-CN" dirty="0"/>
+              <a:t>GTX 1080 TI(~$750) is the same generation as P100 (~ $ 8000)</a:t>
+            </a:r>
+          </a:p>
+          <a:p>
+            <a:r>
+              <a:rPr lang="en-US" altLang="zh-CN" dirty="0"/>
+              <a:t>Test</a:t>
             </a:r>
           </a:p>
           <a:p>
             <a:pPr lvl="1"/>
             <a:r>
               <a:rPr lang="en-US" altLang="zh-CN" dirty="0"/>
-              <a:t>MNIST dataset</a:t>
-            </a:r>
-          </a:p>
-          <a:p>
-            <a:pPr lvl="2"/>
-            <a:r>
-              <a:rPr lang="en-US" altLang="zh-CN" dirty="0"/>
-              <a:t>60000 handwritten 0-9 digits images for training, 10000 for test</a:t>
-            </a:r>
-          </a:p>
-          <a:p>
-            <a:pPr lvl="2"/>
-            <a:r>
-              <a:rPr lang="en-US" altLang="zh-CN" dirty="0"/>
-              <a:t>Original shape 28x28, resized to 32x32</a:t>
+              <a:t>One epoch of running MNIST(10000 sample subset)</a:t>
+            </a:r>
+            <a:r>
+              <a:rPr lang="zh-CN" altLang="en-US"/>
+              <a:t> </a:t>
+            </a:r>
+            <a:r>
+              <a:rPr lang="en-US" altLang="zh-CN"/>
+              <a:t>on </a:t>
+            </a:r>
+            <a:r>
+              <a:rPr lang="en-US" altLang="zh-CN" dirty="0"/>
+              <a:t>our residual network takes 200 s on my machine and takes 680s on one K80</a:t>
             </a:r>
           </a:p>
           <a:p>
             <a:pPr lvl="1"/>
             <a:r>
               <a:rPr lang="en-US" altLang="zh-CN" dirty="0"/>
-              <a:t>CIFAR10 dataset</a:t>
-            </a:r>
-          </a:p>
-          <a:p>
-            <a:pPr lvl="2"/>
-            <a:r>
-              <a:rPr lang="en-US" altLang="zh-CN" dirty="0"/>
-              <a:t>50000 natural images of 10 classes like airplane, automobile, cat, dog, </a:t>
-            </a:r>
-            <a:r>
-              <a:rPr lang="en-US" altLang="zh-CN" dirty="0" err="1"/>
-              <a:t>etc</a:t>
-            </a:r>
-            <a:r>
-              <a:rPr lang="en-US" altLang="zh-CN" dirty="0"/>
-              <a:t> for training, 10000 for test</a:t>
-            </a:r>
-          </a:p>
-          <a:p>
-            <a:pPr lvl="2"/>
-            <a:r>
-              <a:rPr lang="en-US" altLang="zh-CN" dirty="0"/>
-              <a:t>Original shape 32x32</a:t>
-            </a:r>
-          </a:p>
-          <a:p>
-            <a:pPr lvl="1"/>
-            <a:r>
-              <a:rPr lang="en-US" altLang="zh-CN" dirty="0"/>
-              <a:t>Head Pose Image dataset</a:t>
-            </a:r>
-          </a:p>
-          <a:p>
-            <a:pPr lvl="2"/>
-            <a:r>
-              <a:rPr lang="en-US" altLang="zh-CN" dirty="0"/>
-              <a:t>http://www-prima.inrialpes.fr/perso/Gourier/Faces/HPDatabase.html</a:t>
-            </a:r>
+              <a:t>https://azure.microsoft.com/en-us/pricing/details/virtual-machines/linux/</a:t>
+            </a:r>
+          </a:p>
+          <a:p>
+            <a:pPr marL="457200" lvl="1" indent="0">
+              <a:buNone/>
+            </a:pPr>
+            <a:endParaRPr lang="en-US" altLang="zh-CN" dirty="0"/>
+          </a:p>
+          <a:p>
             <a:endParaRPr lang="zh-CN" altLang="en-US" dirty="0"/>
           </a:p>
         </p:txBody>
@@ -4296,7 +4797,7 @@
     </p:spTree>
     <p:extLst>
       <p:ext uri="{BB962C8B-B14F-4D97-AF65-F5344CB8AC3E}">
-        <p14:creationId xmlns:p14="http://schemas.microsoft.com/office/powerpoint/2010/main" val="996506143"/>
+        <p14:creationId xmlns:p14="http://schemas.microsoft.com/office/powerpoint/2010/main" val="1330275237"/>
       </p:ext>
     </p:extLst>
   </p:cSld>
@@ -4346,11 +4847,8 @@
           <a:p>
             <a:r>
               <a:rPr lang="en-US" altLang="zh-CN" dirty="0"/>
-              <a:t>Compression and Classification</a:t>
-            </a:r>
-            <a:br>
-              <a:rPr lang="en-US" altLang="zh-CN" dirty="0"/>
-            </a:br>
+              <a:t>Data</a:t>
+            </a:r>
             <a:endParaRPr lang="zh-CN" altLang="en-US" dirty="0"/>
           </a:p>
         </p:txBody>
@@ -4378,94 +4876,71 @@
           <a:p>
             <a:r>
               <a:rPr lang="en-US" altLang="zh-CN" dirty="0"/>
-              <a:t>Next Step</a:t>
+              <a:t>MNIST dataset</a:t>
             </a:r>
           </a:p>
           <a:p>
             <a:pPr lvl="1"/>
             <a:r>
-              <a:rPr lang="en-US" altLang="zh-CN" dirty="0">
-                <a:solidFill>
-                  <a:srgbClr val="FF0000"/>
-                </a:solidFill>
-              </a:rPr>
-              <a:t>Classification part is not rate variable</a:t>
+              <a:rPr lang="en-US" altLang="zh-CN" dirty="0"/>
+              <a:t>60000 handwritten 0-9 digits images for training, 10000 for test</a:t>
             </a:r>
           </a:p>
           <a:p>
             <a:pPr lvl="1"/>
             <a:r>
               <a:rPr lang="en-US" altLang="zh-CN" dirty="0"/>
-              <a:t>Tuning parameter for multi-objective optimization or </a:t>
-            </a:r>
-            <a:r>
-              <a:rPr lang="en-US" altLang="zh-CN" dirty="0">
-                <a:solidFill>
-                  <a:srgbClr val="FFC000"/>
-                </a:solidFill>
-              </a:rPr>
-              <a:t>two stage (isolated) optimization</a:t>
+              <a:t>Original shape 28x28, resized to 32x32</a:t>
+            </a:r>
+          </a:p>
+          <a:p>
+            <a:r>
+              <a:rPr lang="en-US" altLang="zh-CN" dirty="0"/>
+              <a:t>CIFAR10 dataset</a:t>
             </a:r>
           </a:p>
           <a:p>
             <a:pPr lvl="1"/>
             <a:r>
-              <a:rPr lang="en-US" altLang="zh-CN" dirty="0">
-                <a:solidFill>
-                  <a:srgbClr val="FF0000"/>
-                </a:solidFill>
-              </a:rPr>
-              <a:t>More complex </a:t>
-            </a:r>
-            <a:r>
-              <a:rPr lang="en-US" altLang="zh-CN" dirty="0" err="1">
-                <a:solidFill>
-                  <a:srgbClr val="FF0000"/>
-                </a:solidFill>
-              </a:rPr>
-              <a:t>iid</a:t>
-            </a:r>
-            <a:r>
-              <a:rPr lang="en-US" altLang="zh-CN" dirty="0">
-                <a:solidFill>
-                  <a:srgbClr val="FF0000"/>
-                </a:solidFill>
-              </a:rPr>
-              <a:t> image data, like CIFAR10, </a:t>
-            </a:r>
-            <a:r>
-              <a:rPr lang="en-US" altLang="zh-CN" dirty="0"/>
-              <a:t>ImageNet</a:t>
+              <a:rPr lang="en-US" altLang="zh-CN" dirty="0"/>
+              <a:t>50000 natural images of 10 classes like airplane, automobile, cat, dog, </a:t>
+            </a:r>
+            <a:r>
+              <a:rPr lang="en-US" altLang="zh-CN" dirty="0" err="1"/>
+              <a:t>etc</a:t>
+            </a:r>
+            <a:r>
+              <a:rPr lang="en-US" altLang="zh-CN" dirty="0"/>
+              <a:t> for training, 10000 for test</a:t>
             </a:r>
           </a:p>
           <a:p>
             <a:pPr lvl="1"/>
             <a:r>
-              <a:rPr lang="en-US" altLang="zh-CN" dirty="0">
-                <a:solidFill>
-                  <a:srgbClr val="FFC000"/>
-                </a:solidFill>
-              </a:rPr>
-              <a:t>Video data, and add LSTM for patch data?</a:t>
-            </a:r>
-            <a:r>
-              <a:rPr lang="en-US" altLang="zh-CN" dirty="0"/>
-              <a:t> for frame data?</a:t>
+              <a:rPr lang="en-US" altLang="zh-CN" dirty="0"/>
+              <a:t>Original shape 32x32</a:t>
+            </a:r>
+          </a:p>
+          <a:p>
+            <a:r>
+              <a:rPr lang="en-US" altLang="zh-CN" dirty="0"/>
+              <a:t>Head Pose Image dataset</a:t>
             </a:r>
           </a:p>
           <a:p>
             <a:pPr lvl="1"/>
             <a:r>
               <a:rPr lang="en-US" altLang="zh-CN" dirty="0"/>
-              <a:t>Web crawler for retrieving large volume of data to search for architecture and compressing images</a:t>
-            </a:r>
+              <a:t>http://www-prima.inrialpes.fr/perso/Gourier/Faces/HPDatabase.html</a:t>
+            </a:r>
+            <a:endParaRPr lang="zh-CN" altLang="en-US" dirty="0"/>
           </a:p>
         </p:txBody>
       </p:sp>
     </p:spTree>
     <p:extLst>
       <p:ext uri="{BB962C8B-B14F-4D97-AF65-F5344CB8AC3E}">
-        <p14:creationId xmlns:p14="http://schemas.microsoft.com/office/powerpoint/2010/main" val="3865998934"/>
+        <p14:creationId xmlns:p14="http://schemas.microsoft.com/office/powerpoint/2010/main" val="996506143"/>
       </p:ext>
     </p:extLst>
   </p:cSld>
@@ -4497,7 +4972,7 @@
           <p:cNvPr id="2" name="标题 1">
             <a:extLst>
               <a:ext uri="{FF2B5EF4-FFF2-40B4-BE49-F238E27FC236}">
-                <a16:creationId xmlns:a16="http://schemas.microsoft.com/office/drawing/2014/main" id="{7B2A1942-1BEC-40D2-9DC4-D7C87FB14784}"/>
+                <a16:creationId xmlns:a16="http://schemas.microsoft.com/office/drawing/2014/main" id="{7E4CFA14-E8C9-4F79-B31E-7AC8C0F7ADF4}"/>
               </a:ext>
             </a:extLst>
           </p:cNvPr>
@@ -4517,6 +4992,9 @@
               <a:rPr lang="en-US" altLang="zh-CN" dirty="0"/>
               <a:t>Compression and Classification</a:t>
             </a:r>
+            <a:br>
+              <a:rPr lang="en-US" altLang="zh-CN" dirty="0"/>
+            </a:br>
             <a:endParaRPr lang="zh-CN" altLang="en-US" dirty="0"/>
           </a:p>
         </p:txBody>
@@ -4526,7 +5004,7 @@
           <p:cNvPr id="3" name="内容占位符 2">
             <a:extLst>
               <a:ext uri="{FF2B5EF4-FFF2-40B4-BE49-F238E27FC236}">
-                <a16:creationId xmlns:a16="http://schemas.microsoft.com/office/drawing/2014/main" id="{BC65CE38-BA13-4505-BDCA-8479C11833B0}"/>
+                <a16:creationId xmlns:a16="http://schemas.microsoft.com/office/drawing/2014/main" id="{65B773BF-8D7E-447B-99B4-F29841BEF59C}"/>
               </a:ext>
             </a:extLst>
           </p:cNvPr>
@@ -4539,23 +5017,99 @@
         </p:nvSpPr>
         <p:spPr/>
         <p:txBody>
-          <a:bodyPr>
-            <a:normAutofit/>
-          </a:bodyPr>
-          <a:lstStyle/>
-          <a:p>
-            <a:r>
-              <a:rPr lang="en-US" altLang="zh-CN" dirty="0"/>
+          <a:bodyPr/>
+          <a:lstStyle/>
+          <a:p>
+            <a:r>
+              <a:rPr lang="en-US" altLang="zh-CN" dirty="0"/>
+              <a:t>Milestones</a:t>
+            </a:r>
+          </a:p>
+          <a:p>
+            <a:pPr lvl="1"/>
+            <a:r>
+              <a:rPr lang="en-US" altLang="zh-CN" dirty="0">
+                <a:solidFill>
+                  <a:srgbClr val="FF0000"/>
+                </a:solidFill>
+              </a:rPr>
               <a:t>Classification part is not rate variable</a:t>
             </a:r>
-            <a:endParaRPr lang="zh-CN" altLang="en-US" dirty="0"/>
+          </a:p>
+          <a:p>
+            <a:pPr lvl="1"/>
+            <a:r>
+              <a:rPr lang="en-US" altLang="zh-CN" dirty="0"/>
+              <a:t>Tuning parameter for multi-objective optimization or </a:t>
+            </a:r>
+            <a:r>
+              <a:rPr lang="en-US" altLang="zh-CN" dirty="0">
+                <a:solidFill>
+                  <a:srgbClr val="FFC000"/>
+                </a:solidFill>
+              </a:rPr>
+              <a:t>two stage (isolated) optimization</a:t>
+            </a:r>
+          </a:p>
+          <a:p>
+            <a:pPr lvl="1"/>
+            <a:r>
+              <a:rPr lang="en-US" altLang="zh-CN" dirty="0">
+                <a:solidFill>
+                  <a:srgbClr val="FF0000"/>
+                </a:solidFill>
+              </a:rPr>
+              <a:t>More complex </a:t>
+            </a:r>
+            <a:r>
+              <a:rPr lang="en-US" altLang="zh-CN" dirty="0" err="1">
+                <a:solidFill>
+                  <a:srgbClr val="FF0000"/>
+                </a:solidFill>
+              </a:rPr>
+              <a:t>iid</a:t>
+            </a:r>
+            <a:r>
+              <a:rPr lang="en-US" altLang="zh-CN" dirty="0">
+                <a:solidFill>
+                  <a:srgbClr val="FF0000"/>
+                </a:solidFill>
+              </a:rPr>
+              <a:t> image data, like CIFAR10, </a:t>
+            </a:r>
+            <a:r>
+              <a:rPr lang="en-US" altLang="zh-CN" dirty="0"/>
+              <a:t>ImageNet</a:t>
+            </a:r>
+          </a:p>
+          <a:p>
+            <a:pPr lvl="1"/>
+            <a:r>
+              <a:rPr lang="en-US" altLang="zh-CN" dirty="0">
+                <a:solidFill>
+                  <a:srgbClr val="FFC000"/>
+                </a:solidFill>
+              </a:rPr>
+              <a:t>Video data, and add LSTM for patch data?</a:t>
+            </a:r>
+            <a:r>
+              <a:rPr lang="en-US" altLang="zh-CN" dirty="0"/>
+              <a:t> for frame data?</a:t>
+            </a:r>
+          </a:p>
+          <a:p>
+            <a:pPr lvl="1"/>
+            <a:r>
+              <a:rPr lang="en-US" altLang="zh-CN" dirty="0"/>
+              <a:t>Web crawler for retrieving large volume of data to search for architecture and compressing images</a:t>
+            </a:r>
           </a:p>
         </p:txBody>
       </p:sp>
     </p:spTree>
     <p:extLst>
       <p:ext uri="{BB962C8B-B14F-4D97-AF65-F5344CB8AC3E}">
-        <p14:creationId xmlns:p14="http://schemas.microsoft.com/office/powerpoint/2010/main" val="2990382200"/>
+        <p14:creationId xmlns:p14="http://schemas.microsoft.com/office/powerpoint/2010/main" val="3865998934"/>
       </p:ext>
     </p:extLst>
   </p:cSld>
@@ -4638,14 +5192,20 @@
               <a:rPr lang="en-US" altLang="zh-CN" dirty="0"/>
               <a:t>Classification part is not rate variable</a:t>
             </a:r>
-            <a:endParaRPr lang="zh-CN" altLang="en-US" dirty="0"/>
+          </a:p>
+          <a:p>
+            <a:pPr lvl="1"/>
+            <a:r>
+              <a:rPr lang="en-US" altLang="zh-CN" dirty="0"/>
+              <a:t>With pure LSTM based network, we can achieve rate variable classification</a:t>
+            </a:r>
           </a:p>
         </p:txBody>
       </p:sp>
     </p:spTree>
     <p:extLst>
       <p:ext uri="{BB962C8B-B14F-4D97-AF65-F5344CB8AC3E}">
-        <p14:creationId xmlns:p14="http://schemas.microsoft.com/office/powerpoint/2010/main" val="802639922"/>
+        <p14:creationId xmlns:p14="http://schemas.microsoft.com/office/powerpoint/2010/main" val="445564549"/>
       </p:ext>
     </p:extLst>
   </p:cSld>
@@ -4677,7 +5237,7 @@
           <p:cNvPr id="2" name="标题 1">
             <a:extLst>
               <a:ext uri="{FF2B5EF4-FFF2-40B4-BE49-F238E27FC236}">
-                <a16:creationId xmlns:a16="http://schemas.microsoft.com/office/drawing/2014/main" id="{7E4CFA14-E8C9-4F79-B31E-7AC8C0F7ADF4}"/>
+                <a16:creationId xmlns:a16="http://schemas.microsoft.com/office/drawing/2014/main" id="{7B2A1942-1BEC-40D2-9DC4-D7C87FB14784}"/>
               </a:ext>
             </a:extLst>
           </p:cNvPr>
@@ -4688,91 +5248,45 @@
             <p:ph type="title"/>
           </p:nvPr>
         </p:nvSpPr>
-        <p:spPr>
-          <a:xfrm>
-            <a:off x="838200" y="681037"/>
-            <a:ext cx="10515600" cy="1325563"/>
-          </a:xfrm>
-        </p:spPr>
+        <p:spPr/>
+        <p:txBody>
+          <a:bodyPr/>
+          <a:lstStyle/>
+          <a:p>
+            <a:r>
+              <a:rPr lang="en-US" altLang="zh-CN" dirty="0"/>
+              <a:t>Compression and Classification</a:t>
+            </a:r>
+            <a:endParaRPr lang="zh-CN" altLang="en-US" dirty="0"/>
+          </a:p>
+        </p:txBody>
+      </p:sp>
+      <p:sp>
+        <p:nvSpPr>
+          <p:cNvPr id="3" name="内容占位符 2">
+            <a:extLst>
+              <a:ext uri="{FF2B5EF4-FFF2-40B4-BE49-F238E27FC236}">
+                <a16:creationId xmlns:a16="http://schemas.microsoft.com/office/drawing/2014/main" id="{BC65CE38-BA13-4505-BDCA-8479C11833B0}"/>
+              </a:ext>
+            </a:extLst>
+          </p:cNvPr>
+          <p:cNvSpPr>
+            <a:spLocks noGrp="1"/>
+          </p:cNvSpPr>
+          <p:nvPr>
+            <p:ph idx="1"/>
+          </p:nvPr>
+        </p:nvSpPr>
+        <p:spPr/>
         <p:txBody>
           <a:bodyPr>
-            <a:normAutofit fontScale="90000"/>
+            <a:normAutofit/>
           </a:bodyPr>
           <a:lstStyle/>
           <a:p>
             <a:r>
               <a:rPr lang="en-US" altLang="zh-CN" dirty="0"/>
-              <a:t>Distributed Compression</a:t>
-            </a:r>
-            <a:br>
-              <a:rPr lang="en-US" altLang="zh-CN" dirty="0"/>
-            </a:br>
-            <a:br>
-              <a:rPr lang="en-US" altLang="zh-CN" dirty="0"/>
-            </a:br>
-            <a:endParaRPr lang="zh-CN" altLang="en-US" dirty="0"/>
-          </a:p>
-        </p:txBody>
-      </p:sp>
-      <p:sp>
-        <p:nvSpPr>
-          <p:cNvPr id="3" name="内容占位符 2">
-            <a:extLst>
-              <a:ext uri="{FF2B5EF4-FFF2-40B4-BE49-F238E27FC236}">
-                <a16:creationId xmlns:a16="http://schemas.microsoft.com/office/drawing/2014/main" id="{65B773BF-8D7E-447B-99B4-F29841BEF59C}"/>
-              </a:ext>
-            </a:extLst>
-          </p:cNvPr>
-          <p:cNvSpPr>
-            <a:spLocks noGrp="1"/>
-          </p:cNvSpPr>
-          <p:nvPr>
-            <p:ph idx="1"/>
-          </p:nvPr>
-        </p:nvSpPr>
-        <p:spPr/>
-        <p:txBody>
-          <a:bodyPr/>
-          <a:lstStyle/>
-          <a:p>
-            <a:r>
-              <a:rPr lang="en-US" altLang="zh-CN" dirty="0"/>
-              <a:t>Next Step</a:t>
-            </a:r>
-          </a:p>
-          <a:p>
-            <a:pPr lvl="1"/>
-            <a:r>
-              <a:rPr lang="en-US" altLang="zh-CN" dirty="0"/>
-              <a:t>Split image dataset into several subset of data</a:t>
-            </a:r>
-          </a:p>
-          <a:p>
-            <a:pPr lvl="1"/>
-            <a:r>
-              <a:rPr lang="en-US" altLang="zh-CN" dirty="0"/>
-              <a:t>Each slave node has a sperate encoder</a:t>
-            </a:r>
-          </a:p>
-          <a:p>
-            <a:pPr lvl="1"/>
-            <a:r>
-              <a:rPr lang="en-US" altLang="zh-CN" dirty="0"/>
-              <a:t>The main host receive the codes from slave nodes and concatenate them together to decode them from a single decoder</a:t>
-            </a:r>
-          </a:p>
-          <a:p>
-            <a:pPr lvl="1"/>
-            <a:r>
-              <a:rPr lang="en-US" altLang="zh-CN" dirty="0"/>
-              <a:t>The system should yield better rate-distortion curve compared to decode each slave node separately</a:t>
-            </a:r>
-          </a:p>
-          <a:p>
-            <a:pPr lvl="1"/>
-            <a:r>
-              <a:rPr lang="en-US" altLang="zh-CN" dirty="0"/>
-              <a:t>Possible to add classification and other objectives</a:t>
+              <a:t>Two stage (isolated) optimization</a:t>
             </a:r>
           </a:p>
         </p:txBody>
@@ -4780,7 +5294,7 @@
     </p:spTree>
     <p:extLst>
       <p:ext uri="{BB962C8B-B14F-4D97-AF65-F5344CB8AC3E}">
-        <p14:creationId xmlns:p14="http://schemas.microsoft.com/office/powerpoint/2010/main" val="1769019586"/>
+        <p14:creationId xmlns:p14="http://schemas.microsoft.com/office/powerpoint/2010/main" val="2990382200"/>
       </p:ext>
     </p:extLst>
   </p:cSld>
@@ -4812,7 +5326,7 @@
           <p:cNvPr id="2" name="标题 1">
             <a:extLst>
               <a:ext uri="{FF2B5EF4-FFF2-40B4-BE49-F238E27FC236}">
-                <a16:creationId xmlns:a16="http://schemas.microsoft.com/office/drawing/2014/main" id="{7E4CFA14-E8C9-4F79-B31E-7AC8C0F7ADF4}"/>
+                <a16:creationId xmlns:a16="http://schemas.microsoft.com/office/drawing/2014/main" id="{7B2A1942-1BEC-40D2-9DC4-D7C87FB14784}"/>
               </a:ext>
             </a:extLst>
           </p:cNvPr>
@@ -4823,106 +5337,182 @@
             <p:ph type="title"/>
           </p:nvPr>
         </p:nvSpPr>
-        <p:spPr>
-          <a:xfrm>
-            <a:off x="838200" y="681037"/>
-            <a:ext cx="10515600" cy="1325563"/>
-          </a:xfrm>
-        </p:spPr>
+        <p:spPr/>
+        <p:txBody>
+          <a:bodyPr/>
+          <a:lstStyle/>
+          <a:p>
+            <a:r>
+              <a:rPr lang="en-US" altLang="zh-CN" dirty="0"/>
+              <a:t>Compression and Classification</a:t>
+            </a:r>
+            <a:endParaRPr lang="zh-CN" altLang="en-US" dirty="0"/>
+          </a:p>
+        </p:txBody>
+      </p:sp>
+      <p:sp>
+        <p:nvSpPr>
+          <p:cNvPr id="3" name="内容占位符 2">
+            <a:extLst>
+              <a:ext uri="{FF2B5EF4-FFF2-40B4-BE49-F238E27FC236}">
+                <a16:creationId xmlns:a16="http://schemas.microsoft.com/office/drawing/2014/main" id="{BC65CE38-BA13-4505-BDCA-8479C11833B0}"/>
+              </a:ext>
+            </a:extLst>
+          </p:cNvPr>
+          <p:cNvSpPr>
+            <a:spLocks noGrp="1"/>
+          </p:cNvSpPr>
+          <p:nvPr>
+            <p:ph idx="1"/>
+          </p:nvPr>
+        </p:nvSpPr>
+        <p:spPr/>
         <p:txBody>
           <a:bodyPr>
-            <a:normAutofit fontScale="90000"/>
+            <a:normAutofit/>
           </a:bodyPr>
           <a:lstStyle/>
           <a:p>
             <a:r>
               <a:rPr lang="en-US" altLang="zh-CN" dirty="0"/>
-              <a:t>Codec Conversion</a:t>
-            </a:r>
-            <a:br>
-              <a:rPr lang="en-US" altLang="zh-CN" dirty="0"/>
-            </a:br>
-            <a:br>
-              <a:rPr lang="en-US" altLang="zh-CN" dirty="0"/>
-            </a:br>
+              <a:t>CIFAR10</a:t>
+            </a:r>
             <a:endParaRPr lang="zh-CN" altLang="en-US" dirty="0"/>
-          </a:p>
-        </p:txBody>
-      </p:sp>
-      <p:sp>
-        <p:nvSpPr>
-          <p:cNvPr id="3" name="内容占位符 2">
-            <a:extLst>
-              <a:ext uri="{FF2B5EF4-FFF2-40B4-BE49-F238E27FC236}">
-                <a16:creationId xmlns:a16="http://schemas.microsoft.com/office/drawing/2014/main" id="{65B773BF-8D7E-447B-99B4-F29841BEF59C}"/>
-              </a:ext>
-            </a:extLst>
-          </p:cNvPr>
-          <p:cNvSpPr>
-            <a:spLocks noGrp="1"/>
-          </p:cNvSpPr>
-          <p:nvPr>
-            <p:ph idx="1"/>
-          </p:nvPr>
-        </p:nvSpPr>
-        <p:spPr/>
-        <p:txBody>
-          <a:bodyPr/>
-          <a:lstStyle/>
-          <a:p>
-            <a:r>
-              <a:rPr lang="en-US" altLang="zh-CN" dirty="0"/>
-              <a:t>Next Step</a:t>
-            </a:r>
-          </a:p>
-          <a:p>
-            <a:pPr lvl="1"/>
-            <a:r>
-              <a:rPr lang="en-US" altLang="zh-CN" dirty="0"/>
-              <a:t>Convert between classical codecs like jpeg, </a:t>
-            </a:r>
-            <a:r>
-              <a:rPr lang="en-US" altLang="zh-CN" dirty="0" err="1"/>
-              <a:t>png</a:t>
-            </a:r>
-            <a:r>
-              <a:rPr lang="en-US" altLang="zh-CN" dirty="0"/>
-              <a:t> and neural network based codecs</a:t>
-            </a:r>
-          </a:p>
-          <a:p>
-            <a:pPr lvl="1"/>
-            <a:r>
-              <a:rPr lang="en-US" altLang="zh-CN" dirty="0"/>
-              <a:t>Convert between neural network based codecs</a:t>
-            </a:r>
-          </a:p>
-          <a:p>
-            <a:pPr lvl="1"/>
-            <a:r>
-              <a:rPr lang="en-US" altLang="zh-CN" dirty="0"/>
-              <a:t>Convert between classical codecs</a:t>
-            </a:r>
-          </a:p>
-          <a:p>
-            <a:pPr lvl="1"/>
-            <a:r>
-              <a:rPr lang="en-US" altLang="zh-CN" dirty="0"/>
-              <a:t>Can we convert between lossy compressed codes and lossless compressed codes with neural network</a:t>
-            </a:r>
-          </a:p>
-          <a:p>
-            <a:pPr marL="457200" lvl="1" indent="0">
-              <a:buNone/>
-            </a:pPr>
-            <a:endParaRPr lang="en-US" altLang="zh-CN" dirty="0"/>
           </a:p>
         </p:txBody>
       </p:sp>
     </p:spTree>
     <p:extLst>
       <p:ext uri="{BB962C8B-B14F-4D97-AF65-F5344CB8AC3E}">
-        <p14:creationId xmlns:p14="http://schemas.microsoft.com/office/powerpoint/2010/main" val="2260779395"/>
+        <p14:creationId xmlns:p14="http://schemas.microsoft.com/office/powerpoint/2010/main" val="802639922"/>
+      </p:ext>
+    </p:extLst>
+  </p:cSld>
+  <p:clrMapOvr>
+    <a:masterClrMapping/>
+  </p:clrMapOvr>
+</p:sld>
+</file>
+
+<file path=ppt/slides/slide9.xml><?xml version="1.0" encoding="utf-8"?>
+<p:sld xmlns:a="http://schemas.openxmlformats.org/drawingml/2006/main" xmlns:r="http://schemas.openxmlformats.org/officeDocument/2006/relationships" xmlns:p="http://schemas.openxmlformats.org/presentationml/2006/main">
+  <p:cSld>
+    <p:spTree>
+      <p:nvGrpSpPr>
+        <p:cNvPr id="1" name=""/>
+        <p:cNvGrpSpPr/>
+        <p:nvPr/>
+      </p:nvGrpSpPr>
+      <p:grpSpPr>
+        <a:xfrm>
+          <a:off x="0" y="0"/>
+          <a:ext cx="0" cy="0"/>
+          <a:chOff x="0" y="0"/>
+          <a:chExt cx="0" cy="0"/>
+        </a:xfrm>
+      </p:grpSpPr>
+      <p:sp>
+        <p:nvSpPr>
+          <p:cNvPr id="2" name="标题 1">
+            <a:extLst>
+              <a:ext uri="{FF2B5EF4-FFF2-40B4-BE49-F238E27FC236}">
+                <a16:creationId xmlns:a16="http://schemas.microsoft.com/office/drawing/2014/main" id="{7B2A1942-1BEC-40D2-9DC4-D7C87FB14784}"/>
+              </a:ext>
+            </a:extLst>
+          </p:cNvPr>
+          <p:cNvSpPr>
+            <a:spLocks noGrp="1"/>
+          </p:cNvSpPr>
+          <p:nvPr>
+            <p:ph type="title"/>
+          </p:nvPr>
+        </p:nvSpPr>
+        <p:spPr/>
+        <p:txBody>
+          <a:bodyPr/>
+          <a:lstStyle/>
+          <a:p>
+            <a:r>
+              <a:rPr lang="en-US" altLang="zh-CN" dirty="0"/>
+              <a:t>Compression and Classification</a:t>
+            </a:r>
+            <a:endParaRPr lang="zh-CN" altLang="en-US" dirty="0"/>
+          </a:p>
+        </p:txBody>
+      </p:sp>
+      <p:sp>
+        <p:nvSpPr>
+          <p:cNvPr id="3" name="内容占位符 2">
+            <a:extLst>
+              <a:ext uri="{FF2B5EF4-FFF2-40B4-BE49-F238E27FC236}">
+                <a16:creationId xmlns:a16="http://schemas.microsoft.com/office/drawing/2014/main" id="{BC65CE38-BA13-4505-BDCA-8479C11833B0}"/>
+              </a:ext>
+            </a:extLst>
+          </p:cNvPr>
+          <p:cNvSpPr>
+            <a:spLocks noGrp="1"/>
+          </p:cNvSpPr>
+          <p:nvPr>
+            <p:ph idx="1"/>
+          </p:nvPr>
+        </p:nvSpPr>
+        <p:spPr/>
+        <p:txBody>
+          <a:bodyPr>
+            <a:normAutofit/>
+          </a:bodyPr>
+          <a:lstStyle/>
+          <a:p>
+            <a:r>
+              <a:rPr lang="en-US" altLang="zh-CN" dirty="0"/>
+              <a:t>Patched LSTM</a:t>
+            </a:r>
+          </a:p>
+          <a:p>
+            <a:pPr lvl="1"/>
+            <a:r>
+              <a:rPr lang="en-US" altLang="zh-CN" dirty="0"/>
+              <a:t>Pad and </a:t>
+            </a:r>
+            <a:r>
+              <a:rPr lang="en-US" altLang="zh-CN" dirty="0" err="1"/>
+              <a:t>unpad</a:t>
+            </a:r>
+            <a:r>
+              <a:rPr lang="en-US" altLang="zh-CN" dirty="0"/>
+              <a:t> different size of images (sequence), otherwise we can only use </a:t>
+            </a:r>
+            <a:r>
+              <a:rPr lang="en-US" altLang="zh-CN" dirty="0" err="1"/>
+              <a:t>batch_size</a:t>
+            </a:r>
+            <a:r>
+              <a:rPr lang="en-US" altLang="zh-CN" dirty="0"/>
+              <a:t> = 1</a:t>
+            </a:r>
+          </a:p>
+          <a:p>
+            <a:pPr lvl="1"/>
+            <a:r>
+              <a:rPr lang="en-US" altLang="zh-CN"/>
+              <a:t>(Variable rate) </a:t>
+            </a:r>
+            <a:r>
+              <a:rPr lang="en-US" altLang="zh-CN" dirty="0"/>
+              <a:t>classification for non-uniform sizes </a:t>
+            </a:r>
+            <a:r>
+              <a:rPr lang="en-US" altLang="zh-CN"/>
+              <a:t>of images</a:t>
+            </a:r>
+            <a:endParaRPr lang="en-US" altLang="zh-CN" dirty="0"/>
+          </a:p>
+        </p:txBody>
+      </p:sp>
+    </p:spTree>
+    <p:extLst>
+      <p:ext uri="{BB962C8B-B14F-4D97-AF65-F5344CB8AC3E}">
+        <p14:creationId xmlns:p14="http://schemas.microsoft.com/office/powerpoint/2010/main" val="3792319055"/>
       </p:ext>
     </p:extLst>
   </p:cSld>

--- a/doc/Report/ongoing.pptx
+++ b/doc/Report/ongoing.pptx
@@ -5,20 +5,21 @@
     <p:sldMasterId id="2147483648" r:id="rId1"/>
   </p:sldMasterIdLst>
   <p:notesMasterIdLst>
-    <p:notesMasterId r:id="rId13"/>
+    <p:notesMasterId r:id="rId14"/>
   </p:notesMasterIdLst>
   <p:sldIdLst>
     <p:sldId id="271" r:id="rId2"/>
     <p:sldId id="295" r:id="rId3"/>
     <p:sldId id="308" r:id="rId4"/>
-    <p:sldId id="296" r:id="rId5"/>
-    <p:sldId id="302" r:id="rId6"/>
-    <p:sldId id="309" r:id="rId7"/>
-    <p:sldId id="306" r:id="rId8"/>
-    <p:sldId id="307" r:id="rId9"/>
-    <p:sldId id="310" r:id="rId10"/>
-    <p:sldId id="304" r:id="rId11"/>
-    <p:sldId id="305" r:id="rId12"/>
+    <p:sldId id="311" r:id="rId5"/>
+    <p:sldId id="296" r:id="rId6"/>
+    <p:sldId id="302" r:id="rId7"/>
+    <p:sldId id="309" r:id="rId8"/>
+    <p:sldId id="306" r:id="rId9"/>
+    <p:sldId id="307" r:id="rId10"/>
+    <p:sldId id="310" r:id="rId11"/>
+    <p:sldId id="304" r:id="rId12"/>
+    <p:sldId id="305" r:id="rId13"/>
   </p:sldIdLst>
   <p:sldSz cx="12192000" cy="6858000"/>
   <p:notesSz cx="6858000" cy="9144000"/>
@@ -207,7 +208,7 @@
           <a:p>
             <a:fld id="{97BE2177-E45B-449F-AE2E-ED4743253C6D}" type="datetimeFigureOut">
               <a:rPr lang="zh-CN" altLang="en-US" smtClean="0"/>
-              <a:t>2018/9/5</a:t>
+              <a:t>2018/9/9</a:t>
             </a:fld>
             <a:endParaRPr lang="zh-CN" altLang="en-US"/>
           </a:p>
@@ -623,7 +624,7 @@
           <a:p>
             <a:fld id="{C676D08B-1E4C-4901-ABEC-209650D3181D}" type="slidenum">
               <a:rPr lang="zh-CN" altLang="en-US" smtClean="0"/>
-              <a:t>6</a:t>
+              <a:t>7</a:t>
             </a:fld>
             <a:endParaRPr lang="zh-CN" altLang="en-US"/>
           </a:p>
@@ -707,7 +708,7 @@
           <a:p>
             <a:fld id="{C676D08B-1E4C-4901-ABEC-209650D3181D}" type="slidenum">
               <a:rPr lang="zh-CN" altLang="en-US" smtClean="0"/>
-              <a:t>7</a:t>
+              <a:t>8</a:t>
             </a:fld>
             <a:endParaRPr lang="zh-CN" altLang="en-US"/>
           </a:p>
@@ -791,7 +792,7 @@
           <a:p>
             <a:fld id="{C676D08B-1E4C-4901-ABEC-209650D3181D}" type="slidenum">
               <a:rPr lang="zh-CN" altLang="en-US" smtClean="0"/>
-              <a:t>8</a:t>
+              <a:t>9</a:t>
             </a:fld>
             <a:endParaRPr lang="zh-CN" altLang="en-US"/>
           </a:p>
@@ -875,7 +876,7 @@
           <a:p>
             <a:fld id="{C676D08B-1E4C-4901-ABEC-209650D3181D}" type="slidenum">
               <a:rPr lang="zh-CN" altLang="en-US" smtClean="0"/>
-              <a:t>9</a:t>
+              <a:t>10</a:t>
             </a:fld>
             <a:endParaRPr lang="zh-CN" altLang="en-US"/>
           </a:p>
@@ -1041,7 +1042,7 @@
           <a:p>
             <a:fld id="{B9614994-C529-43AC-BD2C-52D47B0301A5}" type="datetimeFigureOut">
               <a:rPr lang="zh-CN" altLang="en-US" smtClean="0"/>
-              <a:t>2018/9/5</a:t>
+              <a:t>2018/9/9</a:t>
             </a:fld>
             <a:endParaRPr lang="zh-CN" altLang="en-US"/>
           </a:p>
@@ -1239,7 +1240,7 @@
           <a:p>
             <a:fld id="{B9614994-C529-43AC-BD2C-52D47B0301A5}" type="datetimeFigureOut">
               <a:rPr lang="zh-CN" altLang="en-US" smtClean="0"/>
-              <a:t>2018/9/5</a:t>
+              <a:t>2018/9/9</a:t>
             </a:fld>
             <a:endParaRPr lang="zh-CN" altLang="en-US"/>
           </a:p>
@@ -1447,7 +1448,7 @@
           <a:p>
             <a:fld id="{B9614994-C529-43AC-BD2C-52D47B0301A5}" type="datetimeFigureOut">
               <a:rPr lang="zh-CN" altLang="en-US" smtClean="0"/>
-              <a:t>2018/9/5</a:t>
+              <a:t>2018/9/9</a:t>
             </a:fld>
             <a:endParaRPr lang="zh-CN" altLang="en-US"/>
           </a:p>
@@ -1645,7 +1646,7 @@
           <a:p>
             <a:fld id="{B9614994-C529-43AC-BD2C-52D47B0301A5}" type="datetimeFigureOut">
               <a:rPr lang="zh-CN" altLang="en-US" smtClean="0"/>
-              <a:t>2018/9/5</a:t>
+              <a:t>2018/9/9</a:t>
             </a:fld>
             <a:endParaRPr lang="zh-CN" altLang="en-US"/>
           </a:p>
@@ -1920,7 +1921,7 @@
           <a:p>
             <a:fld id="{B9614994-C529-43AC-BD2C-52D47B0301A5}" type="datetimeFigureOut">
               <a:rPr lang="zh-CN" altLang="en-US" smtClean="0"/>
-              <a:t>2018/9/5</a:t>
+              <a:t>2018/9/9</a:t>
             </a:fld>
             <a:endParaRPr lang="zh-CN" altLang="en-US"/>
           </a:p>
@@ -2185,7 +2186,7 @@
           <a:p>
             <a:fld id="{B9614994-C529-43AC-BD2C-52D47B0301A5}" type="datetimeFigureOut">
               <a:rPr lang="zh-CN" altLang="en-US" smtClean="0"/>
-              <a:t>2018/9/5</a:t>
+              <a:t>2018/9/9</a:t>
             </a:fld>
             <a:endParaRPr lang="zh-CN" altLang="en-US"/>
           </a:p>
@@ -2597,7 +2598,7 @@
           <a:p>
             <a:fld id="{B9614994-C529-43AC-BD2C-52D47B0301A5}" type="datetimeFigureOut">
               <a:rPr lang="zh-CN" altLang="en-US" smtClean="0"/>
-              <a:t>2018/9/5</a:t>
+              <a:t>2018/9/9</a:t>
             </a:fld>
             <a:endParaRPr lang="zh-CN" altLang="en-US"/>
           </a:p>
@@ -2738,7 +2739,7 @@
           <a:p>
             <a:fld id="{B9614994-C529-43AC-BD2C-52D47B0301A5}" type="datetimeFigureOut">
               <a:rPr lang="zh-CN" altLang="en-US" smtClean="0"/>
-              <a:t>2018/9/5</a:t>
+              <a:t>2018/9/9</a:t>
             </a:fld>
             <a:endParaRPr lang="zh-CN" altLang="en-US"/>
           </a:p>
@@ -2851,7 +2852,7 @@
           <a:p>
             <a:fld id="{B9614994-C529-43AC-BD2C-52D47B0301A5}" type="datetimeFigureOut">
               <a:rPr lang="zh-CN" altLang="en-US" smtClean="0"/>
-              <a:t>2018/9/5</a:t>
+              <a:t>2018/9/9</a:t>
             </a:fld>
             <a:endParaRPr lang="zh-CN" altLang="en-US"/>
           </a:p>
@@ -3162,7 +3163,7 @@
           <a:p>
             <a:fld id="{B9614994-C529-43AC-BD2C-52D47B0301A5}" type="datetimeFigureOut">
               <a:rPr lang="zh-CN" altLang="en-US" smtClean="0"/>
-              <a:t>2018/9/5</a:t>
+              <a:t>2018/9/9</a:t>
             </a:fld>
             <a:endParaRPr lang="zh-CN" altLang="en-US"/>
           </a:p>
@@ -3450,7 +3451,7 @@
           <a:p>
             <a:fld id="{B9614994-C529-43AC-BD2C-52D47B0301A5}" type="datetimeFigureOut">
               <a:rPr lang="zh-CN" altLang="en-US" smtClean="0"/>
-              <a:t>2018/9/5</a:t>
+              <a:t>2018/9/9</a:t>
             </a:fld>
             <a:endParaRPr lang="zh-CN" altLang="en-US"/>
           </a:p>
@@ -3691,7 +3692,7 @@
           <a:p>
             <a:fld id="{B9614994-C529-43AC-BD2C-52D47B0301A5}" type="datetimeFigureOut">
               <a:rPr lang="zh-CN" altLang="en-US" smtClean="0"/>
-              <a:t>2018/9/5</a:t>
+              <a:t>2018/9/9</a:t>
             </a:fld>
             <a:endParaRPr lang="zh-CN" altLang="en-US"/>
           </a:p>
@@ -4275,6 +4276,134 @@
           <p:cNvPr id="2" name="标题 1">
             <a:extLst>
               <a:ext uri="{FF2B5EF4-FFF2-40B4-BE49-F238E27FC236}">
+                <a16:creationId xmlns:a16="http://schemas.microsoft.com/office/drawing/2014/main" id="{7B2A1942-1BEC-40D2-9DC4-D7C87FB14784}"/>
+              </a:ext>
+            </a:extLst>
+          </p:cNvPr>
+          <p:cNvSpPr>
+            <a:spLocks noGrp="1"/>
+          </p:cNvSpPr>
+          <p:nvPr>
+            <p:ph type="title"/>
+          </p:nvPr>
+        </p:nvSpPr>
+        <p:spPr/>
+        <p:txBody>
+          <a:bodyPr/>
+          <a:lstStyle/>
+          <a:p>
+            <a:r>
+              <a:rPr lang="en-US" altLang="zh-CN" dirty="0"/>
+              <a:t>Compression and Classification</a:t>
+            </a:r>
+            <a:endParaRPr lang="zh-CN" altLang="en-US" dirty="0"/>
+          </a:p>
+        </p:txBody>
+      </p:sp>
+      <p:sp>
+        <p:nvSpPr>
+          <p:cNvPr id="3" name="内容占位符 2">
+            <a:extLst>
+              <a:ext uri="{FF2B5EF4-FFF2-40B4-BE49-F238E27FC236}">
+                <a16:creationId xmlns:a16="http://schemas.microsoft.com/office/drawing/2014/main" id="{BC65CE38-BA13-4505-BDCA-8479C11833B0}"/>
+              </a:ext>
+            </a:extLst>
+          </p:cNvPr>
+          <p:cNvSpPr>
+            <a:spLocks noGrp="1"/>
+          </p:cNvSpPr>
+          <p:nvPr>
+            <p:ph idx="1"/>
+          </p:nvPr>
+        </p:nvSpPr>
+        <p:spPr/>
+        <p:txBody>
+          <a:bodyPr>
+            <a:normAutofit/>
+          </a:bodyPr>
+          <a:lstStyle/>
+          <a:p>
+            <a:r>
+              <a:rPr lang="en-US" altLang="zh-CN" dirty="0"/>
+              <a:t>Patched LSTM</a:t>
+            </a:r>
+          </a:p>
+          <a:p>
+            <a:pPr lvl="1"/>
+            <a:r>
+              <a:rPr lang="en-US" altLang="zh-CN" dirty="0"/>
+              <a:t>Pad and </a:t>
+            </a:r>
+            <a:r>
+              <a:rPr lang="en-US" altLang="zh-CN" dirty="0" err="1"/>
+              <a:t>unpad</a:t>
+            </a:r>
+            <a:r>
+              <a:rPr lang="en-US" altLang="zh-CN" dirty="0"/>
+              <a:t> different size of images (sequence), otherwise we can only use </a:t>
+            </a:r>
+            <a:r>
+              <a:rPr lang="en-US" altLang="zh-CN" dirty="0" err="1"/>
+              <a:t>batch_size</a:t>
+            </a:r>
+            <a:r>
+              <a:rPr lang="en-US" altLang="zh-CN" dirty="0"/>
+              <a:t> = 1</a:t>
+            </a:r>
+          </a:p>
+          <a:p>
+            <a:pPr lvl="1"/>
+            <a:r>
+              <a:rPr lang="en-US" altLang="zh-CN"/>
+              <a:t>(Variable rate) </a:t>
+            </a:r>
+            <a:r>
+              <a:rPr lang="en-US" altLang="zh-CN" dirty="0"/>
+              <a:t>classification for non-uniform sizes </a:t>
+            </a:r>
+            <a:r>
+              <a:rPr lang="en-US" altLang="zh-CN"/>
+              <a:t>of images</a:t>
+            </a:r>
+            <a:endParaRPr lang="en-US" altLang="zh-CN" dirty="0"/>
+          </a:p>
+        </p:txBody>
+      </p:sp>
+    </p:spTree>
+    <p:extLst>
+      <p:ext uri="{BB962C8B-B14F-4D97-AF65-F5344CB8AC3E}">
+        <p14:creationId xmlns:p14="http://schemas.microsoft.com/office/powerpoint/2010/main" val="3792319055"/>
+      </p:ext>
+    </p:extLst>
+  </p:cSld>
+  <p:clrMapOvr>
+    <a:masterClrMapping/>
+  </p:clrMapOvr>
+</p:sld>
+</file>
+
+<file path=ppt/slides/slide11.xml><?xml version="1.0" encoding="utf-8"?>
+<p:sld xmlns:a="http://schemas.openxmlformats.org/drawingml/2006/main" xmlns:r="http://schemas.openxmlformats.org/officeDocument/2006/relationships" xmlns:p="http://schemas.openxmlformats.org/presentationml/2006/main">
+  <p:cSld>
+    <p:spTree>
+      <p:nvGrpSpPr>
+        <p:cNvPr id="1" name=""/>
+        <p:cNvGrpSpPr/>
+        <p:nvPr/>
+      </p:nvGrpSpPr>
+      <p:grpSpPr>
+        <a:xfrm>
+          <a:off x="0" y="0"/>
+          <a:ext cx="0" cy="0"/>
+          <a:chOff x="0" y="0"/>
+          <a:chExt cx="0" cy="0"/>
+        </a:xfrm>
+      </p:grpSpPr>
+      <p:sp>
+        <p:nvSpPr>
+          <p:cNvPr id="2" name="标题 1">
+            <a:extLst>
+              <a:ext uri="{FF2B5EF4-FFF2-40B4-BE49-F238E27FC236}">
                 <a16:creationId xmlns:a16="http://schemas.microsoft.com/office/drawing/2014/main" id="{7E4CFA14-E8C9-4F79-B31E-7AC8C0F7ADF4}"/>
               </a:ext>
             </a:extLst>
@@ -4388,7 +4517,7 @@
 </p:sld>
 </file>
 
-<file path=ppt/slides/slide11.xml><?xml version="1.0" encoding="utf-8"?>
+<file path=ppt/slides/slide12.xml><?xml version="1.0" encoding="utf-8"?>
 <p:sld xmlns:a="http://schemas.openxmlformats.org/drawingml/2006/main" xmlns:r="http://schemas.openxmlformats.org/officeDocument/2006/relationships" xmlns:p="http://schemas.openxmlformats.org/presentationml/2006/main">
   <p:cSld>
     <p:spTree>
@@ -4752,38 +4881,6 @@
             </a:r>
           </a:p>
           <a:p>
-            <a:r>
-              <a:rPr lang="en-US" altLang="zh-CN" dirty="0"/>
-              <a:t>Test</a:t>
-            </a:r>
-          </a:p>
-          <a:p>
-            <a:pPr lvl="1"/>
-            <a:r>
-              <a:rPr lang="en-US" altLang="zh-CN" dirty="0"/>
-              <a:t>One epoch of running MNIST(10000 sample subset)</a:t>
-            </a:r>
-            <a:r>
-              <a:rPr lang="zh-CN" altLang="en-US"/>
-              <a:t> </a:t>
-            </a:r>
-            <a:r>
-              <a:rPr lang="en-US" altLang="zh-CN"/>
-              <a:t>on </a:t>
-            </a:r>
-            <a:r>
-              <a:rPr lang="en-US" altLang="zh-CN" dirty="0"/>
-              <a:t>our residual network takes 200 s on my machine and takes 680s on one K80</a:t>
-            </a:r>
-          </a:p>
-          <a:p>
-            <a:pPr lvl="1"/>
-            <a:r>
-              <a:rPr lang="en-US" altLang="zh-CN" dirty="0"/>
-              <a:t>https://azure.microsoft.com/en-us/pricing/details/virtual-machines/linux/</a:t>
-            </a:r>
-          </a:p>
-          <a:p>
             <a:pPr marL="457200" lvl="1" indent="0">
               <a:buNone/>
             </a:pPr>
@@ -4829,7 +4926,7 @@
           <p:cNvPr id="2" name="标题 1">
             <a:extLst>
               <a:ext uri="{FF2B5EF4-FFF2-40B4-BE49-F238E27FC236}">
-                <a16:creationId xmlns:a16="http://schemas.microsoft.com/office/drawing/2014/main" id="{7E4CFA14-E8C9-4F79-B31E-7AC8C0F7ADF4}"/>
+                <a16:creationId xmlns:a16="http://schemas.microsoft.com/office/drawing/2014/main" id="{E7535784-DEBB-4CDB-8A0D-7251187CD83E}"/>
               </a:ext>
             </a:extLst>
           </p:cNvPr>
@@ -4847,7 +4944,7 @@
           <a:p>
             <a:r>
               <a:rPr lang="en-US" altLang="zh-CN" dirty="0"/>
-              <a:t>Data</a:t>
+              <a:t>Computation</a:t>
             </a:r>
             <a:endParaRPr lang="zh-CN" altLang="en-US" dirty="0"/>
           </a:p>
@@ -4858,7 +4955,7 @@
           <p:cNvPr id="3" name="内容占位符 2">
             <a:extLst>
               <a:ext uri="{FF2B5EF4-FFF2-40B4-BE49-F238E27FC236}">
-                <a16:creationId xmlns:a16="http://schemas.microsoft.com/office/drawing/2014/main" id="{65B773BF-8D7E-447B-99B4-F29841BEF59C}"/>
+                <a16:creationId xmlns:a16="http://schemas.microsoft.com/office/drawing/2014/main" id="{E0AE67E5-FED1-400F-B0D2-B8D1464FD31A}"/>
               </a:ext>
             </a:extLst>
           </p:cNvPr>
@@ -4876,63 +4973,44 @@
           <a:p>
             <a:r>
               <a:rPr lang="en-US" altLang="zh-CN" dirty="0"/>
-              <a:t>MNIST dataset</a:t>
+              <a:t>Test</a:t>
             </a:r>
           </a:p>
           <a:p>
             <a:pPr lvl="1"/>
             <a:r>
               <a:rPr lang="en-US" altLang="zh-CN" dirty="0"/>
-              <a:t>60000 handwritten 0-9 digits images for training, 10000 for test</a:t>
+              <a:t>One epoch of running MNIST(60000 samples)</a:t>
+            </a:r>
+            <a:r>
+              <a:rPr lang="zh-CN" altLang="en-US" dirty="0"/>
+              <a:t> </a:t>
+            </a:r>
+            <a:r>
+              <a:rPr lang="en-US" altLang="zh-CN" dirty="0"/>
+              <a:t>on our residual network takes 1000 s on my machine and takes more than 3000s on one K80, takes 2000s with two K80s, and takes </a:t>
+            </a:r>
+            <a:r>
+              <a:rPr lang="en-US" altLang="zh-CN"/>
+              <a:t>1000s with four </a:t>
+            </a:r>
+            <a:r>
+              <a:rPr lang="en-US" altLang="zh-CN" dirty="0"/>
+              <a:t>K80s</a:t>
             </a:r>
           </a:p>
           <a:p>
             <a:pPr lvl="1"/>
-            <a:r>
-              <a:rPr lang="en-US" altLang="zh-CN" dirty="0"/>
-              <a:t>Original shape 28x28, resized to 32x32</a:t>
-            </a:r>
-          </a:p>
-          <a:p>
-            <a:r>
-              <a:rPr lang="en-US" altLang="zh-CN" dirty="0"/>
-              <a:t>CIFAR10 dataset</a:t>
-            </a:r>
+            <a:endParaRPr lang="en-US" altLang="zh-CN" dirty="0"/>
           </a:p>
           <a:p>
             <a:pPr lvl="1"/>
             <a:r>
               <a:rPr lang="en-US" altLang="zh-CN" dirty="0"/>
-              <a:t>50000 natural images of 10 classes like airplane, automobile, cat, dog, </a:t>
-            </a:r>
-            <a:r>
-              <a:rPr lang="en-US" altLang="zh-CN" dirty="0" err="1"/>
-              <a:t>etc</a:t>
-            </a:r>
-            <a:r>
-              <a:rPr lang="en-US" altLang="zh-CN" dirty="0"/>
-              <a:t> for training, 10000 for test</a:t>
-            </a:r>
-          </a:p>
-          <a:p>
-            <a:pPr lvl="1"/>
-            <a:r>
-              <a:rPr lang="en-US" altLang="zh-CN" dirty="0"/>
-              <a:t>Original shape 32x32</a:t>
-            </a:r>
-          </a:p>
-          <a:p>
-            <a:r>
-              <a:rPr lang="en-US" altLang="zh-CN" dirty="0"/>
-              <a:t>Head Pose Image dataset</a:t>
-            </a:r>
-          </a:p>
-          <a:p>
-            <a:pPr lvl="1"/>
-            <a:r>
-              <a:rPr lang="en-US" altLang="zh-CN" dirty="0"/>
-              <a:t>http://www-prima.inrialpes.fr/perso/Gourier/Faces/HPDatabase.html</a:t>
-            </a:r>
+              <a:t>https://azure.microsoft.com/en-us/pricing/details/virtual-machines/linux/</a:t>
+            </a:r>
+          </a:p>
+          <a:p>
             <a:endParaRPr lang="zh-CN" altLang="en-US" dirty="0"/>
           </a:p>
         </p:txBody>
@@ -4940,7 +5018,7 @@
     </p:spTree>
     <p:extLst>
       <p:ext uri="{BB962C8B-B14F-4D97-AF65-F5344CB8AC3E}">
-        <p14:creationId xmlns:p14="http://schemas.microsoft.com/office/powerpoint/2010/main" val="996506143"/>
+        <p14:creationId xmlns:p14="http://schemas.microsoft.com/office/powerpoint/2010/main" val="505258949"/>
       </p:ext>
     </p:extLst>
   </p:cSld>
@@ -4990,11 +5068,8 @@
           <a:p>
             <a:r>
               <a:rPr lang="en-US" altLang="zh-CN" dirty="0"/>
-              <a:t>Compression and Classification</a:t>
-            </a:r>
-            <a:br>
-              <a:rPr lang="en-US" altLang="zh-CN" dirty="0"/>
-            </a:br>
+              <a:t>Data</a:t>
+            </a:r>
             <a:endParaRPr lang="zh-CN" altLang="en-US" dirty="0"/>
           </a:p>
         </p:txBody>
@@ -5022,94 +5097,71 @@
           <a:p>
             <a:r>
               <a:rPr lang="en-US" altLang="zh-CN" dirty="0"/>
-              <a:t>Milestones</a:t>
+              <a:t>MNIST dataset</a:t>
             </a:r>
           </a:p>
           <a:p>
             <a:pPr lvl="1"/>
             <a:r>
-              <a:rPr lang="en-US" altLang="zh-CN" dirty="0">
-                <a:solidFill>
-                  <a:srgbClr val="FF0000"/>
-                </a:solidFill>
-              </a:rPr>
-              <a:t>Classification part is not rate variable</a:t>
+              <a:rPr lang="en-US" altLang="zh-CN" dirty="0"/>
+              <a:t>60000 handwritten 0-9 digits images for training, 10000 for test</a:t>
             </a:r>
           </a:p>
           <a:p>
             <a:pPr lvl="1"/>
             <a:r>
               <a:rPr lang="en-US" altLang="zh-CN" dirty="0"/>
-              <a:t>Tuning parameter for multi-objective optimization or </a:t>
-            </a:r>
-            <a:r>
-              <a:rPr lang="en-US" altLang="zh-CN" dirty="0">
-                <a:solidFill>
-                  <a:srgbClr val="FFC000"/>
-                </a:solidFill>
-              </a:rPr>
-              <a:t>two stage (isolated) optimization</a:t>
+              <a:t>Original shape 28x28, resized to 32x32</a:t>
+            </a:r>
+          </a:p>
+          <a:p>
+            <a:r>
+              <a:rPr lang="en-US" altLang="zh-CN" dirty="0"/>
+              <a:t>CIFAR10 dataset</a:t>
             </a:r>
           </a:p>
           <a:p>
             <a:pPr lvl="1"/>
             <a:r>
-              <a:rPr lang="en-US" altLang="zh-CN" dirty="0">
-                <a:solidFill>
-                  <a:srgbClr val="FF0000"/>
-                </a:solidFill>
-              </a:rPr>
-              <a:t>More complex </a:t>
-            </a:r>
-            <a:r>
-              <a:rPr lang="en-US" altLang="zh-CN" dirty="0" err="1">
-                <a:solidFill>
-                  <a:srgbClr val="FF0000"/>
-                </a:solidFill>
-              </a:rPr>
-              <a:t>iid</a:t>
-            </a:r>
-            <a:r>
-              <a:rPr lang="en-US" altLang="zh-CN" dirty="0">
-                <a:solidFill>
-                  <a:srgbClr val="FF0000"/>
-                </a:solidFill>
-              </a:rPr>
-              <a:t> image data, like CIFAR10, </a:t>
-            </a:r>
-            <a:r>
-              <a:rPr lang="en-US" altLang="zh-CN" dirty="0"/>
-              <a:t>ImageNet</a:t>
+              <a:rPr lang="en-US" altLang="zh-CN" dirty="0"/>
+              <a:t>50000 natural images of 10 classes like airplane, automobile, cat, dog, </a:t>
+            </a:r>
+            <a:r>
+              <a:rPr lang="en-US" altLang="zh-CN" dirty="0" err="1"/>
+              <a:t>etc</a:t>
+            </a:r>
+            <a:r>
+              <a:rPr lang="en-US" altLang="zh-CN" dirty="0"/>
+              <a:t> for training, 10000 for test</a:t>
             </a:r>
           </a:p>
           <a:p>
             <a:pPr lvl="1"/>
             <a:r>
-              <a:rPr lang="en-US" altLang="zh-CN" dirty="0">
-                <a:solidFill>
-                  <a:srgbClr val="FFC000"/>
-                </a:solidFill>
-              </a:rPr>
-              <a:t>Video data, and add LSTM for patch data?</a:t>
-            </a:r>
-            <a:r>
-              <a:rPr lang="en-US" altLang="zh-CN" dirty="0"/>
-              <a:t> for frame data?</a:t>
+              <a:rPr lang="en-US" altLang="zh-CN" dirty="0"/>
+              <a:t>Original shape 32x32</a:t>
+            </a:r>
+          </a:p>
+          <a:p>
+            <a:r>
+              <a:rPr lang="en-US" altLang="zh-CN" dirty="0"/>
+              <a:t>Head Pose Image dataset</a:t>
             </a:r>
           </a:p>
           <a:p>
             <a:pPr lvl="1"/>
             <a:r>
               <a:rPr lang="en-US" altLang="zh-CN" dirty="0"/>
-              <a:t>Web crawler for retrieving large volume of data to search for architecture and compressing images</a:t>
-            </a:r>
+              <a:t>http://www-prima.inrialpes.fr/perso/Gourier/Faces/HPDatabase.html</a:t>
+            </a:r>
+            <a:endParaRPr lang="zh-CN" altLang="en-US" dirty="0"/>
           </a:p>
         </p:txBody>
       </p:sp>
     </p:spTree>
     <p:extLst>
       <p:ext uri="{BB962C8B-B14F-4D97-AF65-F5344CB8AC3E}">
-        <p14:creationId xmlns:p14="http://schemas.microsoft.com/office/powerpoint/2010/main" val="3865998934"/>
+        <p14:creationId xmlns:p14="http://schemas.microsoft.com/office/powerpoint/2010/main" val="996506143"/>
       </p:ext>
     </p:extLst>
   </p:cSld>
@@ -5141,7 +5193,7 @@
           <p:cNvPr id="2" name="标题 1">
             <a:extLst>
               <a:ext uri="{FF2B5EF4-FFF2-40B4-BE49-F238E27FC236}">
-                <a16:creationId xmlns:a16="http://schemas.microsoft.com/office/drawing/2014/main" id="{7B2A1942-1BEC-40D2-9DC4-D7C87FB14784}"/>
+                <a16:creationId xmlns:a16="http://schemas.microsoft.com/office/drawing/2014/main" id="{7E4CFA14-E8C9-4F79-B31E-7AC8C0F7ADF4}"/>
               </a:ext>
             </a:extLst>
           </p:cNvPr>
@@ -5161,6 +5213,9 @@
               <a:rPr lang="en-US" altLang="zh-CN" dirty="0"/>
               <a:t>Compression and Classification</a:t>
             </a:r>
+            <a:br>
+              <a:rPr lang="en-US" altLang="zh-CN" dirty="0"/>
+            </a:br>
             <a:endParaRPr lang="zh-CN" altLang="en-US" dirty="0"/>
           </a:p>
         </p:txBody>
@@ -5170,7 +5225,7 @@
           <p:cNvPr id="3" name="内容占位符 2">
             <a:extLst>
               <a:ext uri="{FF2B5EF4-FFF2-40B4-BE49-F238E27FC236}">
-                <a16:creationId xmlns:a16="http://schemas.microsoft.com/office/drawing/2014/main" id="{BC65CE38-BA13-4505-BDCA-8479C11833B0}"/>
+                <a16:creationId xmlns:a16="http://schemas.microsoft.com/office/drawing/2014/main" id="{65B773BF-8D7E-447B-99B4-F29841BEF59C}"/>
               </a:ext>
             </a:extLst>
           </p:cNvPr>
@@ -5183,13 +5238,22 @@
         </p:nvSpPr>
         <p:spPr/>
         <p:txBody>
-          <a:bodyPr>
-            <a:normAutofit/>
-          </a:bodyPr>
-          <a:lstStyle/>
-          <a:p>
-            <a:r>
-              <a:rPr lang="en-US" altLang="zh-CN" dirty="0"/>
+          <a:bodyPr/>
+          <a:lstStyle/>
+          <a:p>
+            <a:r>
+              <a:rPr lang="en-US" altLang="zh-CN" dirty="0"/>
+              <a:t>Milestones</a:t>
+            </a:r>
+          </a:p>
+          <a:p>
+            <a:pPr lvl="1"/>
+            <a:r>
+              <a:rPr lang="en-US" altLang="zh-CN" dirty="0">
+                <a:solidFill>
+                  <a:srgbClr val="FF0000"/>
+                </a:solidFill>
+              </a:rPr>
               <a:t>Classification part is not rate variable</a:t>
             </a:r>
           </a:p>
@@ -5197,7 +5261,68 @@
             <a:pPr lvl="1"/>
             <a:r>
               <a:rPr lang="en-US" altLang="zh-CN" dirty="0"/>
-              <a:t>With pure LSTM based network, we can achieve rate variable classification</a:t>
+              <a:t>Tuning parameter for multi-objective optimization or </a:t>
+            </a:r>
+            <a:r>
+              <a:rPr lang="en-US" altLang="zh-CN" dirty="0">
+                <a:solidFill>
+                  <a:srgbClr val="FFC000"/>
+                </a:solidFill>
+              </a:rPr>
+              <a:t>two stage (isolated) optimization</a:t>
+            </a:r>
+          </a:p>
+          <a:p>
+            <a:pPr lvl="1"/>
+            <a:r>
+              <a:rPr lang="en-US" altLang="zh-CN" dirty="0">
+                <a:solidFill>
+                  <a:srgbClr val="FF0000"/>
+                </a:solidFill>
+              </a:rPr>
+              <a:t>More complex </a:t>
+            </a:r>
+            <a:r>
+              <a:rPr lang="en-US" altLang="zh-CN" dirty="0" err="1">
+                <a:solidFill>
+                  <a:srgbClr val="FF0000"/>
+                </a:solidFill>
+              </a:rPr>
+              <a:t>iid</a:t>
+            </a:r>
+            <a:r>
+              <a:rPr lang="en-US" altLang="zh-CN" dirty="0">
+                <a:solidFill>
+                  <a:srgbClr val="FF0000"/>
+                </a:solidFill>
+              </a:rPr>
+              <a:t> image data, like CIFAR10, </a:t>
+            </a:r>
+            <a:r>
+              <a:rPr lang="en-US" altLang="zh-CN" dirty="0"/>
+              <a:t>ImageNet</a:t>
+            </a:r>
+          </a:p>
+          <a:p>
+            <a:pPr lvl="1"/>
+            <a:r>
+              <a:rPr lang="en-US" altLang="zh-CN" dirty="0">
+                <a:solidFill>
+                  <a:srgbClr val="FFC000"/>
+                </a:solidFill>
+              </a:rPr>
+              <a:t>Add LSTM for patch data?</a:t>
+            </a:r>
+            <a:r>
+              <a:rPr lang="en-US" altLang="zh-CN" dirty="0"/>
+              <a:t> for frame data?</a:t>
+            </a:r>
+          </a:p>
+          <a:p>
+            <a:pPr lvl="1"/>
+            <a:r>
+              <a:rPr lang="en-US" altLang="zh-CN" dirty="0"/>
+              <a:t>Web crawler for retrieving large volume of data to search for architecture and compressing images</a:t>
             </a:r>
           </a:p>
         </p:txBody>
@@ -5205,7 +5330,7 @@
     </p:spTree>
     <p:extLst>
       <p:ext uri="{BB962C8B-B14F-4D97-AF65-F5344CB8AC3E}">
-        <p14:creationId xmlns:p14="http://schemas.microsoft.com/office/powerpoint/2010/main" val="445564549"/>
+        <p14:creationId xmlns:p14="http://schemas.microsoft.com/office/powerpoint/2010/main" val="3865998934"/>
       </p:ext>
     </p:extLst>
   </p:cSld>
@@ -5286,15 +5411,202 @@
           <a:p>
             <a:r>
               <a:rPr lang="en-US" altLang="zh-CN" dirty="0"/>
-              <a:t>Two stage (isolated) optimization</a:t>
-            </a:r>
-          </a:p>
-        </p:txBody>
-      </p:sp>
+              <a:t>Classification part is not rate variable</a:t>
+            </a:r>
+          </a:p>
+          <a:p>
+            <a:pPr lvl="1"/>
+            <a:r>
+              <a:rPr lang="en-US" altLang="zh-CN" dirty="0"/>
+              <a:t>With pure LSTM based network, we can achieve rate variable classification</a:t>
+            </a:r>
+          </a:p>
+        </p:txBody>
+      </p:sp>
+      <p:pic>
+        <p:nvPicPr>
+          <p:cNvPr id="4" name="图片 3">
+            <a:extLst>
+              <a:ext uri="{FF2B5EF4-FFF2-40B4-BE49-F238E27FC236}">
+                <a16:creationId xmlns:a16="http://schemas.microsoft.com/office/drawing/2014/main" id="{31686674-F7E6-4ECC-8813-5EA1CB4B66EB}"/>
+              </a:ext>
+            </a:extLst>
+          </p:cNvPr>
+          <p:cNvPicPr>
+            <a:picLocks noChangeAspect="1"/>
+          </p:cNvPicPr>
+          <p:nvPr/>
+        </p:nvPicPr>
+        <p:blipFill>
+          <a:blip r:embed="rId3">
+            <a:extLst>
+              <a:ext uri="{28A0092B-C50C-407E-A947-70E740481C1C}">
+                <a14:useLocalDpi xmlns:a14="http://schemas.microsoft.com/office/drawing/2010/main" val="0"/>
+              </a:ext>
+            </a:extLst>
+          </a:blip>
+          <a:stretch>
+            <a:fillRect/>
+          </a:stretch>
+        </p:blipFill>
+        <p:spPr>
+          <a:xfrm>
+            <a:off x="520959" y="3180184"/>
+            <a:ext cx="3002601" cy="2218871"/>
+          </a:xfrm>
+          <a:prstGeom prst="rect">
+            <a:avLst/>
+          </a:prstGeom>
+        </p:spPr>
+      </p:pic>
+      <p:sp>
+        <p:nvSpPr>
+          <p:cNvPr id="5" name="文本框 4">
+            <a:extLst>
+              <a:ext uri="{FF2B5EF4-FFF2-40B4-BE49-F238E27FC236}">
+                <a16:creationId xmlns:a16="http://schemas.microsoft.com/office/drawing/2014/main" id="{FFB02D71-2560-472E-BD02-7EE72C2A064F}"/>
+              </a:ext>
+            </a:extLst>
+          </p:cNvPr>
+          <p:cNvSpPr txBox="1"/>
+          <p:nvPr/>
+        </p:nvSpPr>
+        <p:spPr>
+          <a:xfrm>
+            <a:off x="1101638" y="5418677"/>
+            <a:ext cx="1841241" cy="369332"/>
+          </a:xfrm>
+          <a:prstGeom prst="rect">
+            <a:avLst/>
+          </a:prstGeom>
+          <a:noFill/>
+        </p:spPr>
+        <p:txBody>
+          <a:bodyPr wrap="square" rtlCol="0">
+            <a:spAutoFit/>
+          </a:bodyPr>
+          <a:lstStyle/>
+          <a:p>
+            <a:r>
+              <a:rPr lang="en-US" altLang="zh-CN" dirty="0"/>
+              <a:t>Last time results</a:t>
+            </a:r>
+            <a:endParaRPr lang="zh-CN" altLang="en-US" dirty="0"/>
+          </a:p>
+        </p:txBody>
+      </p:sp>
+      <p:sp>
+        <p:nvSpPr>
+          <p:cNvPr id="6" name="文本框 5">
+            <a:extLst>
+              <a:ext uri="{FF2B5EF4-FFF2-40B4-BE49-F238E27FC236}">
+                <a16:creationId xmlns:a16="http://schemas.microsoft.com/office/drawing/2014/main" id="{39A89B76-AD8E-4475-8542-A3E3FC245196}"/>
+              </a:ext>
+            </a:extLst>
+          </p:cNvPr>
+          <p:cNvSpPr txBox="1"/>
+          <p:nvPr/>
+        </p:nvSpPr>
+        <p:spPr>
+          <a:xfrm>
+            <a:off x="7113663" y="5353363"/>
+            <a:ext cx="1841241" cy="369332"/>
+          </a:xfrm>
+          <a:prstGeom prst="rect">
+            <a:avLst/>
+          </a:prstGeom>
+          <a:noFill/>
+        </p:spPr>
+        <p:txBody>
+          <a:bodyPr wrap="square" rtlCol="0">
+            <a:spAutoFit/>
+          </a:bodyPr>
+          <a:lstStyle/>
+          <a:p>
+            <a:r>
+              <a:rPr lang="en-US" altLang="zh-CN" dirty="0"/>
+              <a:t>Current results</a:t>
+            </a:r>
+            <a:endParaRPr lang="zh-CN" altLang="en-US" dirty="0"/>
+          </a:p>
+        </p:txBody>
+      </p:sp>
+      <p:pic>
+        <p:nvPicPr>
+          <p:cNvPr id="8" name="图片 7">
+            <a:extLst>
+              <a:ext uri="{FF2B5EF4-FFF2-40B4-BE49-F238E27FC236}">
+                <a16:creationId xmlns:a16="http://schemas.microsoft.com/office/drawing/2014/main" id="{0FA0A468-4306-4924-AD43-4BC88F6BE5A3}"/>
+              </a:ext>
+            </a:extLst>
+          </p:cNvPr>
+          <p:cNvPicPr>
+            <a:picLocks noChangeAspect="1"/>
+          </p:cNvPicPr>
+          <p:nvPr/>
+        </p:nvPicPr>
+        <p:blipFill>
+          <a:blip r:embed="rId4">
+            <a:extLst>
+              <a:ext uri="{28A0092B-C50C-407E-A947-70E740481C1C}">
+                <a14:useLocalDpi xmlns:a14="http://schemas.microsoft.com/office/drawing/2010/main" val="0"/>
+              </a:ext>
+            </a:extLst>
+          </a:blip>
+          <a:stretch>
+            <a:fillRect/>
+          </a:stretch>
+        </p:blipFill>
+        <p:spPr>
+          <a:xfrm>
+            <a:off x="4714767" y="3046302"/>
+            <a:ext cx="3152483" cy="2352753"/>
+          </a:xfrm>
+          <a:prstGeom prst="rect">
+            <a:avLst/>
+          </a:prstGeom>
+        </p:spPr>
+      </p:pic>
+      <p:pic>
+        <p:nvPicPr>
+          <p:cNvPr id="10" name="图片 9">
+            <a:extLst>
+              <a:ext uri="{FF2B5EF4-FFF2-40B4-BE49-F238E27FC236}">
+                <a16:creationId xmlns:a16="http://schemas.microsoft.com/office/drawing/2014/main" id="{B17C7962-2667-4CCF-B578-AF133725F953}"/>
+              </a:ext>
+            </a:extLst>
+          </p:cNvPr>
+          <p:cNvPicPr>
+            <a:picLocks noChangeAspect="1"/>
+          </p:cNvPicPr>
+          <p:nvPr/>
+        </p:nvPicPr>
+        <p:blipFill>
+          <a:blip r:embed="rId5">
+            <a:extLst>
+              <a:ext uri="{28A0092B-C50C-407E-A947-70E740481C1C}">
+                <a14:useLocalDpi xmlns:a14="http://schemas.microsoft.com/office/drawing/2010/main" val="0"/>
+              </a:ext>
+            </a:extLst>
+          </a:blip>
+          <a:stretch>
+            <a:fillRect/>
+          </a:stretch>
+        </p:blipFill>
+        <p:spPr>
+          <a:xfrm>
+            <a:off x="8082503" y="3180183"/>
+            <a:ext cx="2980497" cy="2218871"/>
+          </a:xfrm>
+          <a:prstGeom prst="rect">
+            <a:avLst/>
+          </a:prstGeom>
+        </p:spPr>
+      </p:pic>
     </p:spTree>
     <p:extLst>
       <p:ext uri="{BB962C8B-B14F-4D97-AF65-F5344CB8AC3E}">
-        <p14:creationId xmlns:p14="http://schemas.microsoft.com/office/powerpoint/2010/main" val="2990382200"/>
+        <p14:creationId xmlns:p14="http://schemas.microsoft.com/office/powerpoint/2010/main" val="445564549"/>
       </p:ext>
     </p:extLst>
   </p:cSld>
@@ -5375,16 +5687,15 @@
           <a:p>
             <a:r>
               <a:rPr lang="en-US" altLang="zh-CN" dirty="0"/>
-              <a:t>CIFAR10</a:t>
-            </a:r>
-            <a:endParaRPr lang="zh-CN" altLang="en-US" dirty="0"/>
+              <a:t>Two stage (isolated) optimization</a:t>
+            </a:r>
           </a:p>
         </p:txBody>
       </p:sp>
     </p:spTree>
     <p:extLst>
       <p:ext uri="{BB962C8B-B14F-4D97-AF65-F5344CB8AC3E}">
-        <p14:creationId xmlns:p14="http://schemas.microsoft.com/office/powerpoint/2010/main" val="802639922"/>
+        <p14:creationId xmlns:p14="http://schemas.microsoft.com/office/powerpoint/2010/main" val="2990382200"/>
       </p:ext>
     </p:extLst>
   </p:cSld>
@@ -5465,54 +5776,16 @@
           <a:p>
             <a:r>
               <a:rPr lang="en-US" altLang="zh-CN" dirty="0"/>
-              <a:t>Patched LSTM</a:t>
-            </a:r>
-          </a:p>
-          <a:p>
-            <a:pPr lvl="1"/>
-            <a:r>
-              <a:rPr lang="en-US" altLang="zh-CN" dirty="0"/>
-              <a:t>Pad and </a:t>
-            </a:r>
-            <a:r>
-              <a:rPr lang="en-US" altLang="zh-CN" dirty="0" err="1"/>
-              <a:t>unpad</a:t>
-            </a:r>
-            <a:r>
-              <a:rPr lang="en-US" altLang="zh-CN" dirty="0"/>
-              <a:t> different size of images (sequence), otherwise we can only use </a:t>
-            </a:r>
-            <a:r>
-              <a:rPr lang="en-US" altLang="zh-CN" dirty="0" err="1"/>
-              <a:t>batch_size</a:t>
-            </a:r>
-            <a:r>
-              <a:rPr lang="en-US" altLang="zh-CN" dirty="0"/>
-              <a:t> = 1</a:t>
-            </a:r>
-          </a:p>
-          <a:p>
-            <a:pPr lvl="1"/>
-            <a:r>
-              <a:rPr lang="en-US" altLang="zh-CN"/>
-              <a:t>(Variable rate) </a:t>
-            </a:r>
-            <a:r>
-              <a:rPr lang="en-US" altLang="zh-CN" dirty="0"/>
-              <a:t>classification for non-uniform sizes </a:t>
-            </a:r>
-            <a:r>
-              <a:rPr lang="en-US" altLang="zh-CN"/>
-              <a:t>of images</a:t>
-            </a:r>
-            <a:endParaRPr lang="en-US" altLang="zh-CN" dirty="0"/>
+              <a:t>CIFAR10</a:t>
+            </a:r>
+            <a:endParaRPr lang="zh-CN" altLang="en-US" dirty="0"/>
           </a:p>
         </p:txBody>
       </p:sp>
     </p:spTree>
     <p:extLst>
       <p:ext uri="{BB962C8B-B14F-4D97-AF65-F5344CB8AC3E}">
-        <p14:creationId xmlns:p14="http://schemas.microsoft.com/office/powerpoint/2010/main" val="3792319055"/>
+        <p14:creationId xmlns:p14="http://schemas.microsoft.com/office/powerpoint/2010/main" val="802639922"/>
       </p:ext>
     </p:extLst>
   </p:cSld>

--- a/doc/Report/ongoing.pptx
+++ b/doc/Report/ongoing.pptx
@@ -15,8 +15,8 @@
     <p:sldId id="296" r:id="rId6"/>
     <p:sldId id="302" r:id="rId7"/>
     <p:sldId id="309" r:id="rId8"/>
-    <p:sldId id="306" r:id="rId9"/>
-    <p:sldId id="307" r:id="rId10"/>
+    <p:sldId id="312" r:id="rId9"/>
+    <p:sldId id="306" r:id="rId10"/>
     <p:sldId id="310" r:id="rId11"/>
     <p:sldId id="304" r:id="rId12"/>
     <p:sldId id="305" r:id="rId13"/>
@@ -208,7 +208,7 @@
           <a:p>
             <a:fld id="{97BE2177-E45B-449F-AE2E-ED4743253C6D}" type="datetimeFigureOut">
               <a:rPr lang="zh-CN" altLang="en-US" smtClean="0"/>
-              <a:t>2018/9/9</a:t>
+              <a:t>2018/9/10</a:t>
             </a:fld>
             <a:endParaRPr lang="zh-CN" altLang="en-US"/>
           </a:p>
@@ -717,7 +717,7 @@
     </p:spTree>
     <p:extLst>
       <p:ext uri="{BB962C8B-B14F-4D97-AF65-F5344CB8AC3E}">
-        <p14:creationId xmlns:p14="http://schemas.microsoft.com/office/powerpoint/2010/main" val="2768591612"/>
+        <p14:creationId xmlns:p14="http://schemas.microsoft.com/office/powerpoint/2010/main" val="2947211378"/>
       </p:ext>
     </p:extLst>
   </p:cSld>
@@ -801,7 +801,7 @@
     </p:spTree>
     <p:extLst>
       <p:ext uri="{BB962C8B-B14F-4D97-AF65-F5344CB8AC3E}">
-        <p14:creationId xmlns:p14="http://schemas.microsoft.com/office/powerpoint/2010/main" val="1859630201"/>
+        <p14:creationId xmlns:p14="http://schemas.microsoft.com/office/powerpoint/2010/main" val="2768591612"/>
       </p:ext>
     </p:extLst>
   </p:cSld>
@@ -1042,7 +1042,7 @@
           <a:p>
             <a:fld id="{B9614994-C529-43AC-BD2C-52D47B0301A5}" type="datetimeFigureOut">
               <a:rPr lang="zh-CN" altLang="en-US" smtClean="0"/>
-              <a:t>2018/9/9</a:t>
+              <a:t>2018/9/10</a:t>
             </a:fld>
             <a:endParaRPr lang="zh-CN" altLang="en-US"/>
           </a:p>
@@ -1240,7 +1240,7 @@
           <a:p>
             <a:fld id="{B9614994-C529-43AC-BD2C-52D47B0301A5}" type="datetimeFigureOut">
               <a:rPr lang="zh-CN" altLang="en-US" smtClean="0"/>
-              <a:t>2018/9/9</a:t>
+              <a:t>2018/9/10</a:t>
             </a:fld>
             <a:endParaRPr lang="zh-CN" altLang="en-US"/>
           </a:p>
@@ -1448,7 +1448,7 @@
           <a:p>
             <a:fld id="{B9614994-C529-43AC-BD2C-52D47B0301A5}" type="datetimeFigureOut">
               <a:rPr lang="zh-CN" altLang="en-US" smtClean="0"/>
-              <a:t>2018/9/9</a:t>
+              <a:t>2018/9/10</a:t>
             </a:fld>
             <a:endParaRPr lang="zh-CN" altLang="en-US"/>
           </a:p>
@@ -1646,7 +1646,7 @@
           <a:p>
             <a:fld id="{B9614994-C529-43AC-BD2C-52D47B0301A5}" type="datetimeFigureOut">
               <a:rPr lang="zh-CN" altLang="en-US" smtClean="0"/>
-              <a:t>2018/9/9</a:t>
+              <a:t>2018/9/10</a:t>
             </a:fld>
             <a:endParaRPr lang="zh-CN" altLang="en-US"/>
           </a:p>
@@ -1921,7 +1921,7 @@
           <a:p>
             <a:fld id="{B9614994-C529-43AC-BD2C-52D47B0301A5}" type="datetimeFigureOut">
               <a:rPr lang="zh-CN" altLang="en-US" smtClean="0"/>
-              <a:t>2018/9/9</a:t>
+              <a:t>2018/9/10</a:t>
             </a:fld>
             <a:endParaRPr lang="zh-CN" altLang="en-US"/>
           </a:p>
@@ -2186,7 +2186,7 @@
           <a:p>
             <a:fld id="{B9614994-C529-43AC-BD2C-52D47B0301A5}" type="datetimeFigureOut">
               <a:rPr lang="zh-CN" altLang="en-US" smtClean="0"/>
-              <a:t>2018/9/9</a:t>
+              <a:t>2018/9/10</a:t>
             </a:fld>
             <a:endParaRPr lang="zh-CN" altLang="en-US"/>
           </a:p>
@@ -2598,7 +2598,7 @@
           <a:p>
             <a:fld id="{B9614994-C529-43AC-BD2C-52D47B0301A5}" type="datetimeFigureOut">
               <a:rPr lang="zh-CN" altLang="en-US" smtClean="0"/>
-              <a:t>2018/9/9</a:t>
+              <a:t>2018/9/10</a:t>
             </a:fld>
             <a:endParaRPr lang="zh-CN" altLang="en-US"/>
           </a:p>
@@ -2739,7 +2739,7 @@
           <a:p>
             <a:fld id="{B9614994-C529-43AC-BD2C-52D47B0301A5}" type="datetimeFigureOut">
               <a:rPr lang="zh-CN" altLang="en-US" smtClean="0"/>
-              <a:t>2018/9/9</a:t>
+              <a:t>2018/9/10</a:t>
             </a:fld>
             <a:endParaRPr lang="zh-CN" altLang="en-US"/>
           </a:p>
@@ -2852,7 +2852,7 @@
           <a:p>
             <a:fld id="{B9614994-C529-43AC-BD2C-52D47B0301A5}" type="datetimeFigureOut">
               <a:rPr lang="zh-CN" altLang="en-US" smtClean="0"/>
-              <a:t>2018/9/9</a:t>
+              <a:t>2018/9/10</a:t>
             </a:fld>
             <a:endParaRPr lang="zh-CN" altLang="en-US"/>
           </a:p>
@@ -3163,7 +3163,7 @@
           <a:p>
             <a:fld id="{B9614994-C529-43AC-BD2C-52D47B0301A5}" type="datetimeFigureOut">
               <a:rPr lang="zh-CN" altLang="en-US" smtClean="0"/>
-              <a:t>2018/9/9</a:t>
+              <a:t>2018/9/10</a:t>
             </a:fld>
             <a:endParaRPr lang="zh-CN" altLang="en-US"/>
           </a:p>
@@ -3451,7 +3451,7 @@
           <a:p>
             <a:fld id="{B9614994-C529-43AC-BD2C-52D47B0301A5}" type="datetimeFigureOut">
               <a:rPr lang="zh-CN" altLang="en-US" smtClean="0"/>
-              <a:t>2018/9/9</a:t>
+              <a:t>2018/9/10</a:t>
             </a:fld>
             <a:endParaRPr lang="zh-CN" altLang="en-US"/>
           </a:p>
@@ -3692,7 +3692,7 @@
           <a:p>
             <a:fld id="{B9614994-C529-43AC-BD2C-52D47B0301A5}" type="datetimeFigureOut">
               <a:rPr lang="zh-CN" altLang="en-US" smtClean="0"/>
-              <a:t>2018/9/9</a:t>
+              <a:t>2018/9/10</a:t>
             </a:fld>
             <a:endParaRPr lang="zh-CN" altLang="en-US"/>
           </a:p>
@@ -4988,20 +4988,15 @@
             </a:r>
             <a:r>
               <a:rPr lang="en-US" altLang="zh-CN" dirty="0"/>
-              <a:t>on our residual network takes 1000 s on my machine and takes more than 3000s on one K80, takes 2000s with two K80s, and takes </a:t>
-            </a:r>
-            <a:r>
-              <a:rPr lang="en-US" altLang="zh-CN"/>
-              <a:t>1000s with four </a:t>
-            </a:r>
-            <a:r>
-              <a:rPr lang="en-US" altLang="zh-CN" dirty="0"/>
-              <a:t>K80s</a:t>
+              <a:t>on our residual network takes 1000 s on my machine and takes more than 3000s on one K80, takes 2000s with two K80s, and takes 1000s with four K80s</a:t>
             </a:r>
           </a:p>
           <a:p>
             <a:pPr lvl="1"/>
-            <a:endParaRPr lang="en-US" altLang="zh-CN" dirty="0"/>
+            <a:r>
+              <a:rPr lang="en-US" altLang="zh-CN" dirty="0"/>
+              <a:t>Takes 900s on one P100, and takes 430s on two P100s, and takes 270s on 4 P100s</a:t>
+            </a:r>
           </a:p>
           <a:p>
             <a:pPr lvl="1"/>
@@ -5411,7 +5406,7 @@
           <a:p>
             <a:r>
               <a:rPr lang="en-US" altLang="zh-CN" dirty="0"/>
-              <a:t>Classification part is not rate variable</a:t>
+              <a:t>Classification part is not rate variable (MNIST)</a:t>
             </a:r>
           </a:p>
           <a:p>
@@ -5509,7 +5504,7 @@
         </p:nvSpPr>
         <p:spPr>
           <a:xfrm>
-            <a:off x="7113663" y="5353363"/>
+            <a:off x="7161882" y="5418677"/>
             <a:ext cx="1841241" cy="369332"/>
           </a:xfrm>
           <a:prstGeom prst="rect">
@@ -5687,15 +5682,130 @@
           <a:p>
             <a:r>
               <a:rPr lang="en-US" altLang="zh-CN" dirty="0"/>
-              <a:t>Two stage (isolated) optimization</a:t>
-            </a:r>
+              <a:t>Classification part is not rate variable (CIFAR10)</a:t>
+            </a:r>
+          </a:p>
+          <a:p>
+            <a:pPr lvl="1"/>
+            <a:r>
+              <a:rPr lang="en-US" altLang="zh-CN" dirty="0"/>
+              <a:t>With pure LSTM based network, we can achieve rate variable classification</a:t>
+            </a:r>
+          </a:p>
+        </p:txBody>
+      </p:sp>
+      <p:pic>
+        <p:nvPicPr>
+          <p:cNvPr id="8" name="图片 7">
+            <a:extLst>
+              <a:ext uri="{FF2B5EF4-FFF2-40B4-BE49-F238E27FC236}">
+                <a16:creationId xmlns:a16="http://schemas.microsoft.com/office/drawing/2014/main" id="{0FA0A468-4306-4924-AD43-4BC88F6BE5A3}"/>
+              </a:ext>
+            </a:extLst>
+          </p:cNvPr>
+          <p:cNvPicPr>
+            <a:picLocks noChangeAspect="1"/>
+          </p:cNvPicPr>
+          <p:nvPr/>
+        </p:nvPicPr>
+        <p:blipFill>
+          <a:blip r:embed="rId3">
+            <a:extLst>
+              <a:ext uri="{28A0092B-C50C-407E-A947-70E740481C1C}">
+                <a14:useLocalDpi xmlns:a14="http://schemas.microsoft.com/office/drawing/2010/main" val="0"/>
+              </a:ext>
+            </a:extLst>
+          </a:blip>
+          <a:stretch>
+            <a:fillRect/>
+          </a:stretch>
+        </p:blipFill>
+        <p:spPr>
+          <a:xfrm>
+            <a:off x="2145738" y="3113241"/>
+            <a:ext cx="3152483" cy="2352753"/>
+          </a:xfrm>
+          <a:prstGeom prst="rect">
+            <a:avLst/>
+          </a:prstGeom>
+        </p:spPr>
+      </p:pic>
+      <p:pic>
+        <p:nvPicPr>
+          <p:cNvPr id="10" name="图片 9">
+            <a:extLst>
+              <a:ext uri="{FF2B5EF4-FFF2-40B4-BE49-F238E27FC236}">
+                <a16:creationId xmlns:a16="http://schemas.microsoft.com/office/drawing/2014/main" id="{B17C7962-2667-4CCF-B578-AF133725F953}"/>
+              </a:ext>
+            </a:extLst>
+          </p:cNvPr>
+          <p:cNvPicPr>
+            <a:picLocks noChangeAspect="1"/>
+          </p:cNvPicPr>
+          <p:nvPr/>
+        </p:nvPicPr>
+        <p:blipFill>
+          <a:blip r:embed="rId4">
+            <a:extLst>
+              <a:ext uri="{28A0092B-C50C-407E-A947-70E740481C1C}">
+                <a14:useLocalDpi xmlns:a14="http://schemas.microsoft.com/office/drawing/2010/main" val="0"/>
+              </a:ext>
+            </a:extLst>
+          </a:blip>
+          <a:stretch>
+            <a:fillRect/>
+          </a:stretch>
+        </p:blipFill>
+        <p:spPr>
+          <a:xfrm>
+            <a:off x="6893781" y="3222122"/>
+            <a:ext cx="2980497" cy="2218871"/>
+          </a:xfrm>
+          <a:prstGeom prst="rect">
+            <a:avLst/>
+          </a:prstGeom>
+        </p:spPr>
+      </p:pic>
+      <p:sp>
+        <p:nvSpPr>
+          <p:cNvPr id="9" name="文本框 8">
+            <a:extLst>
+              <a:ext uri="{FF2B5EF4-FFF2-40B4-BE49-F238E27FC236}">
+                <a16:creationId xmlns:a16="http://schemas.microsoft.com/office/drawing/2014/main" id="{5F6CE0B7-3065-4D04-83D3-13837BBD229E}"/>
+              </a:ext>
+            </a:extLst>
+          </p:cNvPr>
+          <p:cNvSpPr txBox="1"/>
+          <p:nvPr/>
+        </p:nvSpPr>
+        <p:spPr>
+          <a:xfrm>
+            <a:off x="5233556" y="5508462"/>
+            <a:ext cx="1841241" cy="369332"/>
+          </a:xfrm>
+          <a:prstGeom prst="rect">
+            <a:avLst/>
+          </a:prstGeom>
+          <a:noFill/>
+        </p:spPr>
+        <p:txBody>
+          <a:bodyPr wrap="square" rtlCol="0">
+            <a:spAutoFit/>
+          </a:bodyPr>
+          <a:lstStyle/>
+          <a:p>
+            <a:r>
+              <a:rPr lang="en-US" altLang="zh-CN" dirty="0"/>
+              <a:t>Current results</a:t>
+            </a:r>
+            <a:endParaRPr lang="zh-CN" altLang="en-US" dirty="0"/>
           </a:p>
         </p:txBody>
       </p:sp>
     </p:spTree>
     <p:extLst>
       <p:ext uri="{BB962C8B-B14F-4D97-AF65-F5344CB8AC3E}">
-        <p14:creationId xmlns:p14="http://schemas.microsoft.com/office/powerpoint/2010/main" val="2990382200"/>
+        <p14:creationId xmlns:p14="http://schemas.microsoft.com/office/powerpoint/2010/main" val="1808278184"/>
       </p:ext>
     </p:extLst>
   </p:cSld>
@@ -5776,16 +5886,15 @@
           <a:p>
             <a:r>
               <a:rPr lang="en-US" altLang="zh-CN" dirty="0"/>
-              <a:t>CIFAR10</a:t>
-            </a:r>
-            <a:endParaRPr lang="zh-CN" altLang="en-US" dirty="0"/>
+              <a:t>Two stage (isolated) optimization</a:t>
+            </a:r>
           </a:p>
         </p:txBody>
       </p:sp>
     </p:spTree>
     <p:extLst>
       <p:ext uri="{BB962C8B-B14F-4D97-AF65-F5344CB8AC3E}">
-        <p14:creationId xmlns:p14="http://schemas.microsoft.com/office/powerpoint/2010/main" val="802639922"/>
+        <p14:creationId xmlns:p14="http://schemas.microsoft.com/office/powerpoint/2010/main" val="2990382200"/>
       </p:ext>
     </p:extLst>
   </p:cSld>

--- a/doc/Report/ongoing.pptx
+++ b/doc/Report/ongoing.pptx
@@ -1,25 +1,36 @@
 
 <file path=ppt/presentation.xml><?xml version="1.0" encoding="utf-8"?>
-<p:presentation xmlns:a="http://schemas.openxmlformats.org/drawingml/2006/main" xmlns:r="http://schemas.openxmlformats.org/officeDocument/2006/relationships" xmlns:p="http://schemas.openxmlformats.org/presentationml/2006/main" saveSubsetFonts="1">
+<p:presentation xmlns:a="http://schemas.openxmlformats.org/drawingml/2006/main" xmlns:r="http://schemas.openxmlformats.org/officeDocument/2006/relationships" xmlns:p="http://schemas.openxmlformats.org/presentationml/2006/main" saveSubsetFonts="1" bookmarkIdSeed="2">
   <p:sldMasterIdLst>
     <p:sldMasterId id="2147483648" r:id="rId1"/>
   </p:sldMasterIdLst>
   <p:notesMasterIdLst>
-    <p:notesMasterId r:id="rId14"/>
+    <p:notesMasterId r:id="rId25"/>
   </p:notesMasterIdLst>
   <p:sldIdLst>
     <p:sldId id="271" r:id="rId2"/>
     <p:sldId id="295" r:id="rId3"/>
     <p:sldId id="308" r:id="rId4"/>
-    <p:sldId id="311" r:id="rId5"/>
-    <p:sldId id="296" r:id="rId6"/>
-    <p:sldId id="302" r:id="rId7"/>
-    <p:sldId id="309" r:id="rId8"/>
-    <p:sldId id="312" r:id="rId9"/>
-    <p:sldId id="306" r:id="rId10"/>
-    <p:sldId id="310" r:id="rId11"/>
-    <p:sldId id="304" r:id="rId12"/>
-    <p:sldId id="305" r:id="rId13"/>
+    <p:sldId id="296" r:id="rId5"/>
+    <p:sldId id="302" r:id="rId6"/>
+    <p:sldId id="320" r:id="rId7"/>
+    <p:sldId id="305" r:id="rId8"/>
+    <p:sldId id="309" r:id="rId9"/>
+    <p:sldId id="314" r:id="rId10"/>
+    <p:sldId id="319" r:id="rId11"/>
+    <p:sldId id="310" r:id="rId12"/>
+    <p:sldId id="317" r:id="rId13"/>
+    <p:sldId id="318" r:id="rId14"/>
+    <p:sldId id="321" r:id="rId15"/>
+    <p:sldId id="322" r:id="rId16"/>
+    <p:sldId id="330" r:id="rId17"/>
+    <p:sldId id="323" r:id="rId18"/>
+    <p:sldId id="329" r:id="rId19"/>
+    <p:sldId id="324" r:id="rId20"/>
+    <p:sldId id="306" r:id="rId21"/>
+    <p:sldId id="325" r:id="rId22"/>
+    <p:sldId id="326" r:id="rId23"/>
+    <p:sldId id="327" r:id="rId24"/>
   </p:sldIdLst>
   <p:sldSz cx="12192000" cy="6858000"/>
   <p:notesSz cx="6858000" cy="9144000"/>
@@ -208,7 +219,7 @@
           <a:p>
             <a:fld id="{97BE2177-E45B-449F-AE2E-ED4743253C6D}" type="datetimeFigureOut">
               <a:rPr lang="zh-CN" altLang="en-US" smtClean="0"/>
-              <a:t>2018/9/10</a:t>
+              <a:t>2018/9/25</a:t>
             </a:fld>
             <a:endParaRPr lang="zh-CN" altLang="en-US"/>
           </a:p>
@@ -559,6 +570,678 @@
 </p:notes>
 </file>
 
+<file path=ppt/notesSlides/notesSlide10.xml><?xml version="1.0" encoding="utf-8"?>
+<p:notes xmlns:a="http://schemas.openxmlformats.org/drawingml/2006/main" xmlns:r="http://schemas.openxmlformats.org/officeDocument/2006/relationships" xmlns:p="http://schemas.openxmlformats.org/presentationml/2006/main">
+  <p:cSld>
+    <p:spTree>
+      <p:nvGrpSpPr>
+        <p:cNvPr id="1" name=""/>
+        <p:cNvGrpSpPr/>
+        <p:nvPr/>
+      </p:nvGrpSpPr>
+      <p:grpSpPr>
+        <a:xfrm>
+          <a:off x="0" y="0"/>
+          <a:ext cx="0" cy="0"/>
+          <a:chOff x="0" y="0"/>
+          <a:chExt cx="0" cy="0"/>
+        </a:xfrm>
+      </p:grpSpPr>
+      <p:sp>
+        <p:nvSpPr>
+          <p:cNvPr id="2" name="幻灯片图像占位符 1"/>
+          <p:cNvSpPr>
+            <a:spLocks noGrp="1" noRot="1" noChangeAspect="1"/>
+          </p:cNvSpPr>
+          <p:nvPr>
+            <p:ph type="sldImg"/>
+          </p:nvPr>
+        </p:nvSpPr>
+        <p:spPr/>
+      </p:sp>
+      <p:sp>
+        <p:nvSpPr>
+          <p:cNvPr id="3" name="备注占位符 2"/>
+          <p:cNvSpPr>
+            <a:spLocks noGrp="1"/>
+          </p:cNvSpPr>
+          <p:nvPr>
+            <p:ph type="body" idx="1"/>
+          </p:nvPr>
+        </p:nvSpPr>
+        <p:spPr/>
+        <p:txBody>
+          <a:bodyPr/>
+          <a:lstStyle/>
+          <a:p>
+            <a:endParaRPr lang="zh-CN" altLang="en-US" dirty="0"/>
+          </a:p>
+        </p:txBody>
+      </p:sp>
+      <p:sp>
+        <p:nvSpPr>
+          <p:cNvPr id="4" name="灯片编号占位符 3"/>
+          <p:cNvSpPr>
+            <a:spLocks noGrp="1"/>
+          </p:cNvSpPr>
+          <p:nvPr>
+            <p:ph type="sldNum" sz="quarter" idx="10"/>
+          </p:nvPr>
+        </p:nvSpPr>
+        <p:spPr/>
+        <p:txBody>
+          <a:bodyPr/>
+          <a:lstStyle/>
+          <a:p>
+            <a:fld id="{C676D08B-1E4C-4901-ABEC-209650D3181D}" type="slidenum">
+              <a:rPr lang="zh-CN" altLang="en-US" smtClean="0"/>
+              <a:t>16</a:t>
+            </a:fld>
+            <a:endParaRPr lang="zh-CN" altLang="en-US"/>
+          </a:p>
+        </p:txBody>
+      </p:sp>
+    </p:spTree>
+    <p:extLst>
+      <p:ext uri="{BB962C8B-B14F-4D97-AF65-F5344CB8AC3E}">
+        <p14:creationId xmlns:p14="http://schemas.microsoft.com/office/powerpoint/2010/main" val="2119403133"/>
+      </p:ext>
+    </p:extLst>
+  </p:cSld>
+  <p:clrMapOvr>
+    <a:masterClrMapping/>
+  </p:clrMapOvr>
+</p:notes>
+</file>
+
+<file path=ppt/notesSlides/notesSlide11.xml><?xml version="1.0" encoding="utf-8"?>
+<p:notes xmlns:a="http://schemas.openxmlformats.org/drawingml/2006/main" xmlns:r="http://schemas.openxmlformats.org/officeDocument/2006/relationships" xmlns:p="http://schemas.openxmlformats.org/presentationml/2006/main">
+  <p:cSld>
+    <p:spTree>
+      <p:nvGrpSpPr>
+        <p:cNvPr id="1" name=""/>
+        <p:cNvGrpSpPr/>
+        <p:nvPr/>
+      </p:nvGrpSpPr>
+      <p:grpSpPr>
+        <a:xfrm>
+          <a:off x="0" y="0"/>
+          <a:ext cx="0" cy="0"/>
+          <a:chOff x="0" y="0"/>
+          <a:chExt cx="0" cy="0"/>
+        </a:xfrm>
+      </p:grpSpPr>
+      <p:sp>
+        <p:nvSpPr>
+          <p:cNvPr id="2" name="幻灯片图像占位符 1"/>
+          <p:cNvSpPr>
+            <a:spLocks noGrp="1" noRot="1" noChangeAspect="1"/>
+          </p:cNvSpPr>
+          <p:nvPr>
+            <p:ph type="sldImg"/>
+          </p:nvPr>
+        </p:nvSpPr>
+        <p:spPr/>
+      </p:sp>
+      <p:sp>
+        <p:nvSpPr>
+          <p:cNvPr id="3" name="备注占位符 2"/>
+          <p:cNvSpPr>
+            <a:spLocks noGrp="1"/>
+          </p:cNvSpPr>
+          <p:nvPr>
+            <p:ph type="body" idx="1"/>
+          </p:nvPr>
+        </p:nvSpPr>
+        <p:spPr/>
+        <p:txBody>
+          <a:bodyPr/>
+          <a:lstStyle/>
+          <a:p>
+            <a:endParaRPr lang="zh-CN" altLang="en-US" dirty="0"/>
+          </a:p>
+        </p:txBody>
+      </p:sp>
+      <p:sp>
+        <p:nvSpPr>
+          <p:cNvPr id="4" name="灯片编号占位符 3"/>
+          <p:cNvSpPr>
+            <a:spLocks noGrp="1"/>
+          </p:cNvSpPr>
+          <p:nvPr>
+            <p:ph type="sldNum" sz="quarter" idx="10"/>
+          </p:nvPr>
+        </p:nvSpPr>
+        <p:spPr/>
+        <p:txBody>
+          <a:bodyPr/>
+          <a:lstStyle/>
+          <a:p>
+            <a:fld id="{C676D08B-1E4C-4901-ABEC-209650D3181D}" type="slidenum">
+              <a:rPr lang="zh-CN" altLang="en-US" smtClean="0"/>
+              <a:t>17</a:t>
+            </a:fld>
+            <a:endParaRPr lang="zh-CN" altLang="en-US"/>
+          </a:p>
+        </p:txBody>
+      </p:sp>
+    </p:spTree>
+    <p:extLst>
+      <p:ext uri="{BB962C8B-B14F-4D97-AF65-F5344CB8AC3E}">
+        <p14:creationId xmlns:p14="http://schemas.microsoft.com/office/powerpoint/2010/main" val="4021244576"/>
+      </p:ext>
+    </p:extLst>
+  </p:cSld>
+  <p:clrMapOvr>
+    <a:masterClrMapping/>
+  </p:clrMapOvr>
+</p:notes>
+</file>
+
+<file path=ppt/notesSlides/notesSlide12.xml><?xml version="1.0" encoding="utf-8"?>
+<p:notes xmlns:a="http://schemas.openxmlformats.org/drawingml/2006/main" xmlns:r="http://schemas.openxmlformats.org/officeDocument/2006/relationships" xmlns:p="http://schemas.openxmlformats.org/presentationml/2006/main">
+  <p:cSld>
+    <p:spTree>
+      <p:nvGrpSpPr>
+        <p:cNvPr id="1" name=""/>
+        <p:cNvGrpSpPr/>
+        <p:nvPr/>
+      </p:nvGrpSpPr>
+      <p:grpSpPr>
+        <a:xfrm>
+          <a:off x="0" y="0"/>
+          <a:ext cx="0" cy="0"/>
+          <a:chOff x="0" y="0"/>
+          <a:chExt cx="0" cy="0"/>
+        </a:xfrm>
+      </p:grpSpPr>
+      <p:sp>
+        <p:nvSpPr>
+          <p:cNvPr id="2" name="幻灯片图像占位符 1"/>
+          <p:cNvSpPr>
+            <a:spLocks noGrp="1" noRot="1" noChangeAspect="1"/>
+          </p:cNvSpPr>
+          <p:nvPr>
+            <p:ph type="sldImg"/>
+          </p:nvPr>
+        </p:nvSpPr>
+        <p:spPr/>
+      </p:sp>
+      <p:sp>
+        <p:nvSpPr>
+          <p:cNvPr id="3" name="备注占位符 2"/>
+          <p:cNvSpPr>
+            <a:spLocks noGrp="1"/>
+          </p:cNvSpPr>
+          <p:nvPr>
+            <p:ph type="body" idx="1"/>
+          </p:nvPr>
+        </p:nvSpPr>
+        <p:spPr/>
+        <p:txBody>
+          <a:bodyPr/>
+          <a:lstStyle/>
+          <a:p>
+            <a:endParaRPr lang="zh-CN" altLang="en-US" dirty="0"/>
+          </a:p>
+        </p:txBody>
+      </p:sp>
+      <p:sp>
+        <p:nvSpPr>
+          <p:cNvPr id="4" name="灯片编号占位符 3"/>
+          <p:cNvSpPr>
+            <a:spLocks noGrp="1"/>
+          </p:cNvSpPr>
+          <p:nvPr>
+            <p:ph type="sldNum" sz="quarter" idx="10"/>
+          </p:nvPr>
+        </p:nvSpPr>
+        <p:spPr/>
+        <p:txBody>
+          <a:bodyPr/>
+          <a:lstStyle/>
+          <a:p>
+            <a:fld id="{C676D08B-1E4C-4901-ABEC-209650D3181D}" type="slidenum">
+              <a:rPr lang="zh-CN" altLang="en-US" smtClean="0"/>
+              <a:t>18</a:t>
+            </a:fld>
+            <a:endParaRPr lang="zh-CN" altLang="en-US"/>
+          </a:p>
+        </p:txBody>
+      </p:sp>
+    </p:spTree>
+    <p:extLst>
+      <p:ext uri="{BB962C8B-B14F-4D97-AF65-F5344CB8AC3E}">
+        <p14:creationId xmlns:p14="http://schemas.microsoft.com/office/powerpoint/2010/main" val="2348306896"/>
+      </p:ext>
+    </p:extLst>
+  </p:cSld>
+  <p:clrMapOvr>
+    <a:masterClrMapping/>
+  </p:clrMapOvr>
+</p:notes>
+</file>
+
+<file path=ppt/notesSlides/notesSlide13.xml><?xml version="1.0" encoding="utf-8"?>
+<p:notes xmlns:a="http://schemas.openxmlformats.org/drawingml/2006/main" xmlns:r="http://schemas.openxmlformats.org/officeDocument/2006/relationships" xmlns:p="http://schemas.openxmlformats.org/presentationml/2006/main">
+  <p:cSld>
+    <p:spTree>
+      <p:nvGrpSpPr>
+        <p:cNvPr id="1" name=""/>
+        <p:cNvGrpSpPr/>
+        <p:nvPr/>
+      </p:nvGrpSpPr>
+      <p:grpSpPr>
+        <a:xfrm>
+          <a:off x="0" y="0"/>
+          <a:ext cx="0" cy="0"/>
+          <a:chOff x="0" y="0"/>
+          <a:chExt cx="0" cy="0"/>
+        </a:xfrm>
+      </p:grpSpPr>
+      <p:sp>
+        <p:nvSpPr>
+          <p:cNvPr id="2" name="幻灯片图像占位符 1"/>
+          <p:cNvSpPr>
+            <a:spLocks noGrp="1" noRot="1" noChangeAspect="1"/>
+          </p:cNvSpPr>
+          <p:nvPr>
+            <p:ph type="sldImg"/>
+          </p:nvPr>
+        </p:nvSpPr>
+        <p:spPr/>
+      </p:sp>
+      <p:sp>
+        <p:nvSpPr>
+          <p:cNvPr id="3" name="备注占位符 2"/>
+          <p:cNvSpPr>
+            <a:spLocks noGrp="1"/>
+          </p:cNvSpPr>
+          <p:nvPr>
+            <p:ph type="body" idx="1"/>
+          </p:nvPr>
+        </p:nvSpPr>
+        <p:spPr/>
+        <p:txBody>
+          <a:bodyPr/>
+          <a:lstStyle/>
+          <a:p>
+            <a:endParaRPr lang="zh-CN" altLang="en-US" dirty="0"/>
+          </a:p>
+        </p:txBody>
+      </p:sp>
+      <p:sp>
+        <p:nvSpPr>
+          <p:cNvPr id="4" name="灯片编号占位符 3"/>
+          <p:cNvSpPr>
+            <a:spLocks noGrp="1"/>
+          </p:cNvSpPr>
+          <p:nvPr>
+            <p:ph type="sldNum" sz="quarter" idx="10"/>
+          </p:nvPr>
+        </p:nvSpPr>
+        <p:spPr/>
+        <p:txBody>
+          <a:bodyPr/>
+          <a:lstStyle/>
+          <a:p>
+            <a:fld id="{C676D08B-1E4C-4901-ABEC-209650D3181D}" type="slidenum">
+              <a:rPr lang="zh-CN" altLang="en-US" smtClean="0"/>
+              <a:t>19</a:t>
+            </a:fld>
+            <a:endParaRPr lang="zh-CN" altLang="en-US"/>
+          </a:p>
+        </p:txBody>
+      </p:sp>
+    </p:spTree>
+    <p:extLst>
+      <p:ext uri="{BB962C8B-B14F-4D97-AF65-F5344CB8AC3E}">
+        <p14:creationId xmlns:p14="http://schemas.microsoft.com/office/powerpoint/2010/main" val="2928689229"/>
+      </p:ext>
+    </p:extLst>
+  </p:cSld>
+  <p:clrMapOvr>
+    <a:masterClrMapping/>
+  </p:clrMapOvr>
+</p:notes>
+</file>
+
+<file path=ppt/notesSlides/notesSlide14.xml><?xml version="1.0" encoding="utf-8"?>
+<p:notes xmlns:a="http://schemas.openxmlformats.org/drawingml/2006/main" xmlns:r="http://schemas.openxmlformats.org/officeDocument/2006/relationships" xmlns:p="http://schemas.openxmlformats.org/presentationml/2006/main">
+  <p:cSld>
+    <p:spTree>
+      <p:nvGrpSpPr>
+        <p:cNvPr id="1" name=""/>
+        <p:cNvGrpSpPr/>
+        <p:nvPr/>
+      </p:nvGrpSpPr>
+      <p:grpSpPr>
+        <a:xfrm>
+          <a:off x="0" y="0"/>
+          <a:ext cx="0" cy="0"/>
+          <a:chOff x="0" y="0"/>
+          <a:chExt cx="0" cy="0"/>
+        </a:xfrm>
+      </p:grpSpPr>
+      <p:sp>
+        <p:nvSpPr>
+          <p:cNvPr id="2" name="幻灯片图像占位符 1"/>
+          <p:cNvSpPr>
+            <a:spLocks noGrp="1" noRot="1" noChangeAspect="1"/>
+          </p:cNvSpPr>
+          <p:nvPr>
+            <p:ph type="sldImg"/>
+          </p:nvPr>
+        </p:nvSpPr>
+        <p:spPr/>
+      </p:sp>
+      <p:sp>
+        <p:nvSpPr>
+          <p:cNvPr id="3" name="备注占位符 2"/>
+          <p:cNvSpPr>
+            <a:spLocks noGrp="1"/>
+          </p:cNvSpPr>
+          <p:nvPr>
+            <p:ph type="body" idx="1"/>
+          </p:nvPr>
+        </p:nvSpPr>
+        <p:spPr/>
+        <p:txBody>
+          <a:bodyPr/>
+          <a:lstStyle/>
+          <a:p>
+            <a:endParaRPr lang="zh-CN" altLang="en-US" dirty="0"/>
+          </a:p>
+        </p:txBody>
+      </p:sp>
+      <p:sp>
+        <p:nvSpPr>
+          <p:cNvPr id="4" name="灯片编号占位符 3"/>
+          <p:cNvSpPr>
+            <a:spLocks noGrp="1"/>
+          </p:cNvSpPr>
+          <p:nvPr>
+            <p:ph type="sldNum" sz="quarter" idx="10"/>
+          </p:nvPr>
+        </p:nvSpPr>
+        <p:spPr/>
+        <p:txBody>
+          <a:bodyPr/>
+          <a:lstStyle/>
+          <a:p>
+            <a:fld id="{C676D08B-1E4C-4901-ABEC-209650D3181D}" type="slidenum">
+              <a:rPr lang="zh-CN" altLang="en-US" smtClean="0"/>
+              <a:t>20</a:t>
+            </a:fld>
+            <a:endParaRPr lang="zh-CN" altLang="en-US"/>
+          </a:p>
+        </p:txBody>
+      </p:sp>
+    </p:spTree>
+    <p:extLst>
+      <p:ext uri="{BB962C8B-B14F-4D97-AF65-F5344CB8AC3E}">
+        <p14:creationId xmlns:p14="http://schemas.microsoft.com/office/powerpoint/2010/main" val="2768591612"/>
+      </p:ext>
+    </p:extLst>
+  </p:cSld>
+  <p:clrMapOvr>
+    <a:masterClrMapping/>
+  </p:clrMapOvr>
+</p:notes>
+</file>
+
+<file path=ppt/notesSlides/notesSlide15.xml><?xml version="1.0" encoding="utf-8"?>
+<p:notes xmlns:a="http://schemas.openxmlformats.org/drawingml/2006/main" xmlns:r="http://schemas.openxmlformats.org/officeDocument/2006/relationships" xmlns:p="http://schemas.openxmlformats.org/presentationml/2006/main">
+  <p:cSld>
+    <p:spTree>
+      <p:nvGrpSpPr>
+        <p:cNvPr id="1" name=""/>
+        <p:cNvGrpSpPr/>
+        <p:nvPr/>
+      </p:nvGrpSpPr>
+      <p:grpSpPr>
+        <a:xfrm>
+          <a:off x="0" y="0"/>
+          <a:ext cx="0" cy="0"/>
+          <a:chOff x="0" y="0"/>
+          <a:chExt cx="0" cy="0"/>
+        </a:xfrm>
+      </p:grpSpPr>
+      <p:sp>
+        <p:nvSpPr>
+          <p:cNvPr id="2" name="幻灯片图像占位符 1"/>
+          <p:cNvSpPr>
+            <a:spLocks noGrp="1" noRot="1" noChangeAspect="1"/>
+          </p:cNvSpPr>
+          <p:nvPr>
+            <p:ph type="sldImg"/>
+          </p:nvPr>
+        </p:nvSpPr>
+        <p:spPr/>
+      </p:sp>
+      <p:sp>
+        <p:nvSpPr>
+          <p:cNvPr id="3" name="备注占位符 2"/>
+          <p:cNvSpPr>
+            <a:spLocks noGrp="1"/>
+          </p:cNvSpPr>
+          <p:nvPr>
+            <p:ph type="body" idx="1"/>
+          </p:nvPr>
+        </p:nvSpPr>
+        <p:spPr/>
+        <p:txBody>
+          <a:bodyPr/>
+          <a:lstStyle/>
+          <a:p>
+            <a:endParaRPr lang="zh-CN" altLang="en-US" dirty="0"/>
+          </a:p>
+        </p:txBody>
+      </p:sp>
+      <p:sp>
+        <p:nvSpPr>
+          <p:cNvPr id="4" name="灯片编号占位符 3"/>
+          <p:cNvSpPr>
+            <a:spLocks noGrp="1"/>
+          </p:cNvSpPr>
+          <p:nvPr>
+            <p:ph type="sldNum" sz="quarter" idx="10"/>
+          </p:nvPr>
+        </p:nvSpPr>
+        <p:spPr/>
+        <p:txBody>
+          <a:bodyPr/>
+          <a:lstStyle/>
+          <a:p>
+            <a:fld id="{C676D08B-1E4C-4901-ABEC-209650D3181D}" type="slidenum">
+              <a:rPr lang="zh-CN" altLang="en-US" smtClean="0"/>
+              <a:t>21</a:t>
+            </a:fld>
+            <a:endParaRPr lang="zh-CN" altLang="en-US"/>
+          </a:p>
+        </p:txBody>
+      </p:sp>
+    </p:spTree>
+    <p:extLst>
+      <p:ext uri="{BB962C8B-B14F-4D97-AF65-F5344CB8AC3E}">
+        <p14:creationId xmlns:p14="http://schemas.microsoft.com/office/powerpoint/2010/main" val="3132672385"/>
+      </p:ext>
+    </p:extLst>
+  </p:cSld>
+  <p:clrMapOvr>
+    <a:masterClrMapping/>
+  </p:clrMapOvr>
+</p:notes>
+</file>
+
+<file path=ppt/notesSlides/notesSlide16.xml><?xml version="1.0" encoding="utf-8"?>
+<p:notes xmlns:a="http://schemas.openxmlformats.org/drawingml/2006/main" xmlns:r="http://schemas.openxmlformats.org/officeDocument/2006/relationships" xmlns:p="http://schemas.openxmlformats.org/presentationml/2006/main">
+  <p:cSld>
+    <p:spTree>
+      <p:nvGrpSpPr>
+        <p:cNvPr id="1" name=""/>
+        <p:cNvGrpSpPr/>
+        <p:nvPr/>
+      </p:nvGrpSpPr>
+      <p:grpSpPr>
+        <a:xfrm>
+          <a:off x="0" y="0"/>
+          <a:ext cx="0" cy="0"/>
+          <a:chOff x="0" y="0"/>
+          <a:chExt cx="0" cy="0"/>
+        </a:xfrm>
+      </p:grpSpPr>
+      <p:sp>
+        <p:nvSpPr>
+          <p:cNvPr id="2" name="幻灯片图像占位符 1"/>
+          <p:cNvSpPr>
+            <a:spLocks noGrp="1" noRot="1" noChangeAspect="1"/>
+          </p:cNvSpPr>
+          <p:nvPr>
+            <p:ph type="sldImg"/>
+          </p:nvPr>
+        </p:nvSpPr>
+        <p:spPr/>
+      </p:sp>
+      <p:sp>
+        <p:nvSpPr>
+          <p:cNvPr id="3" name="备注占位符 2"/>
+          <p:cNvSpPr>
+            <a:spLocks noGrp="1"/>
+          </p:cNvSpPr>
+          <p:nvPr>
+            <p:ph type="body" idx="1"/>
+          </p:nvPr>
+        </p:nvSpPr>
+        <p:spPr/>
+        <p:txBody>
+          <a:bodyPr/>
+          <a:lstStyle/>
+          <a:p>
+            <a:endParaRPr lang="zh-CN" altLang="en-US" dirty="0"/>
+          </a:p>
+        </p:txBody>
+      </p:sp>
+      <p:sp>
+        <p:nvSpPr>
+          <p:cNvPr id="4" name="灯片编号占位符 3"/>
+          <p:cNvSpPr>
+            <a:spLocks noGrp="1"/>
+          </p:cNvSpPr>
+          <p:nvPr>
+            <p:ph type="sldNum" sz="quarter" idx="10"/>
+          </p:nvPr>
+        </p:nvSpPr>
+        <p:spPr/>
+        <p:txBody>
+          <a:bodyPr/>
+          <a:lstStyle/>
+          <a:p>
+            <a:fld id="{C676D08B-1E4C-4901-ABEC-209650D3181D}" type="slidenum">
+              <a:rPr lang="zh-CN" altLang="en-US" smtClean="0"/>
+              <a:t>22</a:t>
+            </a:fld>
+            <a:endParaRPr lang="zh-CN" altLang="en-US"/>
+          </a:p>
+        </p:txBody>
+      </p:sp>
+    </p:spTree>
+    <p:extLst>
+      <p:ext uri="{BB962C8B-B14F-4D97-AF65-F5344CB8AC3E}">
+        <p14:creationId xmlns:p14="http://schemas.microsoft.com/office/powerpoint/2010/main" val="104709173"/>
+      </p:ext>
+    </p:extLst>
+  </p:cSld>
+  <p:clrMapOvr>
+    <a:masterClrMapping/>
+  </p:clrMapOvr>
+</p:notes>
+</file>
+
+<file path=ppt/notesSlides/notesSlide17.xml><?xml version="1.0" encoding="utf-8"?>
+<p:notes xmlns:a="http://schemas.openxmlformats.org/drawingml/2006/main" xmlns:r="http://schemas.openxmlformats.org/officeDocument/2006/relationships" xmlns:p="http://schemas.openxmlformats.org/presentationml/2006/main">
+  <p:cSld>
+    <p:spTree>
+      <p:nvGrpSpPr>
+        <p:cNvPr id="1" name=""/>
+        <p:cNvGrpSpPr/>
+        <p:nvPr/>
+      </p:nvGrpSpPr>
+      <p:grpSpPr>
+        <a:xfrm>
+          <a:off x="0" y="0"/>
+          <a:ext cx="0" cy="0"/>
+          <a:chOff x="0" y="0"/>
+          <a:chExt cx="0" cy="0"/>
+        </a:xfrm>
+      </p:grpSpPr>
+      <p:sp>
+        <p:nvSpPr>
+          <p:cNvPr id="2" name="幻灯片图像占位符 1"/>
+          <p:cNvSpPr>
+            <a:spLocks noGrp="1" noRot="1" noChangeAspect="1"/>
+          </p:cNvSpPr>
+          <p:nvPr>
+            <p:ph type="sldImg"/>
+          </p:nvPr>
+        </p:nvSpPr>
+        <p:spPr/>
+      </p:sp>
+      <p:sp>
+        <p:nvSpPr>
+          <p:cNvPr id="3" name="备注占位符 2"/>
+          <p:cNvSpPr>
+            <a:spLocks noGrp="1"/>
+          </p:cNvSpPr>
+          <p:nvPr>
+            <p:ph type="body" idx="1"/>
+          </p:nvPr>
+        </p:nvSpPr>
+        <p:spPr/>
+        <p:txBody>
+          <a:bodyPr/>
+          <a:lstStyle/>
+          <a:p>
+            <a:endParaRPr lang="zh-CN" altLang="en-US" dirty="0"/>
+          </a:p>
+        </p:txBody>
+      </p:sp>
+      <p:sp>
+        <p:nvSpPr>
+          <p:cNvPr id="4" name="灯片编号占位符 3"/>
+          <p:cNvSpPr>
+            <a:spLocks noGrp="1"/>
+          </p:cNvSpPr>
+          <p:nvPr>
+            <p:ph type="sldNum" sz="quarter" idx="10"/>
+          </p:nvPr>
+        </p:nvSpPr>
+        <p:spPr/>
+        <p:txBody>
+          <a:bodyPr/>
+          <a:lstStyle/>
+          <a:p>
+            <a:fld id="{C676D08B-1E4C-4901-ABEC-209650D3181D}" type="slidenum">
+              <a:rPr lang="zh-CN" altLang="en-US" smtClean="0"/>
+              <a:t>23</a:t>
+            </a:fld>
+            <a:endParaRPr lang="zh-CN" altLang="en-US"/>
+          </a:p>
+        </p:txBody>
+      </p:sp>
+    </p:spTree>
+    <p:extLst>
+      <p:ext uri="{BB962C8B-B14F-4D97-AF65-F5344CB8AC3E}">
+        <p14:creationId xmlns:p14="http://schemas.microsoft.com/office/powerpoint/2010/main" val="2314548025"/>
+      </p:ext>
+    </p:extLst>
+  </p:cSld>
+  <p:clrMapOvr>
+    <a:masterClrMapping/>
+  </p:clrMapOvr>
+</p:notes>
+</file>
+
 <file path=ppt/notesSlides/notesSlide2.xml><?xml version="1.0" encoding="utf-8"?>
 <p:notes xmlns:a="http://schemas.openxmlformats.org/drawingml/2006/main" xmlns:r="http://schemas.openxmlformats.org/officeDocument/2006/relationships" xmlns:p="http://schemas.openxmlformats.org/presentationml/2006/main">
   <p:cSld>
@@ -624,7 +1307,7 @@
           <a:p>
             <a:fld id="{C676D08B-1E4C-4901-ABEC-209650D3181D}" type="slidenum">
               <a:rPr lang="zh-CN" altLang="en-US" smtClean="0"/>
-              <a:t>7</a:t>
+              <a:t>8</a:t>
             </a:fld>
             <a:endParaRPr lang="zh-CN" altLang="en-US"/>
           </a:p>
@@ -708,7 +1391,7 @@
           <a:p>
             <a:fld id="{C676D08B-1E4C-4901-ABEC-209650D3181D}" type="slidenum">
               <a:rPr lang="zh-CN" altLang="en-US" smtClean="0"/>
-              <a:t>8</a:t>
+              <a:t>9</a:t>
             </a:fld>
             <a:endParaRPr lang="zh-CN" altLang="en-US"/>
           </a:p>
@@ -717,7 +1400,7 @@
     </p:spTree>
     <p:extLst>
       <p:ext uri="{BB962C8B-B14F-4D97-AF65-F5344CB8AC3E}">
-        <p14:creationId xmlns:p14="http://schemas.microsoft.com/office/powerpoint/2010/main" val="2947211378"/>
+        <p14:creationId xmlns:p14="http://schemas.microsoft.com/office/powerpoint/2010/main" val="745126044"/>
       </p:ext>
     </p:extLst>
   </p:cSld>
@@ -792,7 +1475,7 @@
           <a:p>
             <a:fld id="{C676D08B-1E4C-4901-ABEC-209650D3181D}" type="slidenum">
               <a:rPr lang="zh-CN" altLang="en-US" smtClean="0"/>
-              <a:t>9</a:t>
+              <a:t>10</a:t>
             </a:fld>
             <a:endParaRPr lang="zh-CN" altLang="en-US"/>
           </a:p>
@@ -801,7 +1484,7 @@
     </p:spTree>
     <p:extLst>
       <p:ext uri="{BB962C8B-B14F-4D97-AF65-F5344CB8AC3E}">
-        <p14:creationId xmlns:p14="http://schemas.microsoft.com/office/powerpoint/2010/main" val="2768591612"/>
+        <p14:creationId xmlns:p14="http://schemas.microsoft.com/office/powerpoint/2010/main" val="1559773165"/>
       </p:ext>
     </p:extLst>
   </p:cSld>
@@ -876,7 +1559,7 @@
           <a:p>
             <a:fld id="{C676D08B-1E4C-4901-ABEC-209650D3181D}" type="slidenum">
               <a:rPr lang="zh-CN" altLang="en-US" smtClean="0"/>
-              <a:t>10</a:t>
+              <a:t>11</a:t>
             </a:fld>
             <a:endParaRPr lang="zh-CN" altLang="en-US"/>
           </a:p>
@@ -886,6 +1569,342 @@
     <p:extLst>
       <p:ext uri="{BB962C8B-B14F-4D97-AF65-F5344CB8AC3E}">
         <p14:creationId xmlns:p14="http://schemas.microsoft.com/office/powerpoint/2010/main" val="308378821"/>
+      </p:ext>
+    </p:extLst>
+  </p:cSld>
+  <p:clrMapOvr>
+    <a:masterClrMapping/>
+  </p:clrMapOvr>
+</p:notes>
+</file>
+
+<file path=ppt/notesSlides/notesSlide6.xml><?xml version="1.0" encoding="utf-8"?>
+<p:notes xmlns:a="http://schemas.openxmlformats.org/drawingml/2006/main" xmlns:r="http://schemas.openxmlformats.org/officeDocument/2006/relationships" xmlns:p="http://schemas.openxmlformats.org/presentationml/2006/main">
+  <p:cSld>
+    <p:spTree>
+      <p:nvGrpSpPr>
+        <p:cNvPr id="1" name=""/>
+        <p:cNvGrpSpPr/>
+        <p:nvPr/>
+      </p:nvGrpSpPr>
+      <p:grpSpPr>
+        <a:xfrm>
+          <a:off x="0" y="0"/>
+          <a:ext cx="0" cy="0"/>
+          <a:chOff x="0" y="0"/>
+          <a:chExt cx="0" cy="0"/>
+        </a:xfrm>
+      </p:grpSpPr>
+      <p:sp>
+        <p:nvSpPr>
+          <p:cNvPr id="2" name="幻灯片图像占位符 1"/>
+          <p:cNvSpPr>
+            <a:spLocks noGrp="1" noRot="1" noChangeAspect="1"/>
+          </p:cNvSpPr>
+          <p:nvPr>
+            <p:ph type="sldImg"/>
+          </p:nvPr>
+        </p:nvSpPr>
+        <p:spPr/>
+      </p:sp>
+      <p:sp>
+        <p:nvSpPr>
+          <p:cNvPr id="3" name="备注占位符 2"/>
+          <p:cNvSpPr>
+            <a:spLocks noGrp="1"/>
+          </p:cNvSpPr>
+          <p:nvPr>
+            <p:ph type="body" idx="1"/>
+          </p:nvPr>
+        </p:nvSpPr>
+        <p:spPr/>
+        <p:txBody>
+          <a:bodyPr/>
+          <a:lstStyle/>
+          <a:p>
+            <a:endParaRPr lang="zh-CN" altLang="en-US" dirty="0"/>
+          </a:p>
+        </p:txBody>
+      </p:sp>
+      <p:sp>
+        <p:nvSpPr>
+          <p:cNvPr id="4" name="灯片编号占位符 3"/>
+          <p:cNvSpPr>
+            <a:spLocks noGrp="1"/>
+          </p:cNvSpPr>
+          <p:nvPr>
+            <p:ph type="sldNum" sz="quarter" idx="10"/>
+          </p:nvPr>
+        </p:nvSpPr>
+        <p:spPr/>
+        <p:txBody>
+          <a:bodyPr/>
+          <a:lstStyle/>
+          <a:p>
+            <a:fld id="{C676D08B-1E4C-4901-ABEC-209650D3181D}" type="slidenum">
+              <a:rPr lang="zh-CN" altLang="en-US" smtClean="0"/>
+              <a:t>12</a:t>
+            </a:fld>
+            <a:endParaRPr lang="zh-CN" altLang="en-US"/>
+          </a:p>
+        </p:txBody>
+      </p:sp>
+    </p:spTree>
+    <p:extLst>
+      <p:ext uri="{BB962C8B-B14F-4D97-AF65-F5344CB8AC3E}">
+        <p14:creationId xmlns:p14="http://schemas.microsoft.com/office/powerpoint/2010/main" val="1333311338"/>
+      </p:ext>
+    </p:extLst>
+  </p:cSld>
+  <p:clrMapOvr>
+    <a:masterClrMapping/>
+  </p:clrMapOvr>
+</p:notes>
+</file>
+
+<file path=ppt/notesSlides/notesSlide7.xml><?xml version="1.0" encoding="utf-8"?>
+<p:notes xmlns:a="http://schemas.openxmlformats.org/drawingml/2006/main" xmlns:r="http://schemas.openxmlformats.org/officeDocument/2006/relationships" xmlns:p="http://schemas.openxmlformats.org/presentationml/2006/main">
+  <p:cSld>
+    <p:spTree>
+      <p:nvGrpSpPr>
+        <p:cNvPr id="1" name=""/>
+        <p:cNvGrpSpPr/>
+        <p:nvPr/>
+      </p:nvGrpSpPr>
+      <p:grpSpPr>
+        <a:xfrm>
+          <a:off x="0" y="0"/>
+          <a:ext cx="0" cy="0"/>
+          <a:chOff x="0" y="0"/>
+          <a:chExt cx="0" cy="0"/>
+        </a:xfrm>
+      </p:grpSpPr>
+      <p:sp>
+        <p:nvSpPr>
+          <p:cNvPr id="2" name="幻灯片图像占位符 1"/>
+          <p:cNvSpPr>
+            <a:spLocks noGrp="1" noRot="1" noChangeAspect="1"/>
+          </p:cNvSpPr>
+          <p:nvPr>
+            <p:ph type="sldImg"/>
+          </p:nvPr>
+        </p:nvSpPr>
+        <p:spPr/>
+      </p:sp>
+      <p:sp>
+        <p:nvSpPr>
+          <p:cNvPr id="3" name="备注占位符 2"/>
+          <p:cNvSpPr>
+            <a:spLocks noGrp="1"/>
+          </p:cNvSpPr>
+          <p:nvPr>
+            <p:ph type="body" idx="1"/>
+          </p:nvPr>
+        </p:nvSpPr>
+        <p:spPr/>
+        <p:txBody>
+          <a:bodyPr/>
+          <a:lstStyle/>
+          <a:p>
+            <a:endParaRPr lang="zh-CN" altLang="en-US" dirty="0"/>
+          </a:p>
+        </p:txBody>
+      </p:sp>
+      <p:sp>
+        <p:nvSpPr>
+          <p:cNvPr id="4" name="灯片编号占位符 3"/>
+          <p:cNvSpPr>
+            <a:spLocks noGrp="1"/>
+          </p:cNvSpPr>
+          <p:nvPr>
+            <p:ph type="sldNum" sz="quarter" idx="10"/>
+          </p:nvPr>
+        </p:nvSpPr>
+        <p:spPr/>
+        <p:txBody>
+          <a:bodyPr/>
+          <a:lstStyle/>
+          <a:p>
+            <a:fld id="{C676D08B-1E4C-4901-ABEC-209650D3181D}" type="slidenum">
+              <a:rPr lang="zh-CN" altLang="en-US" smtClean="0"/>
+              <a:t>13</a:t>
+            </a:fld>
+            <a:endParaRPr lang="zh-CN" altLang="en-US"/>
+          </a:p>
+        </p:txBody>
+      </p:sp>
+    </p:spTree>
+    <p:extLst>
+      <p:ext uri="{BB962C8B-B14F-4D97-AF65-F5344CB8AC3E}">
+        <p14:creationId xmlns:p14="http://schemas.microsoft.com/office/powerpoint/2010/main" val="4141394303"/>
+      </p:ext>
+    </p:extLst>
+  </p:cSld>
+  <p:clrMapOvr>
+    <a:masterClrMapping/>
+  </p:clrMapOvr>
+</p:notes>
+</file>
+
+<file path=ppt/notesSlides/notesSlide8.xml><?xml version="1.0" encoding="utf-8"?>
+<p:notes xmlns:a="http://schemas.openxmlformats.org/drawingml/2006/main" xmlns:r="http://schemas.openxmlformats.org/officeDocument/2006/relationships" xmlns:p="http://schemas.openxmlformats.org/presentationml/2006/main">
+  <p:cSld>
+    <p:spTree>
+      <p:nvGrpSpPr>
+        <p:cNvPr id="1" name=""/>
+        <p:cNvGrpSpPr/>
+        <p:nvPr/>
+      </p:nvGrpSpPr>
+      <p:grpSpPr>
+        <a:xfrm>
+          <a:off x="0" y="0"/>
+          <a:ext cx="0" cy="0"/>
+          <a:chOff x="0" y="0"/>
+          <a:chExt cx="0" cy="0"/>
+        </a:xfrm>
+      </p:grpSpPr>
+      <p:sp>
+        <p:nvSpPr>
+          <p:cNvPr id="2" name="幻灯片图像占位符 1"/>
+          <p:cNvSpPr>
+            <a:spLocks noGrp="1" noRot="1" noChangeAspect="1"/>
+          </p:cNvSpPr>
+          <p:nvPr>
+            <p:ph type="sldImg"/>
+          </p:nvPr>
+        </p:nvSpPr>
+        <p:spPr/>
+      </p:sp>
+      <p:sp>
+        <p:nvSpPr>
+          <p:cNvPr id="3" name="备注占位符 2"/>
+          <p:cNvSpPr>
+            <a:spLocks noGrp="1"/>
+          </p:cNvSpPr>
+          <p:nvPr>
+            <p:ph type="body" idx="1"/>
+          </p:nvPr>
+        </p:nvSpPr>
+        <p:spPr/>
+        <p:txBody>
+          <a:bodyPr/>
+          <a:lstStyle/>
+          <a:p>
+            <a:endParaRPr lang="zh-CN" altLang="en-US" dirty="0"/>
+          </a:p>
+        </p:txBody>
+      </p:sp>
+      <p:sp>
+        <p:nvSpPr>
+          <p:cNvPr id="4" name="灯片编号占位符 3"/>
+          <p:cNvSpPr>
+            <a:spLocks noGrp="1"/>
+          </p:cNvSpPr>
+          <p:nvPr>
+            <p:ph type="sldNum" sz="quarter" idx="10"/>
+          </p:nvPr>
+        </p:nvSpPr>
+        <p:spPr/>
+        <p:txBody>
+          <a:bodyPr/>
+          <a:lstStyle/>
+          <a:p>
+            <a:fld id="{C676D08B-1E4C-4901-ABEC-209650D3181D}" type="slidenum">
+              <a:rPr lang="zh-CN" altLang="en-US" smtClean="0"/>
+              <a:t>14</a:t>
+            </a:fld>
+            <a:endParaRPr lang="zh-CN" altLang="en-US"/>
+          </a:p>
+        </p:txBody>
+      </p:sp>
+    </p:spTree>
+    <p:extLst>
+      <p:ext uri="{BB962C8B-B14F-4D97-AF65-F5344CB8AC3E}">
+        <p14:creationId xmlns:p14="http://schemas.microsoft.com/office/powerpoint/2010/main" val="1397947676"/>
+      </p:ext>
+    </p:extLst>
+  </p:cSld>
+  <p:clrMapOvr>
+    <a:masterClrMapping/>
+  </p:clrMapOvr>
+</p:notes>
+</file>
+
+<file path=ppt/notesSlides/notesSlide9.xml><?xml version="1.0" encoding="utf-8"?>
+<p:notes xmlns:a="http://schemas.openxmlformats.org/drawingml/2006/main" xmlns:r="http://schemas.openxmlformats.org/officeDocument/2006/relationships" xmlns:p="http://schemas.openxmlformats.org/presentationml/2006/main">
+  <p:cSld>
+    <p:spTree>
+      <p:nvGrpSpPr>
+        <p:cNvPr id="1" name=""/>
+        <p:cNvGrpSpPr/>
+        <p:nvPr/>
+      </p:nvGrpSpPr>
+      <p:grpSpPr>
+        <a:xfrm>
+          <a:off x="0" y="0"/>
+          <a:ext cx="0" cy="0"/>
+          <a:chOff x="0" y="0"/>
+          <a:chExt cx="0" cy="0"/>
+        </a:xfrm>
+      </p:grpSpPr>
+      <p:sp>
+        <p:nvSpPr>
+          <p:cNvPr id="2" name="幻灯片图像占位符 1"/>
+          <p:cNvSpPr>
+            <a:spLocks noGrp="1" noRot="1" noChangeAspect="1"/>
+          </p:cNvSpPr>
+          <p:nvPr>
+            <p:ph type="sldImg"/>
+          </p:nvPr>
+        </p:nvSpPr>
+        <p:spPr/>
+      </p:sp>
+      <p:sp>
+        <p:nvSpPr>
+          <p:cNvPr id="3" name="备注占位符 2"/>
+          <p:cNvSpPr>
+            <a:spLocks noGrp="1"/>
+          </p:cNvSpPr>
+          <p:nvPr>
+            <p:ph type="body" idx="1"/>
+          </p:nvPr>
+        </p:nvSpPr>
+        <p:spPr/>
+        <p:txBody>
+          <a:bodyPr/>
+          <a:lstStyle/>
+          <a:p>
+            <a:endParaRPr lang="zh-CN" altLang="en-US" dirty="0"/>
+          </a:p>
+        </p:txBody>
+      </p:sp>
+      <p:sp>
+        <p:nvSpPr>
+          <p:cNvPr id="4" name="灯片编号占位符 3"/>
+          <p:cNvSpPr>
+            <a:spLocks noGrp="1"/>
+          </p:cNvSpPr>
+          <p:nvPr>
+            <p:ph type="sldNum" sz="quarter" idx="10"/>
+          </p:nvPr>
+        </p:nvSpPr>
+        <p:spPr/>
+        <p:txBody>
+          <a:bodyPr/>
+          <a:lstStyle/>
+          <a:p>
+            <a:fld id="{C676D08B-1E4C-4901-ABEC-209650D3181D}" type="slidenum">
+              <a:rPr lang="zh-CN" altLang="en-US" smtClean="0"/>
+              <a:t>15</a:t>
+            </a:fld>
+            <a:endParaRPr lang="zh-CN" altLang="en-US"/>
+          </a:p>
+        </p:txBody>
+      </p:sp>
+    </p:spTree>
+    <p:extLst>
+      <p:ext uri="{BB962C8B-B14F-4D97-AF65-F5344CB8AC3E}">
+        <p14:creationId xmlns:p14="http://schemas.microsoft.com/office/powerpoint/2010/main" val="3850208031"/>
       </p:ext>
     </p:extLst>
   </p:cSld>
@@ -1042,7 +2061,7 @@
           <a:p>
             <a:fld id="{B9614994-C529-43AC-BD2C-52D47B0301A5}" type="datetimeFigureOut">
               <a:rPr lang="zh-CN" altLang="en-US" smtClean="0"/>
-              <a:t>2018/9/10</a:t>
+              <a:t>2018/9/25</a:t>
             </a:fld>
             <a:endParaRPr lang="zh-CN" altLang="en-US"/>
           </a:p>
@@ -1240,7 +2259,7 @@
           <a:p>
             <a:fld id="{B9614994-C529-43AC-BD2C-52D47B0301A5}" type="datetimeFigureOut">
               <a:rPr lang="zh-CN" altLang="en-US" smtClean="0"/>
-              <a:t>2018/9/10</a:t>
+              <a:t>2018/9/25</a:t>
             </a:fld>
             <a:endParaRPr lang="zh-CN" altLang="en-US"/>
           </a:p>
@@ -1448,7 +2467,7 @@
           <a:p>
             <a:fld id="{B9614994-C529-43AC-BD2C-52D47B0301A5}" type="datetimeFigureOut">
               <a:rPr lang="zh-CN" altLang="en-US" smtClean="0"/>
-              <a:t>2018/9/10</a:t>
+              <a:t>2018/9/25</a:t>
             </a:fld>
             <a:endParaRPr lang="zh-CN" altLang="en-US"/>
           </a:p>
@@ -1646,7 +2665,7 @@
           <a:p>
             <a:fld id="{B9614994-C529-43AC-BD2C-52D47B0301A5}" type="datetimeFigureOut">
               <a:rPr lang="zh-CN" altLang="en-US" smtClean="0"/>
-              <a:t>2018/9/10</a:t>
+              <a:t>2018/9/25</a:t>
             </a:fld>
             <a:endParaRPr lang="zh-CN" altLang="en-US"/>
           </a:p>
@@ -1921,7 +2940,7 @@
           <a:p>
             <a:fld id="{B9614994-C529-43AC-BD2C-52D47B0301A5}" type="datetimeFigureOut">
               <a:rPr lang="zh-CN" altLang="en-US" smtClean="0"/>
-              <a:t>2018/9/10</a:t>
+              <a:t>2018/9/25</a:t>
             </a:fld>
             <a:endParaRPr lang="zh-CN" altLang="en-US"/>
           </a:p>
@@ -2186,7 +3205,7 @@
           <a:p>
             <a:fld id="{B9614994-C529-43AC-BD2C-52D47B0301A5}" type="datetimeFigureOut">
               <a:rPr lang="zh-CN" altLang="en-US" smtClean="0"/>
-              <a:t>2018/9/10</a:t>
+              <a:t>2018/9/25</a:t>
             </a:fld>
             <a:endParaRPr lang="zh-CN" altLang="en-US"/>
           </a:p>
@@ -2598,7 +3617,7 @@
           <a:p>
             <a:fld id="{B9614994-C529-43AC-BD2C-52D47B0301A5}" type="datetimeFigureOut">
               <a:rPr lang="zh-CN" altLang="en-US" smtClean="0"/>
-              <a:t>2018/9/10</a:t>
+              <a:t>2018/9/25</a:t>
             </a:fld>
             <a:endParaRPr lang="zh-CN" altLang="en-US"/>
           </a:p>
@@ -2739,7 +3758,7 @@
           <a:p>
             <a:fld id="{B9614994-C529-43AC-BD2C-52D47B0301A5}" type="datetimeFigureOut">
               <a:rPr lang="zh-CN" altLang="en-US" smtClean="0"/>
-              <a:t>2018/9/10</a:t>
+              <a:t>2018/9/25</a:t>
             </a:fld>
             <a:endParaRPr lang="zh-CN" altLang="en-US"/>
           </a:p>
@@ -2852,7 +3871,7 @@
           <a:p>
             <a:fld id="{B9614994-C529-43AC-BD2C-52D47B0301A5}" type="datetimeFigureOut">
               <a:rPr lang="zh-CN" altLang="en-US" smtClean="0"/>
-              <a:t>2018/9/10</a:t>
+              <a:t>2018/9/25</a:t>
             </a:fld>
             <a:endParaRPr lang="zh-CN" altLang="en-US"/>
           </a:p>
@@ -3163,7 +4182,7 @@
           <a:p>
             <a:fld id="{B9614994-C529-43AC-BD2C-52D47B0301A5}" type="datetimeFigureOut">
               <a:rPr lang="zh-CN" altLang="en-US" smtClean="0"/>
-              <a:t>2018/9/10</a:t>
+              <a:t>2018/9/25</a:t>
             </a:fld>
             <a:endParaRPr lang="zh-CN" altLang="en-US"/>
           </a:p>
@@ -3451,7 +4470,7 @@
           <a:p>
             <a:fld id="{B9614994-C529-43AC-BD2C-52D47B0301A5}" type="datetimeFigureOut">
               <a:rPr lang="zh-CN" altLang="en-US" smtClean="0"/>
-              <a:t>2018/9/10</a:t>
+              <a:t>2018/9/25</a:t>
             </a:fld>
             <a:endParaRPr lang="zh-CN" altLang="en-US"/>
           </a:p>
@@ -3692,7 +4711,7 @@
           <a:p>
             <a:fld id="{B9614994-C529-43AC-BD2C-52D47B0301A5}" type="datetimeFigureOut">
               <a:rPr lang="zh-CN" altLang="en-US" smtClean="0"/>
-              <a:t>2018/9/10</a:t>
+              <a:t>2018/9/25</a:t>
             </a:fld>
             <a:endParaRPr lang="zh-CN" altLang="en-US"/>
           </a:p>
@@ -4206,7 +5225,23 @@
                 <a:ea typeface="Calibri" charset="0"/>
                 <a:cs typeface="Calibri" charset="0"/>
               </a:rPr>
-              <a:t>Aug 28, 2018</a:t>
+              <a:t>S</a:t>
+            </a:r>
+            <a:r>
+              <a:rPr lang="en-US" altLang="zh-CN" sz="2000" dirty="0">
+                <a:latin typeface="Calibri" charset="0"/>
+                <a:ea typeface="Calibri" charset="0"/>
+                <a:cs typeface="Calibri" charset="0"/>
+              </a:rPr>
+              <a:t>ep</a:t>
+            </a:r>
+            <a:r>
+              <a:rPr lang="en-US" sz="2000" dirty="0">
+                <a:latin typeface="Calibri" charset="0"/>
+                <a:ea typeface="Calibri" charset="0"/>
+                <a:cs typeface="Calibri" charset="0"/>
+              </a:rPr>
+              <a:t> 26, 2018</a:t>
             </a:r>
           </a:p>
         </p:txBody>
@@ -4325,54 +5360,130 @@
           <a:p>
             <a:r>
               <a:rPr lang="en-US" altLang="zh-CN" dirty="0"/>
-              <a:t>Patched LSTM</a:t>
+              <a:t>Batch-based Network</a:t>
             </a:r>
           </a:p>
           <a:p>
             <a:pPr lvl="1"/>
             <a:r>
               <a:rPr lang="en-US" altLang="zh-CN" dirty="0"/>
-              <a:t>Pad and </a:t>
-            </a:r>
-            <a:r>
-              <a:rPr lang="en-US" altLang="zh-CN" dirty="0" err="1"/>
-              <a:t>unpad</a:t>
-            </a:r>
-            <a:r>
-              <a:rPr lang="en-US" altLang="zh-CN" dirty="0"/>
-              <a:t> different size of images (sequence), otherwise we can only use </a:t>
-            </a:r>
-            <a:r>
-              <a:rPr lang="en-US" altLang="zh-CN" dirty="0" err="1"/>
-              <a:t>batch_size</a:t>
-            </a:r>
-            <a:r>
-              <a:rPr lang="en-US" altLang="zh-CN" dirty="0"/>
-              <a:t> = 1</a:t>
-            </a:r>
-          </a:p>
-          <a:p>
-            <a:pPr lvl="1"/>
-            <a:r>
-              <a:rPr lang="en-US" altLang="zh-CN"/>
-              <a:t>(Variable rate) </a:t>
-            </a:r>
-            <a:r>
-              <a:rPr lang="en-US" altLang="zh-CN" dirty="0"/>
-              <a:t>classification for non-uniform sizes </a:t>
-            </a:r>
-            <a:r>
-              <a:rPr lang="en-US" altLang="zh-CN"/>
-              <a:t>of images</a:t>
-            </a:r>
-            <a:endParaRPr lang="en-US" altLang="zh-CN" dirty="0"/>
-          </a:p>
-        </p:txBody>
-      </p:sp>
+              <a:t>SVHN</a:t>
+            </a:r>
+          </a:p>
+        </p:txBody>
+      </p:sp>
+      <p:sp>
+        <p:nvSpPr>
+          <p:cNvPr id="6" name="文本框 5">
+            <a:extLst>
+              <a:ext uri="{FF2B5EF4-FFF2-40B4-BE49-F238E27FC236}">
+                <a16:creationId xmlns:a16="http://schemas.microsoft.com/office/drawing/2014/main" id="{39A89B76-AD8E-4475-8542-A3E3FC245196}"/>
+              </a:ext>
+            </a:extLst>
+          </p:cNvPr>
+          <p:cNvSpPr txBox="1"/>
+          <p:nvPr/>
+        </p:nvSpPr>
+        <p:spPr>
+          <a:xfrm>
+            <a:off x="5393093" y="5235412"/>
+            <a:ext cx="1841241" cy="369332"/>
+          </a:xfrm>
+          <a:prstGeom prst="rect">
+            <a:avLst/>
+          </a:prstGeom>
+          <a:noFill/>
+        </p:spPr>
+        <p:txBody>
+          <a:bodyPr wrap="square" rtlCol="0">
+            <a:spAutoFit/>
+          </a:bodyPr>
+          <a:lstStyle/>
+          <a:p>
+            <a:r>
+              <a:rPr lang="en-US" altLang="zh-CN" dirty="0"/>
+              <a:t>Current results</a:t>
+            </a:r>
+            <a:endParaRPr lang="zh-CN" altLang="en-US" dirty="0"/>
+          </a:p>
+        </p:txBody>
+      </p:sp>
+      <p:pic>
+        <p:nvPicPr>
+          <p:cNvPr id="5" name="图片 4">
+            <a:extLst>
+              <a:ext uri="{FF2B5EF4-FFF2-40B4-BE49-F238E27FC236}">
+                <a16:creationId xmlns:a16="http://schemas.microsoft.com/office/drawing/2014/main" id="{3D1E56CA-D28D-4C56-86C7-CEBAD5D57B35}"/>
+              </a:ext>
+            </a:extLst>
+          </p:cNvPr>
+          <p:cNvPicPr>
+            <a:picLocks noChangeAspect="1"/>
+          </p:cNvPicPr>
+          <p:nvPr/>
+        </p:nvPicPr>
+        <p:blipFill>
+          <a:blip r:embed="rId3">
+            <a:extLst>
+              <a:ext uri="{28A0092B-C50C-407E-A947-70E740481C1C}">
+                <a14:useLocalDpi xmlns:a14="http://schemas.microsoft.com/office/drawing/2010/main" val="0"/>
+              </a:ext>
+            </a:extLst>
+          </a:blip>
+          <a:stretch>
+            <a:fillRect/>
+          </a:stretch>
+        </p:blipFill>
+        <p:spPr>
+          <a:xfrm>
+            <a:off x="2318657" y="2746667"/>
+            <a:ext cx="3152612" cy="2353808"/>
+          </a:xfrm>
+          <a:prstGeom prst="rect">
+            <a:avLst/>
+          </a:prstGeom>
+        </p:spPr>
+      </p:pic>
+      <p:pic>
+        <p:nvPicPr>
+          <p:cNvPr id="9" name="图片 8">
+            <a:extLst>
+              <a:ext uri="{FF2B5EF4-FFF2-40B4-BE49-F238E27FC236}">
+                <a16:creationId xmlns:a16="http://schemas.microsoft.com/office/drawing/2014/main" id="{2B0ED91A-E698-486C-A58A-8671CA3F0810}"/>
+              </a:ext>
+            </a:extLst>
+          </p:cNvPr>
+          <p:cNvPicPr>
+            <a:picLocks noChangeAspect="1"/>
+          </p:cNvPicPr>
+          <p:nvPr/>
+        </p:nvPicPr>
+        <p:blipFill>
+          <a:blip r:embed="rId4">
+            <a:extLst>
+              <a:ext uri="{28A0092B-C50C-407E-A947-70E740481C1C}">
+                <a14:useLocalDpi xmlns:a14="http://schemas.microsoft.com/office/drawing/2010/main" val="0"/>
+              </a:ext>
+            </a:extLst>
+          </a:blip>
+          <a:stretch>
+            <a:fillRect/>
+          </a:stretch>
+        </p:blipFill>
+        <p:spPr>
+          <a:xfrm>
+            <a:off x="6096000" y="2796583"/>
+            <a:ext cx="3079102" cy="2297683"/>
+          </a:xfrm>
+          <a:prstGeom prst="rect">
+            <a:avLst/>
+          </a:prstGeom>
+        </p:spPr>
+      </p:pic>
     </p:spTree>
     <p:extLst>
       <p:ext uri="{BB962C8B-B14F-4D97-AF65-F5344CB8AC3E}">
-        <p14:creationId xmlns:p14="http://schemas.microsoft.com/office/powerpoint/2010/main" val="3792319055"/>
+        <p14:creationId xmlns:p14="http://schemas.microsoft.com/office/powerpoint/2010/main" val="1780841581"/>
       </p:ext>
     </p:extLst>
   </p:cSld>
@@ -4404,7 +5515,7 @@
           <p:cNvPr id="2" name="标题 1">
             <a:extLst>
               <a:ext uri="{FF2B5EF4-FFF2-40B4-BE49-F238E27FC236}">
-                <a16:creationId xmlns:a16="http://schemas.microsoft.com/office/drawing/2014/main" id="{7E4CFA14-E8C9-4F79-B31E-7AC8C0F7ADF4}"/>
+                <a16:creationId xmlns:a16="http://schemas.microsoft.com/office/drawing/2014/main" id="{7B2A1942-1BEC-40D2-9DC4-D7C87FB14784}"/>
               </a:ext>
             </a:extLst>
           </p:cNvPr>
@@ -4415,91 +5526,94 @@
             <p:ph type="title"/>
           </p:nvPr>
         </p:nvSpPr>
-        <p:spPr>
-          <a:xfrm>
-            <a:off x="838200" y="681037"/>
-            <a:ext cx="10515600" cy="1325563"/>
-          </a:xfrm>
-        </p:spPr>
+        <p:spPr/>
+        <p:txBody>
+          <a:bodyPr/>
+          <a:lstStyle/>
+          <a:p>
+            <a:r>
+              <a:rPr lang="en-US" altLang="zh-CN" dirty="0"/>
+              <a:t>Compression and Classification</a:t>
+            </a:r>
+            <a:endParaRPr lang="zh-CN" altLang="en-US" dirty="0"/>
+          </a:p>
+        </p:txBody>
+      </p:sp>
+      <p:sp>
+        <p:nvSpPr>
+          <p:cNvPr id="3" name="内容占位符 2">
+            <a:extLst>
+              <a:ext uri="{FF2B5EF4-FFF2-40B4-BE49-F238E27FC236}">
+                <a16:creationId xmlns:a16="http://schemas.microsoft.com/office/drawing/2014/main" id="{BC65CE38-BA13-4505-BDCA-8479C11833B0}"/>
+              </a:ext>
+            </a:extLst>
+          </p:cNvPr>
+          <p:cNvSpPr>
+            <a:spLocks noGrp="1"/>
+          </p:cNvSpPr>
+          <p:nvPr>
+            <p:ph idx="1"/>
+          </p:nvPr>
+        </p:nvSpPr>
+        <p:spPr/>
         <p:txBody>
           <a:bodyPr>
-            <a:normAutofit fontScale="90000"/>
+            <a:normAutofit fontScale="92500" lnSpcReduction="10000"/>
           </a:bodyPr>
           <a:lstStyle/>
           <a:p>
             <a:r>
               <a:rPr lang="en-US" altLang="zh-CN" dirty="0"/>
-              <a:t>Distributed Compression</a:t>
-            </a:r>
-            <a:br>
-              <a:rPr lang="en-US" altLang="zh-CN" dirty="0"/>
-            </a:br>
-            <a:br>
-              <a:rPr lang="en-US" altLang="zh-CN" dirty="0"/>
-            </a:br>
-            <a:endParaRPr lang="zh-CN" altLang="en-US" dirty="0"/>
-          </a:p>
-        </p:txBody>
-      </p:sp>
-      <p:sp>
-        <p:nvSpPr>
-          <p:cNvPr id="3" name="内容占位符 2">
-            <a:extLst>
-              <a:ext uri="{FF2B5EF4-FFF2-40B4-BE49-F238E27FC236}">
-                <a16:creationId xmlns:a16="http://schemas.microsoft.com/office/drawing/2014/main" id="{65B773BF-8D7E-447B-99B4-F29841BEF59C}"/>
-              </a:ext>
-            </a:extLst>
-          </p:cNvPr>
-          <p:cNvSpPr>
-            <a:spLocks noGrp="1"/>
-          </p:cNvSpPr>
-          <p:nvPr>
-            <p:ph idx="1"/>
-          </p:nvPr>
-        </p:nvSpPr>
-        <p:spPr/>
-        <p:txBody>
-          <a:bodyPr/>
-          <a:lstStyle/>
-          <a:p>
-            <a:r>
-              <a:rPr lang="en-US" altLang="zh-CN" dirty="0"/>
-              <a:t>Milestones</a:t>
+              <a:t>Patch-based Network</a:t>
             </a:r>
           </a:p>
           <a:p>
             <a:pPr lvl="1"/>
             <a:r>
               <a:rPr lang="en-US" altLang="zh-CN" dirty="0"/>
-              <a:t>Split image dataset into several subset of data</a:t>
+              <a:t>Images are cut into small patches (32x32) and the patches are treated as a dependent sequence following a zigzag fashion</a:t>
             </a:r>
           </a:p>
           <a:p>
             <a:pPr lvl="1"/>
             <a:r>
               <a:rPr lang="en-US" altLang="zh-CN" dirty="0"/>
-              <a:t>Each slave node has a sperate encoder</a:t>
+              <a:t>Suitable for large size images where memory is a threshold for computation</a:t>
             </a:r>
           </a:p>
           <a:p>
             <a:pPr lvl="1"/>
             <a:r>
               <a:rPr lang="en-US" altLang="zh-CN" dirty="0"/>
-              <a:t>The main host receive the codes from slave nodes and concatenate them together to decode them from a single decoder</a:t>
+              <a:t>Have tried different ways of feeding sequence with residuals. The only one that works is first to feed the residuals for one patch first and then another patch.</a:t>
             </a:r>
           </a:p>
           <a:p>
             <a:pPr lvl="1"/>
             <a:r>
               <a:rPr lang="en-US" altLang="zh-CN" dirty="0"/>
-              <a:t>The system should yield better rate-distortion curve compared to decode each slave node separately</a:t>
+              <a:t>Sum of residual loss also has a gain (not shown this time)</a:t>
             </a:r>
           </a:p>
           <a:p>
             <a:pPr lvl="1"/>
             <a:r>
               <a:rPr lang="en-US" altLang="zh-CN" dirty="0"/>
-              <a:t>Possible to add classification and other objectives</a:t>
+              <a:t>Have tried to feed difference of patches as sequence, works only preliminary result</a:t>
+            </a:r>
+          </a:p>
+          <a:p>
+            <a:pPr lvl="1"/>
+            <a:r>
+              <a:rPr lang="en-US" altLang="zh-CN" dirty="0"/>
+              <a:t>Tuning parameter is sensitive and affect dataset differently, fixed to 1e-3 for now</a:t>
+            </a:r>
+          </a:p>
+          <a:p>
+            <a:pPr lvl="1"/>
+            <a:r>
+              <a:rPr lang="en-US" altLang="zh-CN" dirty="0"/>
+              <a:t>My implementation is suitable for any batch of images of the same size and shapes are divisible by 2. </a:t>
             </a:r>
           </a:p>
         </p:txBody>
@@ -4507,7 +5621,7 @@
     </p:spTree>
     <p:extLst>
       <p:ext uri="{BB962C8B-B14F-4D97-AF65-F5344CB8AC3E}">
-        <p14:creationId xmlns:p14="http://schemas.microsoft.com/office/powerpoint/2010/main" val="1769019586"/>
+        <p14:creationId xmlns:p14="http://schemas.microsoft.com/office/powerpoint/2010/main" val="3792319055"/>
       </p:ext>
     </p:extLst>
   </p:cSld>
@@ -4539,7 +5653,7 @@
           <p:cNvPr id="2" name="标题 1">
             <a:extLst>
               <a:ext uri="{FF2B5EF4-FFF2-40B4-BE49-F238E27FC236}">
-                <a16:creationId xmlns:a16="http://schemas.microsoft.com/office/drawing/2014/main" id="{7E4CFA14-E8C9-4F79-B31E-7AC8C0F7ADF4}"/>
+                <a16:creationId xmlns:a16="http://schemas.microsoft.com/office/drawing/2014/main" id="{7B2A1942-1BEC-40D2-9DC4-D7C87FB14784}"/>
               </a:ext>
             </a:extLst>
           </p:cNvPr>
@@ -4549,106 +5663,1585 @@
           <p:nvPr>
             <p:ph type="title"/>
           </p:nvPr>
+        </p:nvSpPr>
+        <p:spPr/>
+        <p:txBody>
+          <a:bodyPr/>
+          <a:lstStyle/>
+          <a:p>
+            <a:r>
+              <a:rPr lang="en-US" altLang="zh-CN" dirty="0"/>
+              <a:t>Compression and Classification</a:t>
+            </a:r>
+            <a:endParaRPr lang="zh-CN" altLang="en-US" dirty="0"/>
+          </a:p>
+        </p:txBody>
+      </p:sp>
+      <p:sp>
+        <p:nvSpPr>
+          <p:cNvPr id="3" name="内容占位符 2">
+            <a:extLst>
+              <a:ext uri="{FF2B5EF4-FFF2-40B4-BE49-F238E27FC236}">
+                <a16:creationId xmlns:a16="http://schemas.microsoft.com/office/drawing/2014/main" id="{BC65CE38-BA13-4505-BDCA-8479C11833B0}"/>
+              </a:ext>
+            </a:extLst>
+          </p:cNvPr>
+          <p:cNvSpPr>
+            <a:spLocks noGrp="1"/>
+          </p:cNvSpPr>
+          <p:nvPr>
+            <p:ph idx="1"/>
+          </p:nvPr>
+        </p:nvSpPr>
+        <p:spPr/>
+        <p:txBody>
+          <a:bodyPr>
+            <a:normAutofit/>
+          </a:bodyPr>
+          <a:lstStyle/>
+          <a:p>
+            <a:r>
+              <a:rPr lang="en-US" altLang="zh-CN" dirty="0"/>
+              <a:t>Patch-based Network</a:t>
+            </a:r>
+          </a:p>
+          <a:p>
+            <a:pPr lvl="1"/>
+            <a:r>
+              <a:rPr lang="en-US" altLang="zh-CN" dirty="0"/>
+              <a:t>MNIST</a:t>
+            </a:r>
+          </a:p>
+        </p:txBody>
+      </p:sp>
+      <p:sp>
+        <p:nvSpPr>
+          <p:cNvPr id="6" name="文本框 5">
+            <a:extLst>
+              <a:ext uri="{FF2B5EF4-FFF2-40B4-BE49-F238E27FC236}">
+                <a16:creationId xmlns:a16="http://schemas.microsoft.com/office/drawing/2014/main" id="{39A89B76-AD8E-4475-8542-A3E3FC245196}"/>
+              </a:ext>
+            </a:extLst>
+          </p:cNvPr>
+          <p:cNvSpPr txBox="1"/>
+          <p:nvPr/>
         </p:nvSpPr>
         <p:spPr>
           <a:xfrm>
-            <a:off x="838200" y="681037"/>
-            <a:ext cx="10515600" cy="1325563"/>
+            <a:off x="5393093" y="5235412"/>
+            <a:ext cx="1841241" cy="369332"/>
           </a:xfrm>
+          <a:prstGeom prst="rect">
+            <a:avLst/>
+          </a:prstGeom>
+          <a:noFill/>
         </p:spPr>
         <p:txBody>
-          <a:bodyPr>
-            <a:normAutofit fontScale="90000"/>
+          <a:bodyPr wrap="square" rtlCol="0">
+            <a:spAutoFit/>
           </a:bodyPr>
           <a:lstStyle/>
           <a:p>
             <a:r>
               <a:rPr lang="en-US" altLang="zh-CN" dirty="0"/>
-              <a:t>Codec Conversion</a:t>
-            </a:r>
-            <a:br>
-              <a:rPr lang="en-US" altLang="zh-CN" dirty="0"/>
-            </a:br>
-            <a:br>
-              <a:rPr lang="en-US" altLang="zh-CN" dirty="0"/>
-            </a:br>
+              <a:t>Current results</a:t>
+            </a:r>
             <a:endParaRPr lang="zh-CN" altLang="en-US" dirty="0"/>
           </a:p>
         </p:txBody>
       </p:sp>
-      <p:sp>
-        <p:nvSpPr>
-          <p:cNvPr id="3" name="内容占位符 2">
-            <a:extLst>
-              <a:ext uri="{FF2B5EF4-FFF2-40B4-BE49-F238E27FC236}">
-                <a16:creationId xmlns:a16="http://schemas.microsoft.com/office/drawing/2014/main" id="{65B773BF-8D7E-447B-99B4-F29841BEF59C}"/>
-              </a:ext>
-            </a:extLst>
-          </p:cNvPr>
-          <p:cNvSpPr>
-            <a:spLocks noGrp="1"/>
-          </p:cNvSpPr>
-          <p:nvPr>
-            <p:ph idx="1"/>
-          </p:nvPr>
-        </p:nvSpPr>
-        <p:spPr/>
-        <p:txBody>
-          <a:bodyPr/>
-          <a:lstStyle/>
-          <a:p>
-            <a:r>
-              <a:rPr lang="en-US" altLang="zh-CN" dirty="0"/>
-              <a:t>Milestones</a:t>
-            </a:r>
-          </a:p>
-          <a:p>
-            <a:r>
-              <a:rPr lang="en-US" altLang="zh-CN" dirty="0"/>
-              <a:t>Convert between classical codecs like jpeg, </a:t>
-            </a:r>
-            <a:r>
-              <a:rPr lang="en-US" altLang="zh-CN" dirty="0" err="1"/>
-              <a:t>png</a:t>
-            </a:r>
-            <a:r>
-              <a:rPr lang="en-US" altLang="zh-CN" dirty="0"/>
-              <a:t> and neural network based codecs</a:t>
-            </a:r>
-          </a:p>
-          <a:p>
-            <a:pPr lvl="1"/>
-            <a:r>
-              <a:rPr lang="en-US" altLang="zh-CN" dirty="0"/>
-              <a:t>Convert between neural network based codecs</a:t>
-            </a:r>
-          </a:p>
-          <a:p>
-            <a:pPr lvl="1"/>
-            <a:r>
-              <a:rPr lang="en-US" altLang="zh-CN" dirty="0"/>
-              <a:t>Convert between classical codecs</a:t>
-            </a:r>
-          </a:p>
-          <a:p>
-            <a:pPr lvl="1"/>
-            <a:r>
-              <a:rPr lang="en-US" altLang="zh-CN" dirty="0"/>
-              <a:t>Can we convert between lossy compressed codes and lossless compressed codes with neural network</a:t>
-            </a:r>
-          </a:p>
-          <a:p>
-            <a:pPr marL="457200" lvl="1" indent="0">
-              <a:buNone/>
-            </a:pPr>
-            <a:endParaRPr lang="en-US" altLang="zh-CN" dirty="0"/>
-          </a:p>
-        </p:txBody>
-      </p:sp>
+      <p:pic>
+        <p:nvPicPr>
+          <p:cNvPr id="5" name="图片 4">
+            <a:extLst>
+              <a:ext uri="{FF2B5EF4-FFF2-40B4-BE49-F238E27FC236}">
+                <a16:creationId xmlns:a16="http://schemas.microsoft.com/office/drawing/2014/main" id="{955FCEE5-A909-4CF5-8413-6B382FB495CC}"/>
+              </a:ext>
+            </a:extLst>
+          </p:cNvPr>
+          <p:cNvPicPr>
+            <a:picLocks noChangeAspect="1"/>
+          </p:cNvPicPr>
+          <p:nvPr/>
+        </p:nvPicPr>
+        <p:blipFill>
+          <a:blip r:embed="rId3">
+            <a:extLst>
+              <a:ext uri="{28A0092B-C50C-407E-A947-70E740481C1C}">
+                <a14:useLocalDpi xmlns:a14="http://schemas.microsoft.com/office/drawing/2010/main" val="0"/>
+              </a:ext>
+            </a:extLst>
+          </a:blip>
+          <a:stretch>
+            <a:fillRect/>
+          </a:stretch>
+        </p:blipFill>
+        <p:spPr>
+          <a:xfrm>
+            <a:off x="2157789" y="2814135"/>
+            <a:ext cx="3114876" cy="2286340"/>
+          </a:xfrm>
+          <a:prstGeom prst="rect">
+            <a:avLst/>
+          </a:prstGeom>
+        </p:spPr>
+      </p:pic>
+      <p:pic>
+        <p:nvPicPr>
+          <p:cNvPr id="9" name="图片 8">
+            <a:extLst>
+              <a:ext uri="{FF2B5EF4-FFF2-40B4-BE49-F238E27FC236}">
+                <a16:creationId xmlns:a16="http://schemas.microsoft.com/office/drawing/2014/main" id="{60DB7719-1B23-4BA8-8AD7-542605E7ECC7}"/>
+              </a:ext>
+            </a:extLst>
+          </p:cNvPr>
+          <p:cNvPicPr>
+            <a:picLocks noChangeAspect="1"/>
+          </p:cNvPicPr>
+          <p:nvPr/>
+        </p:nvPicPr>
+        <p:blipFill>
+          <a:blip r:embed="rId4">
+            <a:extLst>
+              <a:ext uri="{28A0092B-C50C-407E-A947-70E740481C1C}">
+                <a14:useLocalDpi xmlns:a14="http://schemas.microsoft.com/office/drawing/2010/main" val="0"/>
+              </a:ext>
+            </a:extLst>
+          </a:blip>
+          <a:stretch>
+            <a:fillRect/>
+          </a:stretch>
+        </p:blipFill>
+        <p:spPr>
+          <a:xfrm>
+            <a:off x="6919337" y="2774771"/>
+            <a:ext cx="3114876" cy="2325704"/>
+          </a:xfrm>
+          <a:prstGeom prst="rect">
+            <a:avLst/>
+          </a:prstGeom>
+        </p:spPr>
+      </p:pic>
     </p:spTree>
     <p:extLst>
       <p:ext uri="{BB962C8B-B14F-4D97-AF65-F5344CB8AC3E}">
-        <p14:creationId xmlns:p14="http://schemas.microsoft.com/office/powerpoint/2010/main" val="2260779395"/>
+        <p14:creationId xmlns:p14="http://schemas.microsoft.com/office/powerpoint/2010/main" val="2750479403"/>
+      </p:ext>
+    </p:extLst>
+  </p:cSld>
+  <p:clrMapOvr>
+    <a:masterClrMapping/>
+  </p:clrMapOvr>
+</p:sld>
+</file>
+
+<file path=ppt/slides/slide13.xml><?xml version="1.0" encoding="utf-8"?>
+<p:sld xmlns:a="http://schemas.openxmlformats.org/drawingml/2006/main" xmlns:r="http://schemas.openxmlformats.org/officeDocument/2006/relationships" xmlns:p="http://schemas.openxmlformats.org/presentationml/2006/main">
+  <p:cSld>
+    <p:spTree>
+      <p:nvGrpSpPr>
+        <p:cNvPr id="1" name=""/>
+        <p:cNvGrpSpPr/>
+        <p:nvPr/>
+      </p:nvGrpSpPr>
+      <p:grpSpPr>
+        <a:xfrm>
+          <a:off x="0" y="0"/>
+          <a:ext cx="0" cy="0"/>
+          <a:chOff x="0" y="0"/>
+          <a:chExt cx="0" cy="0"/>
+        </a:xfrm>
+      </p:grpSpPr>
+      <p:sp>
+        <p:nvSpPr>
+          <p:cNvPr id="2" name="标题 1">
+            <a:extLst>
+              <a:ext uri="{FF2B5EF4-FFF2-40B4-BE49-F238E27FC236}">
+                <a16:creationId xmlns:a16="http://schemas.microsoft.com/office/drawing/2014/main" id="{7B2A1942-1BEC-40D2-9DC4-D7C87FB14784}"/>
+              </a:ext>
+            </a:extLst>
+          </p:cNvPr>
+          <p:cNvSpPr>
+            <a:spLocks noGrp="1"/>
+          </p:cNvSpPr>
+          <p:nvPr>
+            <p:ph type="title"/>
+          </p:nvPr>
+        </p:nvSpPr>
+        <p:spPr/>
+        <p:txBody>
+          <a:bodyPr/>
+          <a:lstStyle/>
+          <a:p>
+            <a:r>
+              <a:rPr lang="en-US" altLang="zh-CN" dirty="0"/>
+              <a:t>Compression and Classification</a:t>
+            </a:r>
+            <a:endParaRPr lang="zh-CN" altLang="en-US" dirty="0"/>
+          </a:p>
+        </p:txBody>
+      </p:sp>
+      <p:sp>
+        <p:nvSpPr>
+          <p:cNvPr id="3" name="内容占位符 2">
+            <a:extLst>
+              <a:ext uri="{FF2B5EF4-FFF2-40B4-BE49-F238E27FC236}">
+                <a16:creationId xmlns:a16="http://schemas.microsoft.com/office/drawing/2014/main" id="{BC65CE38-BA13-4505-BDCA-8479C11833B0}"/>
+              </a:ext>
+            </a:extLst>
+          </p:cNvPr>
+          <p:cNvSpPr>
+            <a:spLocks noGrp="1"/>
+          </p:cNvSpPr>
+          <p:nvPr>
+            <p:ph idx="1"/>
+          </p:nvPr>
+        </p:nvSpPr>
+        <p:spPr/>
+        <p:txBody>
+          <a:bodyPr>
+            <a:normAutofit/>
+          </a:bodyPr>
+          <a:lstStyle/>
+          <a:p>
+            <a:r>
+              <a:rPr lang="en-US" altLang="zh-CN" dirty="0"/>
+              <a:t>Patch-based Network</a:t>
+            </a:r>
+          </a:p>
+          <a:p>
+            <a:pPr lvl="1"/>
+            <a:r>
+              <a:rPr lang="en-US" altLang="zh-CN" dirty="0"/>
+              <a:t>SVHN</a:t>
+            </a:r>
+          </a:p>
+        </p:txBody>
+      </p:sp>
+      <p:sp>
+        <p:nvSpPr>
+          <p:cNvPr id="6" name="文本框 5">
+            <a:extLst>
+              <a:ext uri="{FF2B5EF4-FFF2-40B4-BE49-F238E27FC236}">
+                <a16:creationId xmlns:a16="http://schemas.microsoft.com/office/drawing/2014/main" id="{39A89B76-AD8E-4475-8542-A3E3FC245196}"/>
+              </a:ext>
+            </a:extLst>
+          </p:cNvPr>
+          <p:cNvSpPr txBox="1"/>
+          <p:nvPr/>
+        </p:nvSpPr>
+        <p:spPr>
+          <a:xfrm>
+            <a:off x="5393093" y="5235412"/>
+            <a:ext cx="1841241" cy="369332"/>
+          </a:xfrm>
+          <a:prstGeom prst="rect">
+            <a:avLst/>
+          </a:prstGeom>
+          <a:noFill/>
+        </p:spPr>
+        <p:txBody>
+          <a:bodyPr wrap="square" rtlCol="0">
+            <a:spAutoFit/>
+          </a:bodyPr>
+          <a:lstStyle/>
+          <a:p>
+            <a:r>
+              <a:rPr lang="en-US" altLang="zh-CN" dirty="0"/>
+              <a:t>Current results</a:t>
+            </a:r>
+            <a:endParaRPr lang="zh-CN" altLang="en-US" dirty="0"/>
+          </a:p>
+        </p:txBody>
+      </p:sp>
+      <p:pic>
+        <p:nvPicPr>
+          <p:cNvPr id="7" name="图片 6">
+            <a:extLst>
+              <a:ext uri="{FF2B5EF4-FFF2-40B4-BE49-F238E27FC236}">
+                <a16:creationId xmlns:a16="http://schemas.microsoft.com/office/drawing/2014/main" id="{A7DBC51D-BB09-4378-890D-1AE499BED05F}"/>
+              </a:ext>
+            </a:extLst>
+          </p:cNvPr>
+          <p:cNvPicPr>
+            <a:picLocks noChangeAspect="1"/>
+          </p:cNvPicPr>
+          <p:nvPr/>
+        </p:nvPicPr>
+        <p:blipFill>
+          <a:blip r:embed="rId3">
+            <a:extLst>
+              <a:ext uri="{28A0092B-C50C-407E-A947-70E740481C1C}">
+                <a14:useLocalDpi xmlns:a14="http://schemas.microsoft.com/office/drawing/2010/main" val="0"/>
+              </a:ext>
+            </a:extLst>
+          </a:blip>
+          <a:stretch>
+            <a:fillRect/>
+          </a:stretch>
+        </p:blipFill>
+        <p:spPr>
+          <a:xfrm>
+            <a:off x="2075983" y="2881603"/>
+            <a:ext cx="3000807" cy="2218871"/>
+          </a:xfrm>
+          <a:prstGeom prst="rect">
+            <a:avLst/>
+          </a:prstGeom>
+        </p:spPr>
+      </p:pic>
+      <p:pic>
+        <p:nvPicPr>
+          <p:cNvPr id="9" name="图片 8">
+            <a:extLst>
+              <a:ext uri="{FF2B5EF4-FFF2-40B4-BE49-F238E27FC236}">
+                <a16:creationId xmlns:a16="http://schemas.microsoft.com/office/drawing/2014/main" id="{BA8A5A5C-3A78-440D-8424-4486F9277334}"/>
+              </a:ext>
+            </a:extLst>
+          </p:cNvPr>
+          <p:cNvPicPr>
+            <a:picLocks noChangeAspect="1"/>
+          </p:cNvPicPr>
+          <p:nvPr/>
+        </p:nvPicPr>
+        <p:blipFill>
+          <a:blip r:embed="rId4">
+            <a:extLst>
+              <a:ext uri="{28A0092B-C50C-407E-A947-70E740481C1C}">
+                <a14:useLocalDpi xmlns:a14="http://schemas.microsoft.com/office/drawing/2010/main" val="0"/>
+              </a:ext>
+            </a:extLst>
+          </a:blip>
+          <a:stretch>
+            <a:fillRect/>
+          </a:stretch>
+        </p:blipFill>
+        <p:spPr>
+          <a:xfrm>
+            <a:off x="6741984" y="2881602"/>
+            <a:ext cx="2946621" cy="2218872"/>
+          </a:xfrm>
+          <a:prstGeom prst="rect">
+            <a:avLst/>
+          </a:prstGeom>
+        </p:spPr>
+      </p:pic>
+    </p:spTree>
+    <p:extLst>
+      <p:ext uri="{BB962C8B-B14F-4D97-AF65-F5344CB8AC3E}">
+        <p14:creationId xmlns:p14="http://schemas.microsoft.com/office/powerpoint/2010/main" val="401727527"/>
+      </p:ext>
+    </p:extLst>
+  </p:cSld>
+  <p:clrMapOvr>
+    <a:masterClrMapping/>
+  </p:clrMapOvr>
+</p:sld>
+</file>
+
+<file path=ppt/slides/slide14.xml><?xml version="1.0" encoding="utf-8"?>
+<p:sld xmlns:a="http://schemas.openxmlformats.org/drawingml/2006/main" xmlns:r="http://schemas.openxmlformats.org/officeDocument/2006/relationships" xmlns:p="http://schemas.openxmlformats.org/presentationml/2006/main">
+  <p:cSld>
+    <p:spTree>
+      <p:nvGrpSpPr>
+        <p:cNvPr id="1" name=""/>
+        <p:cNvGrpSpPr/>
+        <p:nvPr/>
+      </p:nvGrpSpPr>
+      <p:grpSpPr>
+        <a:xfrm>
+          <a:off x="0" y="0"/>
+          <a:ext cx="0" cy="0"/>
+          <a:chOff x="0" y="0"/>
+          <a:chExt cx="0" cy="0"/>
+        </a:xfrm>
+      </p:grpSpPr>
+      <p:sp>
+        <p:nvSpPr>
+          <p:cNvPr id="2" name="标题 1">
+            <a:extLst>
+              <a:ext uri="{FF2B5EF4-FFF2-40B4-BE49-F238E27FC236}">
+                <a16:creationId xmlns:a16="http://schemas.microsoft.com/office/drawing/2014/main" id="{7B2A1942-1BEC-40D2-9DC4-D7C87FB14784}"/>
+              </a:ext>
+            </a:extLst>
+          </p:cNvPr>
+          <p:cNvSpPr>
+            <a:spLocks noGrp="1"/>
+          </p:cNvSpPr>
+          <p:nvPr>
+            <p:ph type="title"/>
+          </p:nvPr>
+        </p:nvSpPr>
+        <p:spPr/>
+        <p:txBody>
+          <a:bodyPr/>
+          <a:lstStyle/>
+          <a:p>
+            <a:r>
+              <a:rPr lang="en-US" altLang="zh-CN" dirty="0"/>
+              <a:t>Compression and Classification</a:t>
+            </a:r>
+            <a:endParaRPr lang="zh-CN" altLang="en-US" dirty="0"/>
+          </a:p>
+        </p:txBody>
+      </p:sp>
+      <p:sp>
+        <p:nvSpPr>
+          <p:cNvPr id="3" name="内容占位符 2">
+            <a:extLst>
+              <a:ext uri="{FF2B5EF4-FFF2-40B4-BE49-F238E27FC236}">
+                <a16:creationId xmlns:a16="http://schemas.microsoft.com/office/drawing/2014/main" id="{BC65CE38-BA13-4505-BDCA-8479C11833B0}"/>
+              </a:ext>
+            </a:extLst>
+          </p:cNvPr>
+          <p:cNvSpPr>
+            <a:spLocks noGrp="1"/>
+          </p:cNvSpPr>
+          <p:nvPr>
+            <p:ph idx="1"/>
+          </p:nvPr>
+        </p:nvSpPr>
+        <p:spPr/>
+        <p:txBody>
+          <a:bodyPr>
+            <a:normAutofit/>
+          </a:bodyPr>
+          <a:lstStyle/>
+          <a:p>
+            <a:r>
+              <a:rPr lang="en-US" altLang="zh-CN" dirty="0"/>
+              <a:t>Distributed Network</a:t>
+            </a:r>
+          </a:p>
+          <a:p>
+            <a:pPr lvl="1"/>
+            <a:r>
+              <a:rPr lang="en-US" altLang="zh-CN" dirty="0"/>
+              <a:t>Images are cut into small patches (32x32) and the patches are fed into different encoders as slave nodes</a:t>
+            </a:r>
+          </a:p>
+          <a:p>
+            <a:pPr lvl="1"/>
+            <a:r>
+              <a:rPr lang="en-US" altLang="zh-CN" dirty="0"/>
+              <a:t>Suitable for large number of  images where parallel computation is possible but network connection is a threshold</a:t>
+            </a:r>
+          </a:p>
+          <a:p>
+            <a:pPr lvl="1"/>
+            <a:r>
+              <a:rPr lang="en-US" altLang="zh-CN" dirty="0" err="1"/>
+              <a:t>Concat</a:t>
+            </a:r>
+            <a:r>
+              <a:rPr lang="en-US" altLang="zh-CN" dirty="0"/>
+              <a:t> batches at decoder as main node. The performance is almost identical as using one encoder.</a:t>
+            </a:r>
+          </a:p>
+          <a:p>
+            <a:pPr lvl="1"/>
+            <a:r>
+              <a:rPr lang="en-US" altLang="zh-CN" dirty="0"/>
+              <a:t>Tuning parameter is sensitive and affect dataset differently, fixed to 1e-3 for now</a:t>
+            </a:r>
+          </a:p>
+          <a:p>
+            <a:pPr lvl="1"/>
+            <a:r>
+              <a:rPr lang="en-US" altLang="zh-CN" dirty="0"/>
+              <a:t>My implementation is suitable for any batch of images of the same size and shapes are divisible by 2. </a:t>
+            </a:r>
+          </a:p>
+        </p:txBody>
+      </p:sp>
+    </p:spTree>
+    <p:extLst>
+      <p:ext uri="{BB962C8B-B14F-4D97-AF65-F5344CB8AC3E}">
+        <p14:creationId xmlns:p14="http://schemas.microsoft.com/office/powerpoint/2010/main" val="653880474"/>
+      </p:ext>
+    </p:extLst>
+  </p:cSld>
+  <p:clrMapOvr>
+    <a:masterClrMapping/>
+  </p:clrMapOvr>
+</p:sld>
+</file>
+
+<file path=ppt/slides/slide15.xml><?xml version="1.0" encoding="utf-8"?>
+<p:sld xmlns:a="http://schemas.openxmlformats.org/drawingml/2006/main" xmlns:r="http://schemas.openxmlformats.org/officeDocument/2006/relationships" xmlns:p="http://schemas.openxmlformats.org/presentationml/2006/main">
+  <p:cSld>
+    <p:spTree>
+      <p:nvGrpSpPr>
+        <p:cNvPr id="1" name=""/>
+        <p:cNvGrpSpPr/>
+        <p:nvPr/>
+      </p:nvGrpSpPr>
+      <p:grpSpPr>
+        <a:xfrm>
+          <a:off x="0" y="0"/>
+          <a:ext cx="0" cy="0"/>
+          <a:chOff x="0" y="0"/>
+          <a:chExt cx="0" cy="0"/>
+        </a:xfrm>
+      </p:grpSpPr>
+      <p:sp>
+        <p:nvSpPr>
+          <p:cNvPr id="2" name="标题 1">
+            <a:extLst>
+              <a:ext uri="{FF2B5EF4-FFF2-40B4-BE49-F238E27FC236}">
+                <a16:creationId xmlns:a16="http://schemas.microsoft.com/office/drawing/2014/main" id="{7B2A1942-1BEC-40D2-9DC4-D7C87FB14784}"/>
+              </a:ext>
+            </a:extLst>
+          </p:cNvPr>
+          <p:cNvSpPr>
+            <a:spLocks noGrp="1"/>
+          </p:cNvSpPr>
+          <p:nvPr>
+            <p:ph type="title"/>
+          </p:nvPr>
+        </p:nvSpPr>
+        <p:spPr/>
+        <p:txBody>
+          <a:bodyPr/>
+          <a:lstStyle/>
+          <a:p>
+            <a:r>
+              <a:rPr lang="en-US" altLang="zh-CN" dirty="0"/>
+              <a:t>Compression and Classification</a:t>
+            </a:r>
+            <a:endParaRPr lang="zh-CN" altLang="en-US" dirty="0"/>
+          </a:p>
+        </p:txBody>
+      </p:sp>
+      <p:sp>
+        <p:nvSpPr>
+          <p:cNvPr id="3" name="内容占位符 2">
+            <a:extLst>
+              <a:ext uri="{FF2B5EF4-FFF2-40B4-BE49-F238E27FC236}">
+                <a16:creationId xmlns:a16="http://schemas.microsoft.com/office/drawing/2014/main" id="{BC65CE38-BA13-4505-BDCA-8479C11833B0}"/>
+              </a:ext>
+            </a:extLst>
+          </p:cNvPr>
+          <p:cNvSpPr>
+            <a:spLocks noGrp="1"/>
+          </p:cNvSpPr>
+          <p:nvPr>
+            <p:ph idx="1"/>
+          </p:nvPr>
+        </p:nvSpPr>
+        <p:spPr/>
+        <p:txBody>
+          <a:bodyPr>
+            <a:normAutofit/>
+          </a:bodyPr>
+          <a:lstStyle/>
+          <a:p>
+            <a:r>
+              <a:rPr lang="en-US" altLang="zh-CN" dirty="0"/>
+              <a:t>Distributed Network (4 slave node)</a:t>
+            </a:r>
+          </a:p>
+          <a:p>
+            <a:pPr lvl="1"/>
+            <a:r>
+              <a:rPr lang="en-US" altLang="zh-CN" dirty="0"/>
+              <a:t>MNIST</a:t>
+            </a:r>
+          </a:p>
+        </p:txBody>
+      </p:sp>
+      <p:sp>
+        <p:nvSpPr>
+          <p:cNvPr id="6" name="文本框 5">
+            <a:extLst>
+              <a:ext uri="{FF2B5EF4-FFF2-40B4-BE49-F238E27FC236}">
+                <a16:creationId xmlns:a16="http://schemas.microsoft.com/office/drawing/2014/main" id="{39A89B76-AD8E-4475-8542-A3E3FC245196}"/>
+              </a:ext>
+            </a:extLst>
+          </p:cNvPr>
+          <p:cNvSpPr txBox="1"/>
+          <p:nvPr/>
+        </p:nvSpPr>
+        <p:spPr>
+          <a:xfrm>
+            <a:off x="5069632" y="5275620"/>
+            <a:ext cx="1841241" cy="369332"/>
+          </a:xfrm>
+          <a:prstGeom prst="rect">
+            <a:avLst/>
+          </a:prstGeom>
+          <a:noFill/>
+        </p:spPr>
+        <p:txBody>
+          <a:bodyPr wrap="square" rtlCol="0">
+            <a:spAutoFit/>
+          </a:bodyPr>
+          <a:lstStyle/>
+          <a:p>
+            <a:r>
+              <a:rPr lang="en-US" altLang="zh-CN" dirty="0"/>
+              <a:t>Current results</a:t>
+            </a:r>
+            <a:endParaRPr lang="zh-CN" altLang="en-US" dirty="0"/>
+          </a:p>
+        </p:txBody>
+      </p:sp>
+      <p:pic>
+        <p:nvPicPr>
+          <p:cNvPr id="5" name="图片 4">
+            <a:extLst>
+              <a:ext uri="{FF2B5EF4-FFF2-40B4-BE49-F238E27FC236}">
+                <a16:creationId xmlns:a16="http://schemas.microsoft.com/office/drawing/2014/main" id="{2D4A4F2A-2DD5-44C3-B43A-9F6E61BBAE2D}"/>
+              </a:ext>
+            </a:extLst>
+          </p:cNvPr>
+          <p:cNvPicPr>
+            <a:picLocks noChangeAspect="1"/>
+          </p:cNvPicPr>
+          <p:nvPr/>
+        </p:nvPicPr>
+        <p:blipFill>
+          <a:blip r:embed="rId3">
+            <a:extLst>
+              <a:ext uri="{28A0092B-C50C-407E-A947-70E740481C1C}">
+                <a14:useLocalDpi xmlns:a14="http://schemas.microsoft.com/office/drawing/2010/main" val="0"/>
+              </a:ext>
+            </a:extLst>
+          </a:blip>
+          <a:stretch>
+            <a:fillRect/>
+          </a:stretch>
+        </p:blipFill>
+        <p:spPr>
+          <a:xfrm>
+            <a:off x="2342159" y="2881603"/>
+            <a:ext cx="2953464" cy="2218872"/>
+          </a:xfrm>
+          <a:prstGeom prst="rect">
+            <a:avLst/>
+          </a:prstGeom>
+        </p:spPr>
+      </p:pic>
+      <p:pic>
+        <p:nvPicPr>
+          <p:cNvPr id="9" name="图片 8">
+            <a:extLst>
+              <a:ext uri="{FF2B5EF4-FFF2-40B4-BE49-F238E27FC236}">
+                <a16:creationId xmlns:a16="http://schemas.microsoft.com/office/drawing/2014/main" id="{529EEFE3-D1CB-4876-ABDF-8B2A72B6CE8F}"/>
+              </a:ext>
+            </a:extLst>
+          </p:cNvPr>
+          <p:cNvPicPr>
+            <a:picLocks noChangeAspect="1"/>
+          </p:cNvPicPr>
+          <p:nvPr/>
+        </p:nvPicPr>
+        <p:blipFill>
+          <a:blip r:embed="rId4">
+            <a:extLst>
+              <a:ext uri="{28A0092B-C50C-407E-A947-70E740481C1C}">
+                <a14:useLocalDpi xmlns:a14="http://schemas.microsoft.com/office/drawing/2010/main" val="0"/>
+              </a:ext>
+            </a:extLst>
+          </a:blip>
+          <a:stretch>
+            <a:fillRect/>
+          </a:stretch>
+        </p:blipFill>
+        <p:spPr>
+          <a:xfrm>
+            <a:off x="6312450" y="2881603"/>
+            <a:ext cx="3117689" cy="2231338"/>
+          </a:xfrm>
+          <a:prstGeom prst="rect">
+            <a:avLst/>
+          </a:prstGeom>
+        </p:spPr>
+      </p:pic>
+    </p:spTree>
+    <p:extLst>
+      <p:ext uri="{BB962C8B-B14F-4D97-AF65-F5344CB8AC3E}">
+        <p14:creationId xmlns:p14="http://schemas.microsoft.com/office/powerpoint/2010/main" val="958451537"/>
+      </p:ext>
+    </p:extLst>
+  </p:cSld>
+  <p:clrMapOvr>
+    <a:masterClrMapping/>
+  </p:clrMapOvr>
+</p:sld>
+</file>
+
+<file path=ppt/slides/slide16.xml><?xml version="1.0" encoding="utf-8"?>
+<p:sld xmlns:a="http://schemas.openxmlformats.org/drawingml/2006/main" xmlns:r="http://schemas.openxmlformats.org/officeDocument/2006/relationships" xmlns:p="http://schemas.openxmlformats.org/presentationml/2006/main">
+  <p:cSld>
+    <p:spTree>
+      <p:nvGrpSpPr>
+        <p:cNvPr id="1" name=""/>
+        <p:cNvGrpSpPr/>
+        <p:nvPr/>
+      </p:nvGrpSpPr>
+      <p:grpSpPr>
+        <a:xfrm>
+          <a:off x="0" y="0"/>
+          <a:ext cx="0" cy="0"/>
+          <a:chOff x="0" y="0"/>
+          <a:chExt cx="0" cy="0"/>
+        </a:xfrm>
+      </p:grpSpPr>
+      <p:sp>
+        <p:nvSpPr>
+          <p:cNvPr id="2" name="标题 1">
+            <a:extLst>
+              <a:ext uri="{FF2B5EF4-FFF2-40B4-BE49-F238E27FC236}">
+                <a16:creationId xmlns:a16="http://schemas.microsoft.com/office/drawing/2014/main" id="{7B2A1942-1BEC-40D2-9DC4-D7C87FB14784}"/>
+              </a:ext>
+            </a:extLst>
+          </p:cNvPr>
+          <p:cNvSpPr>
+            <a:spLocks noGrp="1"/>
+          </p:cNvSpPr>
+          <p:nvPr>
+            <p:ph type="title"/>
+          </p:nvPr>
+        </p:nvSpPr>
+        <p:spPr/>
+        <p:txBody>
+          <a:bodyPr/>
+          <a:lstStyle/>
+          <a:p>
+            <a:r>
+              <a:rPr lang="en-US" altLang="zh-CN" dirty="0"/>
+              <a:t>Compression and Classification</a:t>
+            </a:r>
+            <a:endParaRPr lang="zh-CN" altLang="en-US" dirty="0"/>
+          </a:p>
+        </p:txBody>
+      </p:sp>
+      <p:sp>
+        <p:nvSpPr>
+          <p:cNvPr id="3" name="内容占位符 2">
+            <a:extLst>
+              <a:ext uri="{FF2B5EF4-FFF2-40B4-BE49-F238E27FC236}">
+                <a16:creationId xmlns:a16="http://schemas.microsoft.com/office/drawing/2014/main" id="{BC65CE38-BA13-4505-BDCA-8479C11833B0}"/>
+              </a:ext>
+            </a:extLst>
+          </p:cNvPr>
+          <p:cNvSpPr>
+            <a:spLocks noGrp="1"/>
+          </p:cNvSpPr>
+          <p:nvPr>
+            <p:ph idx="1"/>
+          </p:nvPr>
+        </p:nvSpPr>
+        <p:spPr/>
+        <p:txBody>
+          <a:bodyPr>
+            <a:normAutofit/>
+          </a:bodyPr>
+          <a:lstStyle/>
+          <a:p>
+            <a:r>
+              <a:rPr lang="en-US" altLang="zh-CN" dirty="0"/>
+              <a:t>Across Comparison</a:t>
+            </a:r>
+          </a:p>
+          <a:p>
+            <a:pPr lvl="1"/>
+            <a:r>
+              <a:rPr lang="en-US" altLang="zh-CN" dirty="0"/>
+              <a:t>MNIST</a:t>
+            </a:r>
+          </a:p>
+        </p:txBody>
+      </p:sp>
+      <p:sp>
+        <p:nvSpPr>
+          <p:cNvPr id="11" name="文本框 10">
+            <a:extLst>
+              <a:ext uri="{FF2B5EF4-FFF2-40B4-BE49-F238E27FC236}">
+                <a16:creationId xmlns:a16="http://schemas.microsoft.com/office/drawing/2014/main" id="{3416D009-0DCB-4C39-922C-AC4D6217A531}"/>
+              </a:ext>
+            </a:extLst>
+          </p:cNvPr>
+          <p:cNvSpPr txBox="1"/>
+          <p:nvPr/>
+        </p:nvSpPr>
+        <p:spPr>
+          <a:xfrm>
+            <a:off x="5175379" y="5260653"/>
+            <a:ext cx="1841241" cy="369332"/>
+          </a:xfrm>
+          <a:prstGeom prst="rect">
+            <a:avLst/>
+          </a:prstGeom>
+          <a:noFill/>
+        </p:spPr>
+        <p:txBody>
+          <a:bodyPr wrap="square" rtlCol="0">
+            <a:spAutoFit/>
+          </a:bodyPr>
+          <a:lstStyle/>
+          <a:p>
+            <a:r>
+              <a:rPr lang="en-US" altLang="zh-CN" dirty="0"/>
+              <a:t>Current results</a:t>
+            </a:r>
+            <a:endParaRPr lang="zh-CN" altLang="en-US" dirty="0"/>
+          </a:p>
+        </p:txBody>
+      </p:sp>
+      <p:pic>
+        <p:nvPicPr>
+          <p:cNvPr id="5" name="图片 4">
+            <a:extLst>
+              <a:ext uri="{FF2B5EF4-FFF2-40B4-BE49-F238E27FC236}">
+                <a16:creationId xmlns:a16="http://schemas.microsoft.com/office/drawing/2014/main" id="{26277F02-5BDA-4178-9CB9-76DF30ECD310}"/>
+              </a:ext>
+            </a:extLst>
+          </p:cNvPr>
+          <p:cNvPicPr>
+            <a:picLocks noChangeAspect="1"/>
+          </p:cNvPicPr>
+          <p:nvPr/>
+        </p:nvPicPr>
+        <p:blipFill>
+          <a:blip r:embed="rId3">
+            <a:extLst>
+              <a:ext uri="{28A0092B-C50C-407E-A947-70E740481C1C}">
+                <a14:useLocalDpi xmlns:a14="http://schemas.microsoft.com/office/drawing/2010/main" val="0"/>
+              </a:ext>
+            </a:extLst>
+          </a:blip>
+          <a:stretch>
+            <a:fillRect/>
+          </a:stretch>
+        </p:blipFill>
+        <p:spPr>
+          <a:xfrm>
+            <a:off x="4718105" y="2896704"/>
+            <a:ext cx="2988286" cy="2209179"/>
+          </a:xfrm>
+          <a:prstGeom prst="rect">
+            <a:avLst/>
+          </a:prstGeom>
+        </p:spPr>
+      </p:pic>
+      <p:pic>
+        <p:nvPicPr>
+          <p:cNvPr id="8" name="图片 7">
+            <a:extLst>
+              <a:ext uri="{FF2B5EF4-FFF2-40B4-BE49-F238E27FC236}">
+                <a16:creationId xmlns:a16="http://schemas.microsoft.com/office/drawing/2014/main" id="{FEDEFA35-6E93-4B51-AE2B-D3D343701801}"/>
+              </a:ext>
+            </a:extLst>
+          </p:cNvPr>
+          <p:cNvPicPr>
+            <a:picLocks noChangeAspect="1"/>
+          </p:cNvPicPr>
+          <p:nvPr/>
+        </p:nvPicPr>
+        <p:blipFill>
+          <a:blip r:embed="rId4">
+            <a:extLst>
+              <a:ext uri="{28A0092B-C50C-407E-A947-70E740481C1C}">
+                <a14:useLocalDpi xmlns:a14="http://schemas.microsoft.com/office/drawing/2010/main" val="0"/>
+              </a:ext>
+            </a:extLst>
+          </a:blip>
+          <a:stretch>
+            <a:fillRect/>
+          </a:stretch>
+        </p:blipFill>
+        <p:spPr>
+          <a:xfrm>
+            <a:off x="8013955" y="2896704"/>
+            <a:ext cx="3026062" cy="2209179"/>
+          </a:xfrm>
+          <a:prstGeom prst="rect">
+            <a:avLst/>
+          </a:prstGeom>
+        </p:spPr>
+      </p:pic>
+      <p:pic>
+        <p:nvPicPr>
+          <p:cNvPr id="10" name="图片 9">
+            <a:extLst>
+              <a:ext uri="{FF2B5EF4-FFF2-40B4-BE49-F238E27FC236}">
+                <a16:creationId xmlns:a16="http://schemas.microsoft.com/office/drawing/2014/main" id="{035C2469-23C2-4741-99EA-DE668D792235}"/>
+              </a:ext>
+            </a:extLst>
+          </p:cNvPr>
+          <p:cNvPicPr>
+            <a:picLocks noChangeAspect="1"/>
+          </p:cNvPicPr>
+          <p:nvPr/>
+        </p:nvPicPr>
+        <p:blipFill>
+          <a:blip r:embed="rId5">
+            <a:extLst>
+              <a:ext uri="{28A0092B-C50C-407E-A947-70E740481C1C}">
+                <a14:useLocalDpi xmlns:a14="http://schemas.microsoft.com/office/drawing/2010/main" val="0"/>
+              </a:ext>
+            </a:extLst>
+          </a:blip>
+          <a:stretch>
+            <a:fillRect/>
+          </a:stretch>
+        </p:blipFill>
+        <p:spPr>
+          <a:xfrm>
+            <a:off x="1331323" y="2896704"/>
+            <a:ext cx="2962541" cy="2209180"/>
+          </a:xfrm>
+          <a:prstGeom prst="rect">
+            <a:avLst/>
+          </a:prstGeom>
+        </p:spPr>
+      </p:pic>
+    </p:spTree>
+    <p:extLst>
+      <p:ext uri="{BB962C8B-B14F-4D97-AF65-F5344CB8AC3E}">
+        <p14:creationId xmlns:p14="http://schemas.microsoft.com/office/powerpoint/2010/main" val="3936207518"/>
+      </p:ext>
+    </p:extLst>
+  </p:cSld>
+  <p:clrMapOvr>
+    <a:masterClrMapping/>
+  </p:clrMapOvr>
+</p:sld>
+</file>
+
+<file path=ppt/slides/slide17.xml><?xml version="1.0" encoding="utf-8"?>
+<p:sld xmlns:a="http://schemas.openxmlformats.org/drawingml/2006/main" xmlns:r="http://schemas.openxmlformats.org/officeDocument/2006/relationships" xmlns:p="http://schemas.openxmlformats.org/presentationml/2006/main">
+  <p:cSld>
+    <p:spTree>
+      <p:nvGrpSpPr>
+        <p:cNvPr id="1" name=""/>
+        <p:cNvGrpSpPr/>
+        <p:nvPr/>
+      </p:nvGrpSpPr>
+      <p:grpSpPr>
+        <a:xfrm>
+          <a:off x="0" y="0"/>
+          <a:ext cx="0" cy="0"/>
+          <a:chOff x="0" y="0"/>
+          <a:chExt cx="0" cy="0"/>
+        </a:xfrm>
+      </p:grpSpPr>
+      <p:sp>
+        <p:nvSpPr>
+          <p:cNvPr id="2" name="标题 1">
+            <a:extLst>
+              <a:ext uri="{FF2B5EF4-FFF2-40B4-BE49-F238E27FC236}">
+                <a16:creationId xmlns:a16="http://schemas.microsoft.com/office/drawing/2014/main" id="{7B2A1942-1BEC-40D2-9DC4-D7C87FB14784}"/>
+              </a:ext>
+            </a:extLst>
+          </p:cNvPr>
+          <p:cNvSpPr>
+            <a:spLocks noGrp="1"/>
+          </p:cNvSpPr>
+          <p:nvPr>
+            <p:ph type="title"/>
+          </p:nvPr>
+        </p:nvSpPr>
+        <p:spPr/>
+        <p:txBody>
+          <a:bodyPr/>
+          <a:lstStyle/>
+          <a:p>
+            <a:r>
+              <a:rPr lang="en-US" altLang="zh-CN" dirty="0"/>
+              <a:t>Compression and Classification</a:t>
+            </a:r>
+            <a:endParaRPr lang="zh-CN" altLang="en-US" dirty="0"/>
+          </a:p>
+        </p:txBody>
+      </p:sp>
+      <p:sp>
+        <p:nvSpPr>
+          <p:cNvPr id="3" name="内容占位符 2">
+            <a:extLst>
+              <a:ext uri="{FF2B5EF4-FFF2-40B4-BE49-F238E27FC236}">
+                <a16:creationId xmlns:a16="http://schemas.microsoft.com/office/drawing/2014/main" id="{BC65CE38-BA13-4505-BDCA-8479C11833B0}"/>
+              </a:ext>
+            </a:extLst>
+          </p:cNvPr>
+          <p:cNvSpPr>
+            <a:spLocks noGrp="1"/>
+          </p:cNvSpPr>
+          <p:nvPr>
+            <p:ph idx="1"/>
+          </p:nvPr>
+        </p:nvSpPr>
+        <p:spPr/>
+        <p:txBody>
+          <a:bodyPr>
+            <a:normAutofit/>
+          </a:bodyPr>
+          <a:lstStyle/>
+          <a:p>
+            <a:r>
+              <a:rPr lang="en-US" altLang="zh-CN" dirty="0"/>
+              <a:t>Across Comparison</a:t>
+            </a:r>
+          </a:p>
+          <a:p>
+            <a:pPr lvl="1"/>
+            <a:r>
+              <a:rPr lang="en-US" altLang="zh-CN" dirty="0"/>
+              <a:t>SVHN</a:t>
+            </a:r>
+          </a:p>
+        </p:txBody>
+      </p:sp>
+      <p:pic>
+        <p:nvPicPr>
+          <p:cNvPr id="7" name="图片 6">
+            <a:extLst>
+              <a:ext uri="{FF2B5EF4-FFF2-40B4-BE49-F238E27FC236}">
+                <a16:creationId xmlns:a16="http://schemas.microsoft.com/office/drawing/2014/main" id="{3676C3BD-1EBE-41A2-B22A-B7B37B1E87F5}"/>
+              </a:ext>
+            </a:extLst>
+          </p:cNvPr>
+          <p:cNvPicPr>
+            <a:picLocks noChangeAspect="1"/>
+          </p:cNvPicPr>
+          <p:nvPr/>
+        </p:nvPicPr>
+        <p:blipFill>
+          <a:blip r:embed="rId3">
+            <a:extLst>
+              <a:ext uri="{28A0092B-C50C-407E-A947-70E740481C1C}">
+                <a14:useLocalDpi xmlns:a14="http://schemas.microsoft.com/office/drawing/2010/main" val="0"/>
+              </a:ext>
+            </a:extLst>
+          </a:blip>
+          <a:stretch>
+            <a:fillRect/>
+          </a:stretch>
+        </p:blipFill>
+        <p:spPr>
+          <a:xfrm>
+            <a:off x="4507854" y="2904099"/>
+            <a:ext cx="3012621" cy="2163426"/>
+          </a:xfrm>
+          <a:prstGeom prst="rect">
+            <a:avLst/>
+          </a:prstGeom>
+        </p:spPr>
+      </p:pic>
+      <p:sp>
+        <p:nvSpPr>
+          <p:cNvPr id="11" name="文本框 10">
+            <a:extLst>
+              <a:ext uri="{FF2B5EF4-FFF2-40B4-BE49-F238E27FC236}">
+                <a16:creationId xmlns:a16="http://schemas.microsoft.com/office/drawing/2014/main" id="{3416D009-0DCB-4C39-922C-AC4D6217A531}"/>
+              </a:ext>
+            </a:extLst>
+          </p:cNvPr>
+          <p:cNvSpPr txBox="1"/>
+          <p:nvPr/>
+        </p:nvSpPr>
+        <p:spPr>
+          <a:xfrm>
+            <a:off x="5175379" y="5260653"/>
+            <a:ext cx="1841241" cy="369332"/>
+          </a:xfrm>
+          <a:prstGeom prst="rect">
+            <a:avLst/>
+          </a:prstGeom>
+          <a:noFill/>
+        </p:spPr>
+        <p:txBody>
+          <a:bodyPr wrap="square" rtlCol="0">
+            <a:spAutoFit/>
+          </a:bodyPr>
+          <a:lstStyle/>
+          <a:p>
+            <a:r>
+              <a:rPr lang="en-US" altLang="zh-CN" dirty="0"/>
+              <a:t>Current results</a:t>
+            </a:r>
+            <a:endParaRPr lang="zh-CN" altLang="en-US" dirty="0"/>
+          </a:p>
+        </p:txBody>
+      </p:sp>
+      <p:pic>
+        <p:nvPicPr>
+          <p:cNvPr id="13" name="图片 12">
+            <a:extLst>
+              <a:ext uri="{FF2B5EF4-FFF2-40B4-BE49-F238E27FC236}">
+                <a16:creationId xmlns:a16="http://schemas.microsoft.com/office/drawing/2014/main" id="{CBEDEEA0-8B0A-4314-B17D-C2088220DB9E}"/>
+              </a:ext>
+            </a:extLst>
+          </p:cNvPr>
+          <p:cNvPicPr>
+            <a:picLocks noChangeAspect="1"/>
+          </p:cNvPicPr>
+          <p:nvPr/>
+        </p:nvPicPr>
+        <p:blipFill>
+          <a:blip r:embed="rId4">
+            <a:extLst>
+              <a:ext uri="{28A0092B-C50C-407E-A947-70E740481C1C}">
+                <a14:useLocalDpi xmlns:a14="http://schemas.microsoft.com/office/drawing/2010/main" val="0"/>
+              </a:ext>
+            </a:extLst>
+          </a:blip>
+          <a:stretch>
+            <a:fillRect/>
+          </a:stretch>
+        </p:blipFill>
+        <p:spPr>
+          <a:xfrm>
+            <a:off x="8136002" y="2904099"/>
+            <a:ext cx="2806473" cy="2163427"/>
+          </a:xfrm>
+          <a:prstGeom prst="rect">
+            <a:avLst/>
+          </a:prstGeom>
+        </p:spPr>
+      </p:pic>
+      <p:pic>
+        <p:nvPicPr>
+          <p:cNvPr id="15" name="图片 14">
+            <a:extLst>
+              <a:ext uri="{FF2B5EF4-FFF2-40B4-BE49-F238E27FC236}">
+                <a16:creationId xmlns:a16="http://schemas.microsoft.com/office/drawing/2014/main" id="{ECCDBC08-C346-466B-ADCF-3FAE9DDA9A9A}"/>
+              </a:ext>
+            </a:extLst>
+          </p:cNvPr>
+          <p:cNvPicPr>
+            <a:picLocks noChangeAspect="1"/>
+          </p:cNvPicPr>
+          <p:nvPr/>
+        </p:nvPicPr>
+        <p:blipFill>
+          <a:blip r:embed="rId5">
+            <a:extLst>
+              <a:ext uri="{28A0092B-C50C-407E-A947-70E740481C1C}">
+                <a14:useLocalDpi xmlns:a14="http://schemas.microsoft.com/office/drawing/2010/main" val="0"/>
+              </a:ext>
+            </a:extLst>
+          </a:blip>
+          <a:stretch>
+            <a:fillRect/>
+          </a:stretch>
+        </p:blipFill>
+        <p:spPr>
+          <a:xfrm>
+            <a:off x="879706" y="2904099"/>
+            <a:ext cx="3012621" cy="2240154"/>
+          </a:xfrm>
+          <a:prstGeom prst="rect">
+            <a:avLst/>
+          </a:prstGeom>
+        </p:spPr>
+      </p:pic>
+    </p:spTree>
+    <p:extLst>
+      <p:ext uri="{BB962C8B-B14F-4D97-AF65-F5344CB8AC3E}">
+        <p14:creationId xmlns:p14="http://schemas.microsoft.com/office/powerpoint/2010/main" val="1029076932"/>
+      </p:ext>
+    </p:extLst>
+  </p:cSld>
+  <p:clrMapOvr>
+    <a:masterClrMapping/>
+  </p:clrMapOvr>
+</p:sld>
+</file>
+
+<file path=ppt/slides/slide18.xml><?xml version="1.0" encoding="utf-8"?>
+<p:sld xmlns:a="http://schemas.openxmlformats.org/drawingml/2006/main" xmlns:r="http://schemas.openxmlformats.org/officeDocument/2006/relationships" xmlns:p="http://schemas.openxmlformats.org/presentationml/2006/main">
+  <p:cSld>
+    <p:spTree>
+      <p:nvGrpSpPr>
+        <p:cNvPr id="1" name=""/>
+        <p:cNvGrpSpPr/>
+        <p:nvPr/>
+      </p:nvGrpSpPr>
+      <p:grpSpPr>
+        <a:xfrm>
+          <a:off x="0" y="0"/>
+          <a:ext cx="0" cy="0"/>
+          <a:chOff x="0" y="0"/>
+          <a:chExt cx="0" cy="0"/>
+        </a:xfrm>
+      </p:grpSpPr>
+      <p:sp>
+        <p:nvSpPr>
+          <p:cNvPr id="2" name="标题 1">
+            <a:extLst>
+              <a:ext uri="{FF2B5EF4-FFF2-40B4-BE49-F238E27FC236}">
+                <a16:creationId xmlns:a16="http://schemas.microsoft.com/office/drawing/2014/main" id="{7B2A1942-1BEC-40D2-9DC4-D7C87FB14784}"/>
+              </a:ext>
+            </a:extLst>
+          </p:cNvPr>
+          <p:cNvSpPr>
+            <a:spLocks noGrp="1"/>
+          </p:cNvSpPr>
+          <p:nvPr>
+            <p:ph type="title"/>
+          </p:nvPr>
+        </p:nvSpPr>
+        <p:spPr/>
+        <p:txBody>
+          <a:bodyPr/>
+          <a:lstStyle/>
+          <a:p>
+            <a:r>
+              <a:rPr lang="en-US" altLang="zh-CN" dirty="0"/>
+              <a:t>Compression and Classification</a:t>
+            </a:r>
+            <a:endParaRPr lang="zh-CN" altLang="en-US" dirty="0"/>
+          </a:p>
+        </p:txBody>
+      </p:sp>
+      <p:sp>
+        <p:nvSpPr>
+          <p:cNvPr id="3" name="内容占位符 2">
+            <a:extLst>
+              <a:ext uri="{FF2B5EF4-FFF2-40B4-BE49-F238E27FC236}">
+                <a16:creationId xmlns:a16="http://schemas.microsoft.com/office/drawing/2014/main" id="{BC65CE38-BA13-4505-BDCA-8479C11833B0}"/>
+              </a:ext>
+            </a:extLst>
+          </p:cNvPr>
+          <p:cNvSpPr>
+            <a:spLocks noGrp="1"/>
+          </p:cNvSpPr>
+          <p:nvPr>
+            <p:ph idx="1"/>
+          </p:nvPr>
+        </p:nvSpPr>
+        <p:spPr/>
+        <p:txBody>
+          <a:bodyPr>
+            <a:normAutofit/>
+          </a:bodyPr>
+          <a:lstStyle/>
+          <a:p>
+            <a:r>
+              <a:rPr lang="en-US" altLang="zh-CN" dirty="0"/>
+              <a:t>Example output</a:t>
+            </a:r>
+          </a:p>
+        </p:txBody>
+      </p:sp>
+      <p:sp>
+        <p:nvSpPr>
+          <p:cNvPr id="6" name="文本框 5">
+            <a:extLst>
+              <a:ext uri="{FF2B5EF4-FFF2-40B4-BE49-F238E27FC236}">
+                <a16:creationId xmlns:a16="http://schemas.microsoft.com/office/drawing/2014/main" id="{39A89B76-AD8E-4475-8542-A3E3FC245196}"/>
+              </a:ext>
+            </a:extLst>
+          </p:cNvPr>
+          <p:cNvSpPr txBox="1"/>
+          <p:nvPr/>
+        </p:nvSpPr>
+        <p:spPr>
+          <a:xfrm>
+            <a:off x="2824064" y="5276783"/>
+            <a:ext cx="1841241" cy="369332"/>
+          </a:xfrm>
+          <a:prstGeom prst="rect">
+            <a:avLst/>
+          </a:prstGeom>
+          <a:noFill/>
+        </p:spPr>
+        <p:txBody>
+          <a:bodyPr wrap="square" rtlCol="0">
+            <a:spAutoFit/>
+          </a:bodyPr>
+          <a:lstStyle/>
+          <a:p>
+            <a:r>
+              <a:rPr lang="en-US" altLang="zh-CN" dirty="0"/>
+              <a:t>MNIST</a:t>
+            </a:r>
+            <a:endParaRPr lang="zh-CN" altLang="en-US" dirty="0"/>
+          </a:p>
+        </p:txBody>
+      </p:sp>
+      <p:sp>
+        <p:nvSpPr>
+          <p:cNvPr id="9" name="文本框 8">
+            <a:extLst>
+              <a:ext uri="{FF2B5EF4-FFF2-40B4-BE49-F238E27FC236}">
+                <a16:creationId xmlns:a16="http://schemas.microsoft.com/office/drawing/2014/main" id="{F9B643DB-D16A-4575-ABB3-8410676CD3EB}"/>
+              </a:ext>
+            </a:extLst>
+          </p:cNvPr>
+          <p:cNvSpPr txBox="1"/>
+          <p:nvPr/>
+        </p:nvSpPr>
+        <p:spPr>
+          <a:xfrm>
+            <a:off x="8285587" y="5276783"/>
+            <a:ext cx="1841241" cy="369332"/>
+          </a:xfrm>
+          <a:prstGeom prst="rect">
+            <a:avLst/>
+          </a:prstGeom>
+          <a:noFill/>
+        </p:spPr>
+        <p:txBody>
+          <a:bodyPr wrap="square" rtlCol="0">
+            <a:spAutoFit/>
+          </a:bodyPr>
+          <a:lstStyle/>
+          <a:p>
+            <a:r>
+              <a:rPr lang="en-US" altLang="zh-CN" dirty="0"/>
+              <a:t>SVHN</a:t>
+            </a:r>
+            <a:endParaRPr lang="zh-CN" altLang="en-US" dirty="0"/>
+          </a:p>
+        </p:txBody>
+      </p:sp>
+      <p:pic>
+        <p:nvPicPr>
+          <p:cNvPr id="5" name="图片 4">
+            <a:extLst>
+              <a:ext uri="{FF2B5EF4-FFF2-40B4-BE49-F238E27FC236}">
+                <a16:creationId xmlns:a16="http://schemas.microsoft.com/office/drawing/2014/main" id="{FE16E4B4-004B-416C-8B51-383409D129A5}"/>
+              </a:ext>
+            </a:extLst>
+          </p:cNvPr>
+          <p:cNvPicPr>
+            <a:picLocks noChangeAspect="1"/>
+          </p:cNvPicPr>
+          <p:nvPr/>
+        </p:nvPicPr>
+        <p:blipFill>
+          <a:blip r:embed="rId3">
+            <a:extLst>
+              <a:ext uri="{28A0092B-C50C-407E-A947-70E740481C1C}">
+                <a14:useLocalDpi xmlns:a14="http://schemas.microsoft.com/office/drawing/2010/main" val="0"/>
+              </a:ext>
+            </a:extLst>
+          </a:blip>
+          <a:stretch>
+            <a:fillRect/>
+          </a:stretch>
+        </p:blipFill>
+        <p:spPr>
+          <a:xfrm>
+            <a:off x="7255721" y="3827396"/>
+            <a:ext cx="2609850" cy="1314450"/>
+          </a:xfrm>
+          <a:prstGeom prst="rect">
+            <a:avLst/>
+          </a:prstGeom>
+        </p:spPr>
+      </p:pic>
+      <p:pic>
+        <p:nvPicPr>
+          <p:cNvPr id="8" name="图片 7">
+            <a:extLst>
+              <a:ext uri="{FF2B5EF4-FFF2-40B4-BE49-F238E27FC236}">
+                <a16:creationId xmlns:a16="http://schemas.microsoft.com/office/drawing/2014/main" id="{0EC87B6D-9236-46A4-B1D0-A6E0D9ABE088}"/>
+              </a:ext>
+            </a:extLst>
+          </p:cNvPr>
+          <p:cNvPicPr>
+            <a:picLocks noChangeAspect="1"/>
+          </p:cNvPicPr>
+          <p:nvPr/>
+        </p:nvPicPr>
+        <p:blipFill>
+          <a:blip r:embed="rId4">
+            <a:extLst>
+              <a:ext uri="{28A0092B-C50C-407E-A947-70E740481C1C}">
+                <a14:useLocalDpi xmlns:a14="http://schemas.microsoft.com/office/drawing/2010/main" val="0"/>
+              </a:ext>
+            </a:extLst>
+          </a:blip>
+          <a:stretch>
+            <a:fillRect/>
+          </a:stretch>
+        </p:blipFill>
+        <p:spPr>
+          <a:xfrm>
+            <a:off x="7255721" y="2373379"/>
+            <a:ext cx="2609850" cy="1314450"/>
+          </a:xfrm>
+          <a:prstGeom prst="rect">
+            <a:avLst/>
+          </a:prstGeom>
+        </p:spPr>
+      </p:pic>
+      <p:pic>
+        <p:nvPicPr>
+          <p:cNvPr id="11" name="图片 10">
+            <a:extLst>
+              <a:ext uri="{FF2B5EF4-FFF2-40B4-BE49-F238E27FC236}">
+                <a16:creationId xmlns:a16="http://schemas.microsoft.com/office/drawing/2014/main" id="{99BC6993-F3E4-45EF-8C61-C1A24EB43AE3}"/>
+              </a:ext>
+            </a:extLst>
+          </p:cNvPr>
+          <p:cNvPicPr>
+            <a:picLocks noChangeAspect="1"/>
+          </p:cNvPicPr>
+          <p:nvPr/>
+        </p:nvPicPr>
+        <p:blipFill>
+          <a:blip r:embed="rId5">
+            <a:extLst>
+              <a:ext uri="{28A0092B-C50C-407E-A947-70E740481C1C}">
+                <a14:useLocalDpi xmlns:a14="http://schemas.microsoft.com/office/drawing/2010/main" val="0"/>
+              </a:ext>
+            </a:extLst>
+          </a:blip>
+          <a:stretch>
+            <a:fillRect/>
+          </a:stretch>
+        </p:blipFill>
+        <p:spPr>
+          <a:xfrm>
+            <a:off x="1589245" y="2493268"/>
+            <a:ext cx="1474367" cy="2389121"/>
+          </a:xfrm>
+          <a:prstGeom prst="rect">
+            <a:avLst/>
+          </a:prstGeom>
+        </p:spPr>
+      </p:pic>
+      <p:pic>
+        <p:nvPicPr>
+          <p:cNvPr id="13" name="图片 12">
+            <a:extLst>
+              <a:ext uri="{FF2B5EF4-FFF2-40B4-BE49-F238E27FC236}">
+                <a16:creationId xmlns:a16="http://schemas.microsoft.com/office/drawing/2014/main" id="{E2480F6D-2FDA-4CA9-9B0C-4665CF6F49C1}"/>
+              </a:ext>
+            </a:extLst>
+          </p:cNvPr>
+          <p:cNvPicPr>
+            <a:picLocks noChangeAspect="1"/>
+          </p:cNvPicPr>
+          <p:nvPr/>
+        </p:nvPicPr>
+        <p:blipFill>
+          <a:blip r:embed="rId6">
+            <a:extLst>
+              <a:ext uri="{28A0092B-C50C-407E-A947-70E740481C1C}">
+                <a14:useLocalDpi xmlns:a14="http://schemas.microsoft.com/office/drawing/2010/main" val="0"/>
+              </a:ext>
+            </a:extLst>
+          </a:blip>
+          <a:stretch>
+            <a:fillRect/>
+          </a:stretch>
+        </p:blipFill>
+        <p:spPr>
+          <a:xfrm>
+            <a:off x="3430488" y="2493267"/>
+            <a:ext cx="1474367" cy="2389120"/>
+          </a:xfrm>
+          <a:prstGeom prst="rect">
+            <a:avLst/>
+          </a:prstGeom>
+        </p:spPr>
+      </p:pic>
+    </p:spTree>
+    <p:extLst>
+      <p:ext uri="{BB962C8B-B14F-4D97-AF65-F5344CB8AC3E}">
+        <p14:creationId xmlns:p14="http://schemas.microsoft.com/office/powerpoint/2010/main" val="45937910"/>
+      </p:ext>
+    </p:extLst>
+  </p:cSld>
+  <p:clrMapOvr>
+    <a:masterClrMapping/>
+  </p:clrMapOvr>
+</p:sld>
+</file>
+
+<file path=ppt/slides/slide19.xml><?xml version="1.0" encoding="utf-8"?>
+<p:sld xmlns:a="http://schemas.openxmlformats.org/drawingml/2006/main" xmlns:r="http://schemas.openxmlformats.org/officeDocument/2006/relationships" xmlns:p="http://schemas.openxmlformats.org/presentationml/2006/main">
+  <p:cSld>
+    <p:spTree>
+      <p:nvGrpSpPr>
+        <p:cNvPr id="1" name=""/>
+        <p:cNvGrpSpPr/>
+        <p:nvPr/>
+      </p:nvGrpSpPr>
+      <p:grpSpPr>
+        <a:xfrm>
+          <a:off x="0" y="0"/>
+          <a:ext cx="0" cy="0"/>
+          <a:chOff x="0" y="0"/>
+          <a:chExt cx="0" cy="0"/>
+        </a:xfrm>
+      </p:grpSpPr>
+      <p:sp>
+        <p:nvSpPr>
+          <p:cNvPr id="2" name="标题 1">
+            <a:extLst>
+              <a:ext uri="{FF2B5EF4-FFF2-40B4-BE49-F238E27FC236}">
+                <a16:creationId xmlns:a16="http://schemas.microsoft.com/office/drawing/2014/main" id="{7B2A1942-1BEC-40D2-9DC4-D7C87FB14784}"/>
+              </a:ext>
+            </a:extLst>
+          </p:cNvPr>
+          <p:cNvSpPr>
+            <a:spLocks noGrp="1"/>
+          </p:cNvSpPr>
+          <p:nvPr>
+            <p:ph type="title"/>
+          </p:nvPr>
+        </p:nvSpPr>
+        <p:spPr/>
+        <p:txBody>
+          <a:bodyPr/>
+          <a:lstStyle/>
+          <a:p>
+            <a:r>
+              <a:rPr lang="en-US" altLang="zh-CN" dirty="0"/>
+              <a:t>Codec Conversion</a:t>
+            </a:r>
+            <a:endParaRPr lang="zh-CN" altLang="en-US" dirty="0"/>
+          </a:p>
+        </p:txBody>
+      </p:sp>
+      <p:sp>
+        <p:nvSpPr>
+          <p:cNvPr id="3" name="内容占位符 2">
+            <a:extLst>
+              <a:ext uri="{FF2B5EF4-FFF2-40B4-BE49-F238E27FC236}">
+                <a16:creationId xmlns:a16="http://schemas.microsoft.com/office/drawing/2014/main" id="{BC65CE38-BA13-4505-BDCA-8479C11833B0}"/>
+              </a:ext>
+            </a:extLst>
+          </p:cNvPr>
+          <p:cNvSpPr>
+            <a:spLocks noGrp="1"/>
+          </p:cNvSpPr>
+          <p:nvPr>
+            <p:ph idx="1"/>
+          </p:nvPr>
+        </p:nvSpPr>
+        <p:spPr/>
+        <p:txBody>
+          <a:bodyPr>
+            <a:normAutofit/>
+          </a:bodyPr>
+          <a:lstStyle/>
+          <a:p>
+            <a:r>
+              <a:rPr lang="en-US" altLang="zh-CN" dirty="0"/>
+              <a:t>The main problem I encounter is that each image is coded to different size of code. Not sure it is owing to the entropy codec or the DCT codec itself. </a:t>
+            </a:r>
+          </a:p>
+          <a:p>
+            <a:r>
+              <a:rPr lang="en-US" altLang="zh-CN" dirty="0"/>
+              <a:t>The source code for JPG and other classical codecs is not widely available in python.</a:t>
+            </a:r>
+          </a:p>
+        </p:txBody>
+      </p:sp>
+    </p:spTree>
+    <p:extLst>
+      <p:ext uri="{BB962C8B-B14F-4D97-AF65-F5344CB8AC3E}">
+        <p14:creationId xmlns:p14="http://schemas.microsoft.com/office/powerpoint/2010/main" val="4020949655"/>
       </p:ext>
     </p:extLst>
   </p:cSld>
@@ -4745,40 +7338,18 @@
             </a:r>
           </a:p>
           <a:p>
-            <a:pPr lvl="1"/>
-            <a:r>
-              <a:rPr lang="en-US" altLang="zh-CN" dirty="0"/>
-              <a:t>Rate Variable Classification</a:t>
-            </a:r>
-          </a:p>
-          <a:p>
-            <a:pPr lvl="1"/>
-            <a:r>
-              <a:rPr lang="en-US" altLang="zh-CN" dirty="0"/>
-              <a:t>Two stage (isolated) optimization</a:t>
-            </a:r>
-          </a:p>
-          <a:p>
-            <a:pPr lvl="1"/>
-            <a:r>
-              <a:rPr lang="en-US" altLang="zh-CN" dirty="0"/>
-              <a:t>CIFAR10</a:t>
-            </a:r>
-          </a:p>
-          <a:p>
-            <a:r>
-              <a:rPr lang="en-US" altLang="zh-CN" dirty="0"/>
-              <a:t>Distributed Compression</a:t>
-            </a:r>
-          </a:p>
-          <a:p>
             <a:r>
               <a:rPr lang="en-US" altLang="zh-CN" dirty="0"/>
               <a:t>Codec Conversion</a:t>
             </a:r>
           </a:p>
           <a:p>
-            <a:pPr lvl="1"/>
+            <a:r>
+              <a:rPr lang="en-US" altLang="zh-CN" dirty="0"/>
+              <a:t>Milestones</a:t>
+            </a:r>
+          </a:p>
+          <a:p>
             <a:endParaRPr lang="en-US" altLang="zh-CN" dirty="0"/>
           </a:p>
         </p:txBody>
@@ -4787,6 +7358,518 @@
     <p:extLst>
       <p:ext uri="{BB962C8B-B14F-4D97-AF65-F5344CB8AC3E}">
         <p14:creationId xmlns:p14="http://schemas.microsoft.com/office/powerpoint/2010/main" val="1524917687"/>
+      </p:ext>
+    </p:extLst>
+  </p:cSld>
+  <p:clrMapOvr>
+    <a:masterClrMapping/>
+  </p:clrMapOvr>
+</p:sld>
+</file>
+
+<file path=ppt/slides/slide20.xml><?xml version="1.0" encoding="utf-8"?>
+<p:sld xmlns:a="http://schemas.openxmlformats.org/drawingml/2006/main" xmlns:r="http://schemas.openxmlformats.org/officeDocument/2006/relationships" xmlns:p="http://schemas.openxmlformats.org/presentationml/2006/main">
+  <p:cSld>
+    <p:spTree>
+      <p:nvGrpSpPr>
+        <p:cNvPr id="1" name=""/>
+        <p:cNvGrpSpPr/>
+        <p:nvPr/>
+      </p:nvGrpSpPr>
+      <p:grpSpPr>
+        <a:xfrm>
+          <a:off x="0" y="0"/>
+          <a:ext cx="0" cy="0"/>
+          <a:chOff x="0" y="0"/>
+          <a:chExt cx="0" cy="0"/>
+        </a:xfrm>
+      </p:grpSpPr>
+      <p:sp>
+        <p:nvSpPr>
+          <p:cNvPr id="2" name="标题 1">
+            <a:extLst>
+              <a:ext uri="{FF2B5EF4-FFF2-40B4-BE49-F238E27FC236}">
+                <a16:creationId xmlns:a16="http://schemas.microsoft.com/office/drawing/2014/main" id="{7B2A1942-1BEC-40D2-9DC4-D7C87FB14784}"/>
+              </a:ext>
+            </a:extLst>
+          </p:cNvPr>
+          <p:cNvSpPr>
+            <a:spLocks noGrp="1"/>
+          </p:cNvSpPr>
+          <p:nvPr>
+            <p:ph type="title"/>
+          </p:nvPr>
+        </p:nvSpPr>
+        <p:spPr/>
+        <p:txBody>
+          <a:bodyPr/>
+          <a:lstStyle/>
+          <a:p>
+            <a:r>
+              <a:rPr lang="en-US" altLang="zh-CN" dirty="0"/>
+              <a:t>Milestones</a:t>
+            </a:r>
+            <a:endParaRPr lang="zh-CN" altLang="en-US" dirty="0"/>
+          </a:p>
+        </p:txBody>
+      </p:sp>
+      <p:sp>
+        <p:nvSpPr>
+          <p:cNvPr id="3" name="内容占位符 2">
+            <a:extLst>
+              <a:ext uri="{FF2B5EF4-FFF2-40B4-BE49-F238E27FC236}">
+                <a16:creationId xmlns:a16="http://schemas.microsoft.com/office/drawing/2014/main" id="{BC65CE38-BA13-4505-BDCA-8479C11833B0}"/>
+              </a:ext>
+            </a:extLst>
+          </p:cNvPr>
+          <p:cNvSpPr>
+            <a:spLocks noGrp="1"/>
+          </p:cNvSpPr>
+          <p:nvPr>
+            <p:ph idx="1"/>
+          </p:nvPr>
+        </p:nvSpPr>
+        <p:spPr/>
+        <p:txBody>
+          <a:bodyPr>
+            <a:normAutofit/>
+          </a:bodyPr>
+          <a:lstStyle/>
+          <a:p>
+            <a:r>
+              <a:rPr lang="en-US" altLang="zh-CN" dirty="0"/>
+              <a:t>General</a:t>
+            </a:r>
+          </a:p>
+          <a:p>
+            <a:pPr lvl="1"/>
+            <a:r>
+              <a:rPr lang="en-US" altLang="zh-CN" dirty="0"/>
+              <a:t>Set up GPU computation environment at Duke Cluster Computing</a:t>
+            </a:r>
+          </a:p>
+          <a:p>
+            <a:pPr lvl="1"/>
+            <a:r>
+              <a:rPr lang="en-US" altLang="zh-CN" dirty="0"/>
+              <a:t>Better tuning parameter strategy for optimization</a:t>
+            </a:r>
+          </a:p>
+          <a:p>
+            <a:pPr lvl="2"/>
+            <a:r>
+              <a:rPr lang="en-US" altLang="zh-CN" dirty="0"/>
+              <a:t>Setting a milestone for each objective and adjust tuning parameter based on the distance between the milestone and the current performance</a:t>
+            </a:r>
+          </a:p>
+          <a:p>
+            <a:pPr lvl="1"/>
+            <a:r>
+              <a:rPr lang="en-US" altLang="zh-CN" dirty="0"/>
+              <a:t>Test on multi-stage optimization</a:t>
+            </a:r>
+          </a:p>
+          <a:p>
+            <a:pPr lvl="2"/>
+            <a:r>
+              <a:rPr lang="en-US" altLang="zh-CN" dirty="0"/>
+              <a:t>First train on compression and then classification</a:t>
+            </a:r>
+          </a:p>
+          <a:p>
+            <a:pPr lvl="2"/>
+            <a:r>
+              <a:rPr lang="en-US" altLang="zh-CN" dirty="0"/>
+              <a:t>First train on one dataset and then on another</a:t>
+            </a:r>
+          </a:p>
+          <a:p>
+            <a:pPr lvl="1"/>
+            <a:endParaRPr lang="en-US" altLang="zh-CN" dirty="0"/>
+          </a:p>
+        </p:txBody>
+      </p:sp>
+    </p:spTree>
+    <p:extLst>
+      <p:ext uri="{BB962C8B-B14F-4D97-AF65-F5344CB8AC3E}">
+        <p14:creationId xmlns:p14="http://schemas.microsoft.com/office/powerpoint/2010/main" val="2990382200"/>
+      </p:ext>
+    </p:extLst>
+  </p:cSld>
+  <p:clrMapOvr>
+    <a:masterClrMapping/>
+  </p:clrMapOvr>
+</p:sld>
+</file>
+
+<file path=ppt/slides/slide21.xml><?xml version="1.0" encoding="utf-8"?>
+<p:sld xmlns:a="http://schemas.openxmlformats.org/drawingml/2006/main" xmlns:r="http://schemas.openxmlformats.org/officeDocument/2006/relationships" xmlns:p="http://schemas.openxmlformats.org/presentationml/2006/main">
+  <p:cSld>
+    <p:spTree>
+      <p:nvGrpSpPr>
+        <p:cNvPr id="1" name=""/>
+        <p:cNvGrpSpPr/>
+        <p:nvPr/>
+      </p:nvGrpSpPr>
+      <p:grpSpPr>
+        <a:xfrm>
+          <a:off x="0" y="0"/>
+          <a:ext cx="0" cy="0"/>
+          <a:chOff x="0" y="0"/>
+          <a:chExt cx="0" cy="0"/>
+        </a:xfrm>
+      </p:grpSpPr>
+      <p:sp>
+        <p:nvSpPr>
+          <p:cNvPr id="2" name="标题 1">
+            <a:extLst>
+              <a:ext uri="{FF2B5EF4-FFF2-40B4-BE49-F238E27FC236}">
+                <a16:creationId xmlns:a16="http://schemas.microsoft.com/office/drawing/2014/main" id="{7B2A1942-1BEC-40D2-9DC4-D7C87FB14784}"/>
+              </a:ext>
+            </a:extLst>
+          </p:cNvPr>
+          <p:cNvSpPr>
+            <a:spLocks noGrp="1"/>
+          </p:cNvSpPr>
+          <p:nvPr>
+            <p:ph type="title"/>
+          </p:nvPr>
+        </p:nvSpPr>
+        <p:spPr/>
+        <p:txBody>
+          <a:bodyPr/>
+          <a:lstStyle/>
+          <a:p>
+            <a:r>
+              <a:rPr lang="en-US" altLang="zh-CN" dirty="0"/>
+              <a:t>Milestones</a:t>
+            </a:r>
+            <a:endParaRPr lang="zh-CN" altLang="en-US" dirty="0"/>
+          </a:p>
+        </p:txBody>
+      </p:sp>
+      <p:sp>
+        <p:nvSpPr>
+          <p:cNvPr id="3" name="内容占位符 2">
+            <a:extLst>
+              <a:ext uri="{FF2B5EF4-FFF2-40B4-BE49-F238E27FC236}">
+                <a16:creationId xmlns:a16="http://schemas.microsoft.com/office/drawing/2014/main" id="{BC65CE38-BA13-4505-BDCA-8479C11833B0}"/>
+              </a:ext>
+            </a:extLst>
+          </p:cNvPr>
+          <p:cNvSpPr>
+            <a:spLocks noGrp="1"/>
+          </p:cNvSpPr>
+          <p:nvPr>
+            <p:ph idx="1"/>
+          </p:nvPr>
+        </p:nvSpPr>
+        <p:spPr/>
+        <p:txBody>
+          <a:bodyPr>
+            <a:normAutofit fontScale="92500"/>
+          </a:bodyPr>
+          <a:lstStyle/>
+          <a:p>
+            <a:r>
+              <a:rPr lang="en-US" altLang="zh-CN" dirty="0"/>
+              <a:t>Compression and Classification</a:t>
+            </a:r>
+          </a:p>
+          <a:p>
+            <a:pPr lvl="1"/>
+            <a:r>
+              <a:rPr lang="en-US" altLang="zh-CN" dirty="0"/>
+              <a:t>Further Test forward and backward</a:t>
+            </a:r>
+          </a:p>
+          <a:p>
+            <a:pPr lvl="1"/>
+            <a:r>
+              <a:rPr lang="en-US" altLang="zh-CN" dirty="0"/>
+              <a:t>Further test sum of residual loss</a:t>
+            </a:r>
+          </a:p>
+          <a:p>
+            <a:pPr lvl="1"/>
+            <a:r>
+              <a:rPr lang="en-US" altLang="zh-CN" dirty="0"/>
+              <a:t>Further test difference of patches patch-based network</a:t>
+            </a:r>
+          </a:p>
+          <a:p>
+            <a:pPr lvl="1"/>
+            <a:r>
+              <a:rPr lang="en-US" altLang="zh-CN" dirty="0"/>
+              <a:t>Test on ImageNet dataset</a:t>
+            </a:r>
+          </a:p>
+          <a:p>
+            <a:pPr lvl="1"/>
+            <a:r>
+              <a:rPr lang="en-US" altLang="zh-CN" dirty="0"/>
+              <a:t>Test on larger patch size i.e. 128x128</a:t>
+            </a:r>
+          </a:p>
+          <a:p>
+            <a:pPr lvl="1"/>
+            <a:r>
+              <a:rPr lang="en-US" altLang="zh-CN" dirty="0"/>
+              <a:t>Experiment variable depth model. So far we have 4 compression module at encoder and 4 at decoder. Compression rate is 1/16 for each residual iteration</a:t>
+            </a:r>
+          </a:p>
+          <a:p>
+            <a:pPr lvl="1"/>
+            <a:r>
+              <a:rPr lang="en-US" altLang="zh-CN" dirty="0"/>
+              <a:t>Experiment variable code size for different images? May depend on entropy codec?</a:t>
+            </a:r>
+          </a:p>
+          <a:p>
+            <a:pPr lvl="1"/>
+            <a:r>
+              <a:rPr lang="en-US" altLang="zh-CN" dirty="0"/>
+              <a:t>Experiment with more slave nodes</a:t>
+            </a:r>
+          </a:p>
+          <a:p>
+            <a:pPr lvl="1"/>
+            <a:r>
+              <a:rPr lang="en-US" altLang="zh-CN" dirty="0"/>
+              <a:t>Experiment asynchronous distributed system </a:t>
+            </a:r>
+          </a:p>
+          <a:p>
+            <a:pPr lvl="1"/>
+            <a:endParaRPr lang="en-US" altLang="zh-CN" dirty="0"/>
+          </a:p>
+          <a:p>
+            <a:pPr lvl="1"/>
+            <a:endParaRPr lang="en-US" altLang="zh-CN" dirty="0"/>
+          </a:p>
+          <a:p>
+            <a:pPr lvl="1"/>
+            <a:endParaRPr lang="en-US" altLang="zh-CN" dirty="0"/>
+          </a:p>
+        </p:txBody>
+      </p:sp>
+    </p:spTree>
+    <p:extLst>
+      <p:ext uri="{BB962C8B-B14F-4D97-AF65-F5344CB8AC3E}">
+        <p14:creationId xmlns:p14="http://schemas.microsoft.com/office/powerpoint/2010/main" val="3892493393"/>
+      </p:ext>
+    </p:extLst>
+  </p:cSld>
+  <p:clrMapOvr>
+    <a:masterClrMapping/>
+  </p:clrMapOvr>
+</p:sld>
+</file>
+
+<file path=ppt/slides/slide22.xml><?xml version="1.0" encoding="utf-8"?>
+<p:sld xmlns:a="http://schemas.openxmlformats.org/drawingml/2006/main" xmlns:r="http://schemas.openxmlformats.org/officeDocument/2006/relationships" xmlns:p="http://schemas.openxmlformats.org/presentationml/2006/main">
+  <p:cSld>
+    <p:spTree>
+      <p:nvGrpSpPr>
+        <p:cNvPr id="1" name=""/>
+        <p:cNvGrpSpPr/>
+        <p:nvPr/>
+      </p:nvGrpSpPr>
+      <p:grpSpPr>
+        <a:xfrm>
+          <a:off x="0" y="0"/>
+          <a:ext cx="0" cy="0"/>
+          <a:chOff x="0" y="0"/>
+          <a:chExt cx="0" cy="0"/>
+        </a:xfrm>
+      </p:grpSpPr>
+      <p:sp>
+        <p:nvSpPr>
+          <p:cNvPr id="2" name="标题 1">
+            <a:extLst>
+              <a:ext uri="{FF2B5EF4-FFF2-40B4-BE49-F238E27FC236}">
+                <a16:creationId xmlns:a16="http://schemas.microsoft.com/office/drawing/2014/main" id="{7B2A1942-1BEC-40D2-9DC4-D7C87FB14784}"/>
+              </a:ext>
+            </a:extLst>
+          </p:cNvPr>
+          <p:cNvSpPr>
+            <a:spLocks noGrp="1"/>
+          </p:cNvSpPr>
+          <p:nvPr>
+            <p:ph type="title"/>
+          </p:nvPr>
+        </p:nvSpPr>
+        <p:spPr/>
+        <p:txBody>
+          <a:bodyPr/>
+          <a:lstStyle/>
+          <a:p>
+            <a:r>
+              <a:rPr lang="en-US" altLang="zh-CN" dirty="0"/>
+              <a:t>Milestones</a:t>
+            </a:r>
+            <a:endParaRPr lang="zh-CN" altLang="en-US" dirty="0"/>
+          </a:p>
+        </p:txBody>
+      </p:sp>
+      <p:sp>
+        <p:nvSpPr>
+          <p:cNvPr id="3" name="内容占位符 2">
+            <a:extLst>
+              <a:ext uri="{FF2B5EF4-FFF2-40B4-BE49-F238E27FC236}">
+                <a16:creationId xmlns:a16="http://schemas.microsoft.com/office/drawing/2014/main" id="{BC65CE38-BA13-4505-BDCA-8479C11833B0}"/>
+              </a:ext>
+            </a:extLst>
+          </p:cNvPr>
+          <p:cNvSpPr>
+            <a:spLocks noGrp="1"/>
+          </p:cNvSpPr>
+          <p:nvPr>
+            <p:ph idx="1"/>
+          </p:nvPr>
+        </p:nvSpPr>
+        <p:spPr/>
+        <p:txBody>
+          <a:bodyPr>
+            <a:normAutofit/>
+          </a:bodyPr>
+          <a:lstStyle/>
+          <a:p>
+            <a:r>
+              <a:rPr lang="en-US" altLang="zh-CN" dirty="0"/>
+              <a:t>Codec Conversion</a:t>
+            </a:r>
+          </a:p>
+          <a:p>
+            <a:pPr lvl="1"/>
+            <a:r>
+              <a:rPr lang="en-US" altLang="zh-CN" dirty="0"/>
+              <a:t>Searching for source code for JPG and its entropy codec</a:t>
+            </a:r>
+          </a:p>
+          <a:p>
+            <a:pPr lvl="1"/>
+            <a:r>
+              <a:rPr lang="en-US" altLang="zh-CN" dirty="0"/>
+              <a:t>Explore different size of codes for different images</a:t>
+            </a:r>
+          </a:p>
+          <a:p>
+            <a:pPr lvl="1"/>
+            <a:r>
+              <a:rPr lang="en-US" altLang="zh-CN" dirty="0"/>
+              <a:t>Experiment conversion between codecs trained on different dataset</a:t>
+            </a:r>
+          </a:p>
+        </p:txBody>
+      </p:sp>
+    </p:spTree>
+    <p:extLst>
+      <p:ext uri="{BB962C8B-B14F-4D97-AF65-F5344CB8AC3E}">
+        <p14:creationId xmlns:p14="http://schemas.microsoft.com/office/powerpoint/2010/main" val="644331981"/>
+      </p:ext>
+    </p:extLst>
+  </p:cSld>
+  <p:clrMapOvr>
+    <a:masterClrMapping/>
+  </p:clrMapOvr>
+</p:sld>
+</file>
+
+<file path=ppt/slides/slide23.xml><?xml version="1.0" encoding="utf-8"?>
+<p:sld xmlns:a="http://schemas.openxmlformats.org/drawingml/2006/main" xmlns:r="http://schemas.openxmlformats.org/officeDocument/2006/relationships" xmlns:p="http://schemas.openxmlformats.org/presentationml/2006/main">
+  <p:cSld>
+    <p:spTree>
+      <p:nvGrpSpPr>
+        <p:cNvPr id="1" name=""/>
+        <p:cNvGrpSpPr/>
+        <p:nvPr/>
+      </p:nvGrpSpPr>
+      <p:grpSpPr>
+        <a:xfrm>
+          <a:off x="0" y="0"/>
+          <a:ext cx="0" cy="0"/>
+          <a:chOff x="0" y="0"/>
+          <a:chExt cx="0" cy="0"/>
+        </a:xfrm>
+      </p:grpSpPr>
+      <p:sp>
+        <p:nvSpPr>
+          <p:cNvPr id="2" name="标题 1">
+            <a:extLst>
+              <a:ext uri="{FF2B5EF4-FFF2-40B4-BE49-F238E27FC236}">
+                <a16:creationId xmlns:a16="http://schemas.microsoft.com/office/drawing/2014/main" id="{7B2A1942-1BEC-40D2-9DC4-D7C87FB14784}"/>
+              </a:ext>
+            </a:extLst>
+          </p:cNvPr>
+          <p:cNvSpPr>
+            <a:spLocks noGrp="1"/>
+          </p:cNvSpPr>
+          <p:nvPr>
+            <p:ph type="title"/>
+          </p:nvPr>
+        </p:nvSpPr>
+        <p:spPr/>
+        <p:txBody>
+          <a:bodyPr/>
+          <a:lstStyle/>
+          <a:p>
+            <a:r>
+              <a:rPr lang="en-US" altLang="zh-CN" dirty="0"/>
+              <a:t>Milestones</a:t>
+            </a:r>
+            <a:endParaRPr lang="zh-CN" altLang="en-US" dirty="0"/>
+          </a:p>
+        </p:txBody>
+      </p:sp>
+      <p:sp>
+        <p:nvSpPr>
+          <p:cNvPr id="3" name="内容占位符 2">
+            <a:extLst>
+              <a:ext uri="{FF2B5EF4-FFF2-40B4-BE49-F238E27FC236}">
+                <a16:creationId xmlns:a16="http://schemas.microsoft.com/office/drawing/2014/main" id="{BC65CE38-BA13-4505-BDCA-8479C11833B0}"/>
+              </a:ext>
+            </a:extLst>
+          </p:cNvPr>
+          <p:cNvSpPr>
+            <a:spLocks noGrp="1"/>
+          </p:cNvSpPr>
+          <p:nvPr>
+            <p:ph idx="1"/>
+          </p:nvPr>
+        </p:nvSpPr>
+        <p:spPr/>
+        <p:txBody>
+          <a:bodyPr>
+            <a:normAutofit/>
+          </a:bodyPr>
+          <a:lstStyle/>
+          <a:p>
+            <a:r>
+              <a:rPr lang="en-US" altLang="zh-CN" dirty="0"/>
+              <a:t>Other tracks</a:t>
+            </a:r>
+          </a:p>
+          <a:p>
+            <a:pPr lvl="1"/>
+            <a:r>
+              <a:rPr lang="en-US" altLang="zh-CN" dirty="0"/>
+              <a:t>Explore generative model and experiment a variational model for binary autoencoder. Generative model is suitable for change detection and other inference tasks</a:t>
+            </a:r>
+          </a:p>
+          <a:p>
+            <a:pPr lvl="1"/>
+            <a:r>
+              <a:rPr lang="en-US" altLang="zh-CN" dirty="0"/>
+              <a:t>Set up MS COCO dataset for Detection task and explore detection and caption in addition to compression and classification</a:t>
+            </a:r>
+          </a:p>
+        </p:txBody>
+      </p:sp>
+    </p:spTree>
+    <p:extLst>
+      <p:ext uri="{BB962C8B-B14F-4D97-AF65-F5344CB8AC3E}">
+        <p14:creationId xmlns:p14="http://schemas.microsoft.com/office/powerpoint/2010/main" val="3074079648"/>
       </p:ext>
     </p:extLst>
   </p:cSld>
@@ -4860,7 +7943,9 @@
         </p:nvSpPr>
         <p:spPr/>
         <p:txBody>
-          <a:bodyPr/>
+          <a:bodyPr>
+            <a:normAutofit/>
+          </a:bodyPr>
           <a:lstStyle/>
           <a:p>
             <a:r>
@@ -4877,14 +7962,16 @@
           <a:p>
             <a:r>
               <a:rPr lang="en-US" altLang="zh-CN" dirty="0"/>
-              <a:t>GTX 1080 TI(~$750) is the same generation as P100 (~ $ 8000)</a:t>
-            </a:r>
-          </a:p>
-          <a:p>
-            <a:pPr marL="457200" lvl="1" indent="0">
-              <a:buNone/>
-            </a:pPr>
-            <a:endParaRPr lang="en-US" altLang="zh-CN" dirty="0"/>
+              <a:t>One epoch of running MNIST(60000 samples)</a:t>
+            </a:r>
+            <a:r>
+              <a:rPr lang="zh-CN" altLang="en-US" dirty="0"/>
+              <a:t> </a:t>
+            </a:r>
+            <a:r>
+              <a:rPr lang="en-US" altLang="zh-CN" dirty="0"/>
+              <a:t>on our batch based residual network takes 700 s on my machine and takes 500s on one P100</a:t>
+            </a:r>
           </a:p>
           <a:p>
             <a:endParaRPr lang="zh-CN" altLang="en-US" dirty="0"/>
@@ -4926,7 +8013,7 @@
           <p:cNvPr id="2" name="标题 1">
             <a:extLst>
               <a:ext uri="{FF2B5EF4-FFF2-40B4-BE49-F238E27FC236}">
-                <a16:creationId xmlns:a16="http://schemas.microsoft.com/office/drawing/2014/main" id="{E7535784-DEBB-4CDB-8A0D-7251187CD83E}"/>
+                <a16:creationId xmlns:a16="http://schemas.microsoft.com/office/drawing/2014/main" id="{7E4CFA14-E8C9-4F79-B31E-7AC8C0F7ADF4}"/>
               </a:ext>
             </a:extLst>
           </p:cNvPr>
@@ -4944,7 +8031,7 @@
           <a:p>
             <a:r>
               <a:rPr lang="en-US" altLang="zh-CN" dirty="0"/>
-              <a:t>Computation</a:t>
+              <a:t>Data</a:t>
             </a:r>
             <a:endParaRPr lang="zh-CN" altLang="en-US" dirty="0"/>
           </a:p>
@@ -4955,7 +8042,7 @@
           <p:cNvPr id="3" name="内容占位符 2">
             <a:extLst>
               <a:ext uri="{FF2B5EF4-FFF2-40B4-BE49-F238E27FC236}">
-                <a16:creationId xmlns:a16="http://schemas.microsoft.com/office/drawing/2014/main" id="{E0AE67E5-FED1-400F-B0D2-B8D1464FD31A}"/>
+                <a16:creationId xmlns:a16="http://schemas.microsoft.com/office/drawing/2014/main" id="{65B773BF-8D7E-447B-99B4-F29841BEF59C}"/>
               </a:ext>
             </a:extLst>
           </p:cNvPr>
@@ -4966,46 +8053,84 @@
             <p:ph idx="1"/>
           </p:nvPr>
         </p:nvSpPr>
-        <p:spPr/>
-        <p:txBody>
-          <a:bodyPr/>
-          <a:lstStyle/>
-          <a:p>
-            <a:r>
-              <a:rPr lang="en-US" altLang="zh-CN" dirty="0"/>
-              <a:t>Test</a:t>
+        <p:spPr>
+          <a:xfrm>
+            <a:off x="838200" y="1825625"/>
+            <a:ext cx="10515600" cy="4892416"/>
+          </a:xfrm>
+        </p:spPr>
+        <p:txBody>
+          <a:bodyPr>
+            <a:normAutofit lnSpcReduction="10000"/>
+          </a:bodyPr>
+          <a:lstStyle/>
+          <a:p>
+            <a:r>
+              <a:rPr lang="en-US" altLang="zh-CN" dirty="0"/>
+              <a:t>MNIST dataset</a:t>
             </a:r>
           </a:p>
           <a:p>
             <a:pPr lvl="1"/>
             <a:r>
               <a:rPr lang="en-US" altLang="zh-CN" dirty="0"/>
-              <a:t>One epoch of running MNIST(60000 samples)</a:t>
-            </a:r>
-            <a:r>
-              <a:rPr lang="zh-CN" altLang="en-US" dirty="0"/>
-              <a:t> </a:t>
-            </a:r>
-            <a:r>
-              <a:rPr lang="en-US" altLang="zh-CN" dirty="0"/>
-              <a:t>on our residual network takes 1000 s on my machine and takes more than 3000s on one K80, takes 2000s with two K80s, and takes 1000s with four K80s</a:t>
+              <a:t>60000 handwritten 0-9 digits images for training, 10000 for test</a:t>
             </a:r>
           </a:p>
           <a:p>
             <a:pPr lvl="1"/>
             <a:r>
               <a:rPr lang="en-US" altLang="zh-CN" dirty="0"/>
-              <a:t>Takes 900s on one P100, and takes 430s on two P100s, and takes 270s on 4 P100s</a:t>
+              <a:t>Original shape 28x28, resized to 32x32</a:t>
+            </a:r>
+          </a:p>
+          <a:p>
+            <a:r>
+              <a:rPr lang="en-US" altLang="zh-CN" dirty="0"/>
+              <a:t>CIFAR10 dataset (cannot exceed 30 PSNR and 74% accuracy)</a:t>
             </a:r>
           </a:p>
           <a:p>
             <a:pPr lvl="1"/>
             <a:r>
               <a:rPr lang="en-US" altLang="zh-CN" dirty="0"/>
-              <a:t>https://azure.microsoft.com/en-us/pricing/details/virtual-machines/linux/</a:t>
-            </a:r>
-          </a:p>
-          <a:p>
+              <a:t>50000 natural images of 10 classes like airplane, automobile, cat, dog, </a:t>
+            </a:r>
+            <a:r>
+              <a:rPr lang="en-US" altLang="zh-CN" dirty="0" err="1"/>
+              <a:t>etc</a:t>
+            </a:r>
+            <a:r>
+              <a:rPr lang="en-US" altLang="zh-CN" dirty="0"/>
+              <a:t> for training, 10000 for test</a:t>
+            </a:r>
+          </a:p>
+          <a:p>
+            <a:pPr lvl="1"/>
+            <a:r>
+              <a:rPr lang="en-US" altLang="zh-CN" dirty="0"/>
+              <a:t>Original shape 32x32</a:t>
+            </a:r>
+          </a:p>
+          <a:p>
+            <a:r>
+              <a:rPr lang="en-US" altLang="zh-CN" dirty="0"/>
+              <a:t>SVHN dataset</a:t>
+            </a:r>
+          </a:p>
+          <a:p>
+            <a:pPr lvl="1"/>
+            <a:r>
+              <a:rPr lang="en-US" altLang="zh-CN" dirty="0"/>
+              <a:t>Street View House Numbers data containing 0-9 digits RGB cropped images. 73257 digits for training, 26032 digits for testing, and 531131 additional (not used this time), somewhat less difficult samples, to use as extra training data.</a:t>
+            </a:r>
+          </a:p>
+          <a:p>
+            <a:pPr lvl="1"/>
+            <a:r>
+              <a:rPr lang="en-US" altLang="zh-CN" dirty="0"/>
+              <a:t>http://ufldl.stanford.edu/housenumbers/</a:t>
+            </a:r>
             <a:endParaRPr lang="zh-CN" altLang="en-US" dirty="0"/>
           </a:p>
         </p:txBody>
@@ -5013,7 +8138,7 @@
     </p:spTree>
     <p:extLst>
       <p:ext uri="{BB962C8B-B14F-4D97-AF65-F5344CB8AC3E}">
-        <p14:creationId xmlns:p14="http://schemas.microsoft.com/office/powerpoint/2010/main" val="505258949"/>
+        <p14:creationId xmlns:p14="http://schemas.microsoft.com/office/powerpoint/2010/main" val="996506143"/>
       </p:ext>
     </p:extLst>
   </p:cSld>
@@ -5042,10 +8167,81 @@
       </p:grpSpPr>
       <p:sp>
         <p:nvSpPr>
-          <p:cNvPr id="2" name="标题 1">
-            <a:extLst>
-              <a:ext uri="{FF2B5EF4-FFF2-40B4-BE49-F238E27FC236}">
-                <a16:creationId xmlns:a16="http://schemas.microsoft.com/office/drawing/2014/main" id="{7E4CFA14-E8C9-4F79-B31E-7AC8C0F7ADF4}"/>
+          <p:cNvPr id="3" name="内容占位符 2">
+            <a:extLst>
+              <a:ext uri="{FF2B5EF4-FFF2-40B4-BE49-F238E27FC236}">
+                <a16:creationId xmlns:a16="http://schemas.microsoft.com/office/drawing/2014/main" id="{65B773BF-8D7E-447B-99B4-F29841BEF59C}"/>
+              </a:ext>
+            </a:extLst>
+          </p:cNvPr>
+          <p:cNvSpPr>
+            <a:spLocks noGrp="1"/>
+          </p:cNvSpPr>
+          <p:nvPr>
+            <p:ph idx="1"/>
+          </p:nvPr>
+        </p:nvSpPr>
+        <p:spPr/>
+        <p:txBody>
+          <a:bodyPr/>
+          <a:lstStyle/>
+          <a:p>
+            <a:r>
+              <a:rPr lang="en-US" altLang="zh-CN" dirty="0"/>
+              <a:t>Last time milestones</a:t>
+            </a:r>
+          </a:p>
+          <a:p>
+            <a:pPr lvl="1"/>
+            <a:r>
+              <a:rPr lang="en-US" altLang="zh-CN" dirty="0"/>
+              <a:t>Classification part is not rate variable</a:t>
+            </a:r>
+          </a:p>
+          <a:p>
+            <a:pPr lvl="1"/>
+            <a:r>
+              <a:rPr lang="en-US" altLang="zh-CN" dirty="0"/>
+              <a:t>Tuning parameter for multi-objective optimization or two stage (isolated) optimization</a:t>
+            </a:r>
+          </a:p>
+          <a:p>
+            <a:pPr lvl="1"/>
+            <a:r>
+              <a:rPr lang="en-US" altLang="zh-CN" dirty="0"/>
+              <a:t>More complex </a:t>
+            </a:r>
+            <a:r>
+              <a:rPr lang="en-US" altLang="zh-CN" dirty="0" err="1"/>
+              <a:t>iid</a:t>
+            </a:r>
+            <a:r>
+              <a:rPr lang="en-US" altLang="zh-CN" dirty="0"/>
+              <a:t> image data, like CIFAR10, ImageNet</a:t>
+            </a:r>
+          </a:p>
+          <a:p>
+            <a:pPr lvl="1"/>
+            <a:r>
+              <a:rPr lang="en-US" altLang="zh-CN" dirty="0"/>
+              <a:t>Add LSTM for patch data? for frame data?</a:t>
+            </a:r>
+          </a:p>
+          <a:p>
+            <a:pPr lvl="1"/>
+            <a:r>
+              <a:rPr lang="en-US" altLang="zh-CN" dirty="0"/>
+              <a:t>Web crawler for retrieving large volume of data to search for architecture and compressing images</a:t>
+            </a:r>
+          </a:p>
+        </p:txBody>
+      </p:sp>
+      <p:sp>
+        <p:nvSpPr>
+          <p:cNvPr id="6" name="标题 1">
+            <a:extLst>
+              <a:ext uri="{FF2B5EF4-FFF2-40B4-BE49-F238E27FC236}">
+                <a16:creationId xmlns:a16="http://schemas.microsoft.com/office/drawing/2014/main" id="{12354881-1015-4851-912A-27EAE996F9CA}"/>
               </a:ext>
             </a:extLst>
           </p:cNvPr>
@@ -5056,98 +8252,19 @@
             <p:ph type="title"/>
           </p:nvPr>
         </p:nvSpPr>
-        <p:spPr/>
-        <p:txBody>
-          <a:bodyPr/>
-          <a:lstStyle/>
-          <a:p>
-            <a:r>
-              <a:rPr lang="en-US" altLang="zh-CN" dirty="0"/>
-              <a:t>Data</a:t>
-            </a:r>
-            <a:endParaRPr lang="zh-CN" altLang="en-US" dirty="0"/>
-          </a:p>
-        </p:txBody>
-      </p:sp>
-      <p:sp>
-        <p:nvSpPr>
-          <p:cNvPr id="3" name="内容占位符 2">
-            <a:extLst>
-              <a:ext uri="{FF2B5EF4-FFF2-40B4-BE49-F238E27FC236}">
-                <a16:creationId xmlns:a16="http://schemas.microsoft.com/office/drawing/2014/main" id="{65B773BF-8D7E-447B-99B4-F29841BEF59C}"/>
-              </a:ext>
-            </a:extLst>
-          </p:cNvPr>
-          <p:cNvSpPr>
-            <a:spLocks noGrp="1"/>
-          </p:cNvSpPr>
-          <p:nvPr>
-            <p:ph idx="1"/>
-          </p:nvPr>
-        </p:nvSpPr>
-        <p:spPr/>
-        <p:txBody>
-          <a:bodyPr/>
-          <a:lstStyle/>
-          <a:p>
-            <a:r>
-              <a:rPr lang="en-US" altLang="zh-CN" dirty="0"/>
-              <a:t>MNIST dataset</a:t>
-            </a:r>
-          </a:p>
-          <a:p>
-            <a:pPr lvl="1"/>
-            <a:r>
-              <a:rPr lang="en-US" altLang="zh-CN" dirty="0"/>
-              <a:t>60000 handwritten 0-9 digits images for training, 10000 for test</a:t>
-            </a:r>
-          </a:p>
-          <a:p>
-            <a:pPr lvl="1"/>
-            <a:r>
-              <a:rPr lang="en-US" altLang="zh-CN" dirty="0"/>
-              <a:t>Original shape 28x28, resized to 32x32</a:t>
-            </a:r>
-          </a:p>
-          <a:p>
-            <a:r>
-              <a:rPr lang="en-US" altLang="zh-CN" dirty="0"/>
-              <a:t>CIFAR10 dataset</a:t>
-            </a:r>
-          </a:p>
-          <a:p>
-            <a:pPr lvl="1"/>
-            <a:r>
-              <a:rPr lang="en-US" altLang="zh-CN" dirty="0"/>
-              <a:t>50000 natural images of 10 classes like airplane, automobile, cat, dog, </a:t>
-            </a:r>
-            <a:r>
-              <a:rPr lang="en-US" altLang="zh-CN" dirty="0" err="1"/>
-              <a:t>etc</a:t>
-            </a:r>
-            <a:r>
-              <a:rPr lang="en-US" altLang="zh-CN" dirty="0"/>
-              <a:t> for training, 10000 for test</a:t>
-            </a:r>
-          </a:p>
-          <a:p>
-            <a:pPr lvl="1"/>
-            <a:r>
-              <a:rPr lang="en-US" altLang="zh-CN" dirty="0"/>
-              <a:t>Original shape 32x32</a:t>
-            </a:r>
-          </a:p>
-          <a:p>
-            <a:r>
-              <a:rPr lang="en-US" altLang="zh-CN" dirty="0"/>
-              <a:t>Head Pose Image dataset</a:t>
-            </a:r>
-          </a:p>
-          <a:p>
-            <a:pPr lvl="1"/>
-            <a:r>
-              <a:rPr lang="en-US" altLang="zh-CN" dirty="0"/>
-              <a:t>http://www-prima.inrialpes.fr/perso/Gourier/Faces/HPDatabase.html</a:t>
+        <p:spPr>
+          <a:xfrm>
+            <a:off x="838200" y="365125"/>
+            <a:ext cx="10515600" cy="1325563"/>
+          </a:xfrm>
+        </p:spPr>
+        <p:txBody>
+          <a:bodyPr/>
+          <a:lstStyle/>
+          <a:p>
+            <a:r>
+              <a:rPr lang="en-US" altLang="zh-CN" dirty="0"/>
+              <a:t>Compression and Classification</a:t>
             </a:r>
             <a:endParaRPr lang="zh-CN" altLang="en-US" dirty="0"/>
           </a:p>
@@ -5156,7 +8273,7 @@
     </p:spTree>
     <p:extLst>
       <p:ext uri="{BB962C8B-B14F-4D97-AF65-F5344CB8AC3E}">
-        <p14:creationId xmlns:p14="http://schemas.microsoft.com/office/powerpoint/2010/main" val="996506143"/>
+        <p14:creationId xmlns:p14="http://schemas.microsoft.com/office/powerpoint/2010/main" val="3865998934"/>
       </p:ext>
     </p:extLst>
   </p:cSld>
@@ -5185,147 +8302,126 @@
       </p:grpSpPr>
       <p:sp>
         <p:nvSpPr>
-          <p:cNvPr id="2" name="标题 1">
-            <a:extLst>
-              <a:ext uri="{FF2B5EF4-FFF2-40B4-BE49-F238E27FC236}">
-                <a16:creationId xmlns:a16="http://schemas.microsoft.com/office/drawing/2014/main" id="{7E4CFA14-E8C9-4F79-B31E-7AC8C0F7ADF4}"/>
-              </a:ext>
-            </a:extLst>
-          </p:cNvPr>
-          <p:cNvSpPr>
-            <a:spLocks noGrp="1"/>
-          </p:cNvSpPr>
-          <p:nvPr>
-            <p:ph type="title"/>
-          </p:nvPr>
-        </p:nvSpPr>
-        <p:spPr/>
-        <p:txBody>
-          <a:bodyPr/>
-          <a:lstStyle/>
+          <p:cNvPr id="3" name="内容占位符 2">
+            <a:extLst>
+              <a:ext uri="{FF2B5EF4-FFF2-40B4-BE49-F238E27FC236}">
+                <a16:creationId xmlns:a16="http://schemas.microsoft.com/office/drawing/2014/main" id="{65B773BF-8D7E-447B-99B4-F29841BEF59C}"/>
+              </a:ext>
+            </a:extLst>
+          </p:cNvPr>
+          <p:cNvSpPr>
+            <a:spLocks noGrp="1"/>
+          </p:cNvSpPr>
+          <p:nvPr>
+            <p:ph idx="1"/>
+          </p:nvPr>
+        </p:nvSpPr>
+        <p:spPr/>
+        <p:txBody>
+          <a:bodyPr/>
+          <a:lstStyle/>
+          <a:p>
+            <a:r>
+              <a:rPr lang="en-US" altLang="zh-CN" dirty="0"/>
+              <a:t>Last time milestones</a:t>
+            </a:r>
+          </a:p>
+          <a:p>
+            <a:pPr lvl="1"/>
+            <a:r>
+              <a:rPr lang="en-US" altLang="zh-CN" dirty="0"/>
+              <a:t>Split image dataset into several subset of data</a:t>
+            </a:r>
+          </a:p>
+          <a:p>
+            <a:pPr lvl="1"/>
+            <a:r>
+              <a:rPr lang="en-US" altLang="zh-CN" dirty="0"/>
+              <a:t>Each slave node has a sperate encoder</a:t>
+            </a:r>
+          </a:p>
+          <a:p>
+            <a:pPr lvl="1"/>
+            <a:r>
+              <a:rPr lang="en-US" altLang="zh-CN" dirty="0"/>
+              <a:t>The main host receive the codes from slave nodes and concatenate them together to decode them from a single decoder</a:t>
+            </a:r>
+          </a:p>
+          <a:p>
+            <a:pPr lvl="1"/>
+            <a:r>
+              <a:rPr lang="en-US" altLang="zh-CN" dirty="0"/>
+              <a:t>The system should yield better rate-distortion curve compared to decode each slave node separately</a:t>
+            </a:r>
+          </a:p>
+          <a:p>
+            <a:pPr lvl="1"/>
+            <a:r>
+              <a:rPr lang="en-US" altLang="zh-CN" dirty="0"/>
+              <a:t>Possible to add classification and other objectives</a:t>
+            </a:r>
+          </a:p>
+        </p:txBody>
+      </p:sp>
+      <p:sp>
+        <p:nvSpPr>
+          <p:cNvPr id="6" name="标题 1">
+            <a:extLst>
+              <a:ext uri="{FF2B5EF4-FFF2-40B4-BE49-F238E27FC236}">
+                <a16:creationId xmlns:a16="http://schemas.microsoft.com/office/drawing/2014/main" id="{5715C2B8-4378-44E4-BBD3-109F62272206}"/>
+              </a:ext>
+            </a:extLst>
+          </p:cNvPr>
+          <p:cNvSpPr txBox="1">
+            <a:spLocks/>
+          </p:cNvSpPr>
+          <p:nvPr/>
+        </p:nvSpPr>
+        <p:spPr>
+          <a:xfrm>
+            <a:off x="990600" y="517525"/>
+            <a:ext cx="10515600" cy="1325563"/>
+          </a:xfrm>
+          <a:prstGeom prst="rect">
+            <a:avLst/>
+          </a:prstGeom>
+        </p:spPr>
+        <p:txBody>
+          <a:bodyPr vert="horz" lIns="91440" tIns="45720" rIns="91440" bIns="45720" rtlCol="0" anchor="ctr">
+            <a:normAutofit/>
+          </a:bodyPr>
+          <a:lstStyle>
+            <a:lvl1pPr algn="l" defTabSz="914400" rtl="0" eaLnBrk="1" latinLnBrk="0" hangingPunct="1">
+              <a:lnSpc>
+                <a:spcPct val="90000"/>
+              </a:lnSpc>
+              <a:spcBef>
+                <a:spcPct val="0"/>
+              </a:spcBef>
+              <a:buNone/>
+              <a:defRPr sz="4400" kern="1200">
+                <a:solidFill>
+                  <a:schemeClr val="tx1"/>
+                </a:solidFill>
+                <a:latin typeface="+mj-lt"/>
+                <a:ea typeface="+mj-ea"/>
+                <a:cs typeface="+mj-cs"/>
+              </a:defRPr>
+            </a:lvl1pPr>
+          </a:lstStyle>
           <a:p>
             <a:r>
               <a:rPr lang="en-US" altLang="zh-CN" dirty="0"/>
               <a:t>Compression and Classification</a:t>
             </a:r>
-            <a:br>
-              <a:rPr lang="en-US" altLang="zh-CN" dirty="0"/>
-            </a:br>
             <a:endParaRPr lang="zh-CN" altLang="en-US" dirty="0"/>
-          </a:p>
-        </p:txBody>
-      </p:sp>
-      <p:sp>
-        <p:nvSpPr>
-          <p:cNvPr id="3" name="内容占位符 2">
-            <a:extLst>
-              <a:ext uri="{FF2B5EF4-FFF2-40B4-BE49-F238E27FC236}">
-                <a16:creationId xmlns:a16="http://schemas.microsoft.com/office/drawing/2014/main" id="{65B773BF-8D7E-447B-99B4-F29841BEF59C}"/>
-              </a:ext>
-            </a:extLst>
-          </p:cNvPr>
-          <p:cNvSpPr>
-            <a:spLocks noGrp="1"/>
-          </p:cNvSpPr>
-          <p:nvPr>
-            <p:ph idx="1"/>
-          </p:nvPr>
-        </p:nvSpPr>
-        <p:spPr/>
-        <p:txBody>
-          <a:bodyPr/>
-          <a:lstStyle/>
-          <a:p>
-            <a:r>
-              <a:rPr lang="en-US" altLang="zh-CN" dirty="0"/>
-              <a:t>Milestones</a:t>
-            </a:r>
-          </a:p>
-          <a:p>
-            <a:pPr lvl="1"/>
-            <a:r>
-              <a:rPr lang="en-US" altLang="zh-CN" dirty="0">
-                <a:solidFill>
-                  <a:srgbClr val="FF0000"/>
-                </a:solidFill>
-              </a:rPr>
-              <a:t>Classification part is not rate variable</a:t>
-            </a:r>
-          </a:p>
-          <a:p>
-            <a:pPr lvl="1"/>
-            <a:r>
-              <a:rPr lang="en-US" altLang="zh-CN" dirty="0"/>
-              <a:t>Tuning parameter for multi-objective optimization or </a:t>
-            </a:r>
-            <a:r>
-              <a:rPr lang="en-US" altLang="zh-CN" dirty="0">
-                <a:solidFill>
-                  <a:srgbClr val="FFC000"/>
-                </a:solidFill>
-              </a:rPr>
-              <a:t>two stage (isolated) optimization</a:t>
-            </a:r>
-          </a:p>
-          <a:p>
-            <a:pPr lvl="1"/>
-            <a:r>
-              <a:rPr lang="en-US" altLang="zh-CN" dirty="0">
-                <a:solidFill>
-                  <a:srgbClr val="FF0000"/>
-                </a:solidFill>
-              </a:rPr>
-              <a:t>More complex </a:t>
-            </a:r>
-            <a:r>
-              <a:rPr lang="en-US" altLang="zh-CN" dirty="0" err="1">
-                <a:solidFill>
-                  <a:srgbClr val="FF0000"/>
-                </a:solidFill>
-              </a:rPr>
-              <a:t>iid</a:t>
-            </a:r>
-            <a:r>
-              <a:rPr lang="en-US" altLang="zh-CN" dirty="0">
-                <a:solidFill>
-                  <a:srgbClr val="FF0000"/>
-                </a:solidFill>
-              </a:rPr>
-              <a:t> image data, like CIFAR10, </a:t>
-            </a:r>
-            <a:r>
-              <a:rPr lang="en-US" altLang="zh-CN" dirty="0"/>
-              <a:t>ImageNet</a:t>
-            </a:r>
-          </a:p>
-          <a:p>
-            <a:pPr lvl="1"/>
-            <a:r>
-              <a:rPr lang="en-US" altLang="zh-CN" dirty="0">
-                <a:solidFill>
-                  <a:srgbClr val="FFC000"/>
-                </a:solidFill>
-              </a:rPr>
-              <a:t>Add LSTM for patch data?</a:t>
-            </a:r>
-            <a:r>
-              <a:rPr lang="en-US" altLang="zh-CN" dirty="0"/>
-              <a:t> for frame data?</a:t>
-            </a:r>
-          </a:p>
-          <a:p>
-            <a:pPr lvl="1"/>
-            <a:r>
-              <a:rPr lang="en-US" altLang="zh-CN" dirty="0"/>
-              <a:t>Web crawler for retrieving large volume of data to search for architecture and compressing images</a:t>
-            </a:r>
           </a:p>
         </p:txBody>
       </p:sp>
     </p:spTree>
     <p:extLst>
       <p:ext uri="{BB962C8B-B14F-4D97-AF65-F5344CB8AC3E}">
-        <p14:creationId xmlns:p14="http://schemas.microsoft.com/office/powerpoint/2010/main" val="3865998934"/>
+        <p14:creationId xmlns:p14="http://schemas.microsoft.com/office/powerpoint/2010/main" val="554443342"/>
       </p:ext>
     </p:extLst>
   </p:cSld>
@@ -5354,10 +8450,80 @@
       </p:grpSpPr>
       <p:sp>
         <p:nvSpPr>
-          <p:cNvPr id="2" name="标题 1">
-            <a:extLst>
-              <a:ext uri="{FF2B5EF4-FFF2-40B4-BE49-F238E27FC236}">
-                <a16:creationId xmlns:a16="http://schemas.microsoft.com/office/drawing/2014/main" id="{7B2A1942-1BEC-40D2-9DC4-D7C87FB14784}"/>
+          <p:cNvPr id="3" name="内容占位符 2">
+            <a:extLst>
+              <a:ext uri="{FF2B5EF4-FFF2-40B4-BE49-F238E27FC236}">
+                <a16:creationId xmlns:a16="http://schemas.microsoft.com/office/drawing/2014/main" id="{65B773BF-8D7E-447B-99B4-F29841BEF59C}"/>
+              </a:ext>
+            </a:extLst>
+          </p:cNvPr>
+          <p:cNvSpPr>
+            <a:spLocks noGrp="1"/>
+          </p:cNvSpPr>
+          <p:nvPr>
+            <p:ph idx="1"/>
+          </p:nvPr>
+        </p:nvSpPr>
+        <p:spPr/>
+        <p:txBody>
+          <a:bodyPr/>
+          <a:lstStyle/>
+          <a:p>
+            <a:r>
+              <a:rPr lang="en-US" altLang="zh-CN" dirty="0"/>
+              <a:t>Last time milestones</a:t>
+            </a:r>
+          </a:p>
+          <a:p>
+            <a:pPr lvl="1"/>
+            <a:r>
+              <a:rPr lang="en-US" altLang="zh-CN" dirty="0"/>
+              <a:t>Convert between classical codecs like jpeg, </a:t>
+            </a:r>
+            <a:r>
+              <a:rPr lang="en-US" altLang="zh-CN" dirty="0" err="1"/>
+              <a:t>png</a:t>
+            </a:r>
+            <a:r>
+              <a:rPr lang="en-US" altLang="zh-CN" dirty="0"/>
+              <a:t> and neural network based codecs</a:t>
+            </a:r>
+          </a:p>
+          <a:p>
+            <a:pPr lvl="1"/>
+            <a:r>
+              <a:rPr lang="en-US" altLang="zh-CN" dirty="0"/>
+              <a:t>Convert between neural network based codecs</a:t>
+            </a:r>
+          </a:p>
+          <a:p>
+            <a:pPr lvl="1"/>
+            <a:r>
+              <a:rPr lang="en-US" altLang="zh-CN" dirty="0"/>
+              <a:t>Convert between classical codecs</a:t>
+            </a:r>
+          </a:p>
+          <a:p>
+            <a:pPr lvl="1"/>
+            <a:r>
+              <a:rPr lang="en-US" altLang="zh-CN" dirty="0"/>
+              <a:t>Can we convert between lossy compressed codes and lossless compressed codes with neural network</a:t>
+            </a:r>
+          </a:p>
+          <a:p>
+            <a:pPr marL="457200" lvl="1" indent="0">
+              <a:buNone/>
+            </a:pPr>
+            <a:endParaRPr lang="en-US" altLang="zh-CN" dirty="0"/>
+          </a:p>
+        </p:txBody>
+      </p:sp>
+      <p:sp>
+        <p:nvSpPr>
+          <p:cNvPr id="6" name="标题 1">
+            <a:extLst>
+              <a:ext uri="{FF2B5EF4-FFF2-40B4-BE49-F238E27FC236}">
+                <a16:creationId xmlns:a16="http://schemas.microsoft.com/office/drawing/2014/main" id="{5BFF6A9A-DCDD-464B-873A-79AD69CBD85E}"/>
               </a:ext>
             </a:extLst>
           </p:cNvPr>
@@ -5368,240 +8534,28 @@
             <p:ph type="title"/>
           </p:nvPr>
         </p:nvSpPr>
-        <p:spPr/>
-        <p:txBody>
-          <a:bodyPr/>
-          <a:lstStyle/>
-          <a:p>
-            <a:r>
-              <a:rPr lang="en-US" altLang="zh-CN" dirty="0"/>
-              <a:t>Compression and Classification</a:t>
-            </a:r>
-            <a:endParaRPr lang="zh-CN" altLang="en-US" dirty="0"/>
-          </a:p>
-        </p:txBody>
-      </p:sp>
-      <p:sp>
-        <p:nvSpPr>
-          <p:cNvPr id="3" name="内容占位符 2">
-            <a:extLst>
-              <a:ext uri="{FF2B5EF4-FFF2-40B4-BE49-F238E27FC236}">
-                <a16:creationId xmlns:a16="http://schemas.microsoft.com/office/drawing/2014/main" id="{BC65CE38-BA13-4505-BDCA-8479C11833B0}"/>
-              </a:ext>
-            </a:extLst>
-          </p:cNvPr>
-          <p:cNvSpPr>
-            <a:spLocks noGrp="1"/>
-          </p:cNvSpPr>
-          <p:nvPr>
-            <p:ph idx="1"/>
-          </p:nvPr>
-        </p:nvSpPr>
-        <p:spPr/>
-        <p:txBody>
-          <a:bodyPr>
-            <a:normAutofit/>
-          </a:bodyPr>
-          <a:lstStyle/>
-          <a:p>
-            <a:r>
-              <a:rPr lang="en-US" altLang="zh-CN" dirty="0"/>
-              <a:t>Classification part is not rate variable (MNIST)</a:t>
-            </a:r>
-          </a:p>
-          <a:p>
-            <a:pPr lvl="1"/>
-            <a:r>
-              <a:rPr lang="en-US" altLang="zh-CN" dirty="0"/>
-              <a:t>With pure LSTM based network, we can achieve rate variable classification</a:t>
-            </a:r>
-          </a:p>
-        </p:txBody>
-      </p:sp>
-      <p:pic>
-        <p:nvPicPr>
-          <p:cNvPr id="4" name="图片 3">
-            <a:extLst>
-              <a:ext uri="{FF2B5EF4-FFF2-40B4-BE49-F238E27FC236}">
-                <a16:creationId xmlns:a16="http://schemas.microsoft.com/office/drawing/2014/main" id="{31686674-F7E6-4ECC-8813-5EA1CB4B66EB}"/>
-              </a:ext>
-            </a:extLst>
-          </p:cNvPr>
-          <p:cNvPicPr>
-            <a:picLocks noChangeAspect="1"/>
-          </p:cNvPicPr>
-          <p:nvPr/>
-        </p:nvPicPr>
-        <p:blipFill>
-          <a:blip r:embed="rId3">
-            <a:extLst>
-              <a:ext uri="{28A0092B-C50C-407E-A947-70E740481C1C}">
-                <a14:useLocalDpi xmlns:a14="http://schemas.microsoft.com/office/drawing/2010/main" val="0"/>
-              </a:ext>
-            </a:extLst>
-          </a:blip>
-          <a:stretch>
-            <a:fillRect/>
-          </a:stretch>
-        </p:blipFill>
         <p:spPr>
           <a:xfrm>
-            <a:off x="520959" y="3180184"/>
-            <a:ext cx="3002601" cy="2218871"/>
+            <a:off x="838200" y="365125"/>
+            <a:ext cx="10515600" cy="1325563"/>
           </a:xfrm>
-          <a:prstGeom prst="rect">
-            <a:avLst/>
-          </a:prstGeom>
         </p:spPr>
-      </p:pic>
-      <p:sp>
-        <p:nvSpPr>
-          <p:cNvPr id="5" name="文本框 4">
-            <a:extLst>
-              <a:ext uri="{FF2B5EF4-FFF2-40B4-BE49-F238E27FC236}">
-                <a16:creationId xmlns:a16="http://schemas.microsoft.com/office/drawing/2014/main" id="{FFB02D71-2560-472E-BD02-7EE72C2A064F}"/>
-              </a:ext>
-            </a:extLst>
-          </p:cNvPr>
-          <p:cNvSpPr txBox="1"/>
-          <p:nvPr/>
-        </p:nvSpPr>
-        <p:spPr>
-          <a:xfrm>
-            <a:off x="1101638" y="5418677"/>
-            <a:ext cx="1841241" cy="369332"/>
-          </a:xfrm>
-          <a:prstGeom prst="rect">
-            <a:avLst/>
-          </a:prstGeom>
-          <a:noFill/>
-        </p:spPr>
-        <p:txBody>
-          <a:bodyPr wrap="square" rtlCol="0">
-            <a:spAutoFit/>
-          </a:bodyPr>
-          <a:lstStyle/>
-          <a:p>
-            <a:r>
-              <a:rPr lang="en-US" altLang="zh-CN" dirty="0"/>
-              <a:t>Last time results</a:t>
+        <p:txBody>
+          <a:bodyPr/>
+          <a:lstStyle/>
+          <a:p>
+            <a:r>
+              <a:rPr lang="en-US" altLang="zh-CN" dirty="0"/>
+              <a:t>Codec Conversion</a:t>
             </a:r>
             <a:endParaRPr lang="zh-CN" altLang="en-US" dirty="0"/>
           </a:p>
         </p:txBody>
       </p:sp>
-      <p:sp>
-        <p:nvSpPr>
-          <p:cNvPr id="6" name="文本框 5">
-            <a:extLst>
-              <a:ext uri="{FF2B5EF4-FFF2-40B4-BE49-F238E27FC236}">
-                <a16:creationId xmlns:a16="http://schemas.microsoft.com/office/drawing/2014/main" id="{39A89B76-AD8E-4475-8542-A3E3FC245196}"/>
-              </a:ext>
-            </a:extLst>
-          </p:cNvPr>
-          <p:cNvSpPr txBox="1"/>
-          <p:nvPr/>
-        </p:nvSpPr>
-        <p:spPr>
-          <a:xfrm>
-            <a:off x="7161882" y="5418677"/>
-            <a:ext cx="1841241" cy="369332"/>
-          </a:xfrm>
-          <a:prstGeom prst="rect">
-            <a:avLst/>
-          </a:prstGeom>
-          <a:noFill/>
-        </p:spPr>
-        <p:txBody>
-          <a:bodyPr wrap="square" rtlCol="0">
-            <a:spAutoFit/>
-          </a:bodyPr>
-          <a:lstStyle/>
-          <a:p>
-            <a:r>
-              <a:rPr lang="en-US" altLang="zh-CN" dirty="0"/>
-              <a:t>Current results</a:t>
-            </a:r>
-            <a:endParaRPr lang="zh-CN" altLang="en-US" dirty="0"/>
-          </a:p>
-        </p:txBody>
-      </p:sp>
-      <p:pic>
-        <p:nvPicPr>
-          <p:cNvPr id="8" name="图片 7">
-            <a:extLst>
-              <a:ext uri="{FF2B5EF4-FFF2-40B4-BE49-F238E27FC236}">
-                <a16:creationId xmlns:a16="http://schemas.microsoft.com/office/drawing/2014/main" id="{0FA0A468-4306-4924-AD43-4BC88F6BE5A3}"/>
-              </a:ext>
-            </a:extLst>
-          </p:cNvPr>
-          <p:cNvPicPr>
-            <a:picLocks noChangeAspect="1"/>
-          </p:cNvPicPr>
-          <p:nvPr/>
-        </p:nvPicPr>
-        <p:blipFill>
-          <a:blip r:embed="rId4">
-            <a:extLst>
-              <a:ext uri="{28A0092B-C50C-407E-A947-70E740481C1C}">
-                <a14:useLocalDpi xmlns:a14="http://schemas.microsoft.com/office/drawing/2010/main" val="0"/>
-              </a:ext>
-            </a:extLst>
-          </a:blip>
-          <a:stretch>
-            <a:fillRect/>
-          </a:stretch>
-        </p:blipFill>
-        <p:spPr>
-          <a:xfrm>
-            <a:off x="4714767" y="3046302"/>
-            <a:ext cx="3152483" cy="2352753"/>
-          </a:xfrm>
-          <a:prstGeom prst="rect">
-            <a:avLst/>
-          </a:prstGeom>
-        </p:spPr>
-      </p:pic>
-      <p:pic>
-        <p:nvPicPr>
-          <p:cNvPr id="10" name="图片 9">
-            <a:extLst>
-              <a:ext uri="{FF2B5EF4-FFF2-40B4-BE49-F238E27FC236}">
-                <a16:creationId xmlns:a16="http://schemas.microsoft.com/office/drawing/2014/main" id="{B17C7962-2667-4CCF-B578-AF133725F953}"/>
-              </a:ext>
-            </a:extLst>
-          </p:cNvPr>
-          <p:cNvPicPr>
-            <a:picLocks noChangeAspect="1"/>
-          </p:cNvPicPr>
-          <p:nvPr/>
-        </p:nvPicPr>
-        <p:blipFill>
-          <a:blip r:embed="rId5">
-            <a:extLst>
-              <a:ext uri="{28A0092B-C50C-407E-A947-70E740481C1C}">
-                <a14:useLocalDpi xmlns:a14="http://schemas.microsoft.com/office/drawing/2010/main" val="0"/>
-              </a:ext>
-            </a:extLst>
-          </a:blip>
-          <a:stretch>
-            <a:fillRect/>
-          </a:stretch>
-        </p:blipFill>
-        <p:spPr>
-          <a:xfrm>
-            <a:off x="8082503" y="3180183"/>
-            <a:ext cx="2980497" cy="2218871"/>
-          </a:xfrm>
-          <a:prstGeom prst="rect">
-            <a:avLst/>
-          </a:prstGeom>
-        </p:spPr>
-      </p:pic>
     </p:spTree>
     <p:extLst>
       <p:ext uri="{BB962C8B-B14F-4D97-AF65-F5344CB8AC3E}">
-        <p14:creationId xmlns:p14="http://schemas.microsoft.com/office/powerpoint/2010/main" val="445564549"/>
+        <p14:creationId xmlns:p14="http://schemas.microsoft.com/office/powerpoint/2010/main" val="2260779395"/>
       </p:ext>
     </p:extLst>
   </p:cSld>
@@ -5676,136 +8630,75 @@
         <p:spPr/>
         <p:txBody>
           <a:bodyPr>
-            <a:normAutofit/>
+            <a:normAutofit fontScale="92500" lnSpcReduction="10000"/>
           </a:bodyPr>
           <a:lstStyle/>
           <a:p>
             <a:r>
               <a:rPr lang="en-US" altLang="zh-CN" dirty="0"/>
-              <a:t>Classification part is not rate variable (CIFAR10)</a:t>
+              <a:t>Batch-based Network</a:t>
             </a:r>
           </a:p>
           <a:p>
             <a:pPr lvl="1"/>
             <a:r>
               <a:rPr lang="en-US" altLang="zh-CN" dirty="0"/>
-              <a:t>With pure LSTM based network, we can achieve rate variable classification</a:t>
-            </a:r>
-          </a:p>
-        </p:txBody>
-      </p:sp>
-      <p:pic>
-        <p:nvPicPr>
-          <p:cNvPr id="8" name="图片 7">
-            <a:extLst>
-              <a:ext uri="{FF2B5EF4-FFF2-40B4-BE49-F238E27FC236}">
-                <a16:creationId xmlns:a16="http://schemas.microsoft.com/office/drawing/2014/main" id="{0FA0A468-4306-4924-AD43-4BC88F6BE5A3}"/>
-              </a:ext>
-            </a:extLst>
-          </p:cNvPr>
-          <p:cNvPicPr>
-            <a:picLocks noChangeAspect="1"/>
-          </p:cNvPicPr>
-          <p:nvPr/>
-        </p:nvPicPr>
-        <p:blipFill>
-          <a:blip r:embed="rId3">
-            <a:extLst>
-              <a:ext uri="{28A0092B-C50C-407E-A947-70E740481C1C}">
-                <a14:useLocalDpi xmlns:a14="http://schemas.microsoft.com/office/drawing/2010/main" val="0"/>
-              </a:ext>
-            </a:extLst>
-          </a:blip>
-          <a:stretch>
-            <a:fillRect/>
-          </a:stretch>
-        </p:blipFill>
-        <p:spPr>
-          <a:xfrm>
-            <a:off x="2145738" y="3113241"/>
-            <a:ext cx="3152483" cy="2352753"/>
-          </a:xfrm>
-          <a:prstGeom prst="rect">
-            <a:avLst/>
-          </a:prstGeom>
-        </p:spPr>
-      </p:pic>
-      <p:pic>
-        <p:nvPicPr>
-          <p:cNvPr id="10" name="图片 9">
-            <a:extLst>
-              <a:ext uri="{FF2B5EF4-FFF2-40B4-BE49-F238E27FC236}">
-                <a16:creationId xmlns:a16="http://schemas.microsoft.com/office/drawing/2014/main" id="{B17C7962-2667-4CCF-B578-AF133725F953}"/>
-              </a:ext>
-            </a:extLst>
-          </p:cNvPr>
-          <p:cNvPicPr>
-            <a:picLocks noChangeAspect="1"/>
-          </p:cNvPicPr>
-          <p:nvPr/>
-        </p:nvPicPr>
-        <p:blipFill>
-          <a:blip r:embed="rId4">
-            <a:extLst>
-              <a:ext uri="{28A0092B-C50C-407E-A947-70E740481C1C}">
-                <a14:useLocalDpi xmlns:a14="http://schemas.microsoft.com/office/drawing/2010/main" val="0"/>
-              </a:ext>
-            </a:extLst>
-          </a:blip>
-          <a:stretch>
-            <a:fillRect/>
-          </a:stretch>
-        </p:blipFill>
-        <p:spPr>
-          <a:xfrm>
-            <a:off x="6893781" y="3222122"/>
-            <a:ext cx="2980497" cy="2218871"/>
-          </a:xfrm>
-          <a:prstGeom prst="rect">
-            <a:avLst/>
-          </a:prstGeom>
-        </p:spPr>
-      </p:pic>
-      <p:sp>
-        <p:nvSpPr>
-          <p:cNvPr id="9" name="文本框 8">
-            <a:extLst>
-              <a:ext uri="{FF2B5EF4-FFF2-40B4-BE49-F238E27FC236}">
-                <a16:creationId xmlns:a16="http://schemas.microsoft.com/office/drawing/2014/main" id="{5F6CE0B7-3065-4D04-83D3-13837BBD229E}"/>
-              </a:ext>
-            </a:extLst>
-          </p:cNvPr>
-          <p:cNvSpPr txBox="1"/>
-          <p:nvPr/>
-        </p:nvSpPr>
-        <p:spPr>
-          <a:xfrm>
-            <a:off x="5233556" y="5508462"/>
-            <a:ext cx="1841241" cy="369332"/>
-          </a:xfrm>
-          <a:prstGeom prst="rect">
-            <a:avLst/>
-          </a:prstGeom>
-          <a:noFill/>
-        </p:spPr>
-        <p:txBody>
-          <a:bodyPr wrap="square" rtlCol="0">
-            <a:spAutoFit/>
-          </a:bodyPr>
-          <a:lstStyle/>
-          <a:p>
-            <a:r>
-              <a:rPr lang="en-US" altLang="zh-CN" dirty="0"/>
-              <a:t>Current results</a:t>
-            </a:r>
-            <a:endParaRPr lang="zh-CN" altLang="en-US" dirty="0"/>
+              <a:t>Images are cut into small patches (32x32) and the patches are treated batch-wise independently</a:t>
+            </a:r>
+          </a:p>
+          <a:p>
+            <a:pPr lvl="1"/>
+            <a:r>
+              <a:rPr lang="en-US" altLang="zh-CN" dirty="0"/>
+              <a:t>Suitable for small size images where memory is not an issue</a:t>
+            </a:r>
+          </a:p>
+          <a:p>
+            <a:pPr lvl="1"/>
+            <a:r>
+              <a:rPr lang="en-US" altLang="zh-CN" dirty="0"/>
+              <a:t>Each time we feed in residual as input and compute the loss with respect to the residual. Tested loss between sum of residuals and input images and gain better preliminary results (not shown this time)</a:t>
+            </a:r>
+          </a:p>
+          <a:p>
+            <a:pPr lvl="1"/>
+            <a:r>
+              <a:rPr lang="en-US" altLang="zh-CN" dirty="0"/>
+              <a:t>Tuning parameter is sensitive and affect dataset differently, fixed to 1e-3 for now</a:t>
+            </a:r>
+          </a:p>
+          <a:p>
+            <a:pPr lvl="1"/>
+            <a:r>
+              <a:rPr lang="en-US" altLang="zh-CN" dirty="0"/>
+              <a:t>CIFAR10 unable exceed 30 PSNR and 74% accuracy, possibly because CIFAR10 is already highly compressed. Try to add forward and backward connection to set up multi-scale compression but no improvement on CIFAR 10</a:t>
+            </a:r>
+          </a:p>
+          <a:p>
+            <a:pPr lvl="1"/>
+            <a:r>
+              <a:rPr lang="en-US" altLang="zh-CN" dirty="0"/>
+              <a:t>My implementation now is suitable for any batch of images of the same size and shapes are divisible by 2</a:t>
+            </a:r>
+          </a:p>
+          <a:p>
+            <a:pPr lvl="1"/>
+            <a:endParaRPr lang="en-US" altLang="zh-CN" dirty="0"/>
+          </a:p>
+          <a:p>
+            <a:pPr lvl="1"/>
+            <a:endParaRPr lang="en-US" altLang="zh-CN" dirty="0"/>
+          </a:p>
+          <a:p>
+            <a:pPr lvl="1"/>
+            <a:endParaRPr lang="en-US" altLang="zh-CN" dirty="0"/>
           </a:p>
         </p:txBody>
       </p:sp>
     </p:spTree>
     <p:extLst>
       <p:ext uri="{BB962C8B-B14F-4D97-AF65-F5344CB8AC3E}">
-        <p14:creationId xmlns:p14="http://schemas.microsoft.com/office/powerpoint/2010/main" val="1808278184"/>
+        <p14:creationId xmlns:p14="http://schemas.microsoft.com/office/powerpoint/2010/main" val="445564549"/>
       </p:ext>
     </p:extLst>
   </p:cSld>
@@ -5886,15 +8779,202 @@
           <a:p>
             <a:r>
               <a:rPr lang="en-US" altLang="zh-CN" dirty="0"/>
-              <a:t>Two stage (isolated) optimization</a:t>
-            </a:r>
-          </a:p>
-        </p:txBody>
-      </p:sp>
+              <a:t>Batch-based Network</a:t>
+            </a:r>
+          </a:p>
+          <a:p>
+            <a:pPr lvl="1"/>
+            <a:r>
+              <a:rPr lang="en-US" altLang="zh-CN" dirty="0"/>
+              <a:t>MNIST</a:t>
+            </a:r>
+          </a:p>
+        </p:txBody>
+      </p:sp>
+      <p:pic>
+        <p:nvPicPr>
+          <p:cNvPr id="4" name="图片 3">
+            <a:extLst>
+              <a:ext uri="{FF2B5EF4-FFF2-40B4-BE49-F238E27FC236}">
+                <a16:creationId xmlns:a16="http://schemas.microsoft.com/office/drawing/2014/main" id="{31686674-F7E6-4ECC-8813-5EA1CB4B66EB}"/>
+              </a:ext>
+            </a:extLst>
+          </p:cNvPr>
+          <p:cNvPicPr>
+            <a:picLocks noChangeAspect="1"/>
+          </p:cNvPicPr>
+          <p:nvPr/>
+        </p:nvPicPr>
+        <p:blipFill>
+          <a:blip r:embed="rId3">
+            <a:extLst>
+              <a:ext uri="{28A0092B-C50C-407E-A947-70E740481C1C}">
+                <a14:useLocalDpi xmlns:a14="http://schemas.microsoft.com/office/drawing/2010/main" val="0"/>
+              </a:ext>
+            </a:extLst>
+          </a:blip>
+          <a:stretch>
+            <a:fillRect/>
+          </a:stretch>
+        </p:blipFill>
+        <p:spPr>
+          <a:xfrm>
+            <a:off x="520959" y="3180184"/>
+            <a:ext cx="3002601" cy="2218871"/>
+          </a:xfrm>
+          <a:prstGeom prst="rect">
+            <a:avLst/>
+          </a:prstGeom>
+        </p:spPr>
+      </p:pic>
+      <p:sp>
+        <p:nvSpPr>
+          <p:cNvPr id="5" name="文本框 4">
+            <a:extLst>
+              <a:ext uri="{FF2B5EF4-FFF2-40B4-BE49-F238E27FC236}">
+                <a16:creationId xmlns:a16="http://schemas.microsoft.com/office/drawing/2014/main" id="{FFB02D71-2560-472E-BD02-7EE72C2A064F}"/>
+              </a:ext>
+            </a:extLst>
+          </p:cNvPr>
+          <p:cNvSpPr txBox="1"/>
+          <p:nvPr/>
+        </p:nvSpPr>
+        <p:spPr>
+          <a:xfrm>
+            <a:off x="1101638" y="5418677"/>
+            <a:ext cx="1841241" cy="369332"/>
+          </a:xfrm>
+          <a:prstGeom prst="rect">
+            <a:avLst/>
+          </a:prstGeom>
+          <a:noFill/>
+        </p:spPr>
+        <p:txBody>
+          <a:bodyPr wrap="square" rtlCol="0">
+            <a:spAutoFit/>
+          </a:bodyPr>
+          <a:lstStyle/>
+          <a:p>
+            <a:r>
+              <a:rPr lang="en-US" altLang="zh-CN" dirty="0"/>
+              <a:t>Last time results</a:t>
+            </a:r>
+            <a:endParaRPr lang="zh-CN" altLang="en-US" dirty="0"/>
+          </a:p>
+        </p:txBody>
+      </p:sp>
+      <p:sp>
+        <p:nvSpPr>
+          <p:cNvPr id="6" name="文本框 5">
+            <a:extLst>
+              <a:ext uri="{FF2B5EF4-FFF2-40B4-BE49-F238E27FC236}">
+                <a16:creationId xmlns:a16="http://schemas.microsoft.com/office/drawing/2014/main" id="{39A89B76-AD8E-4475-8542-A3E3FC245196}"/>
+              </a:ext>
+            </a:extLst>
+          </p:cNvPr>
+          <p:cNvSpPr txBox="1"/>
+          <p:nvPr/>
+        </p:nvSpPr>
+        <p:spPr>
+          <a:xfrm>
+            <a:off x="7161882" y="5418677"/>
+            <a:ext cx="1841241" cy="369332"/>
+          </a:xfrm>
+          <a:prstGeom prst="rect">
+            <a:avLst/>
+          </a:prstGeom>
+          <a:noFill/>
+        </p:spPr>
+        <p:txBody>
+          <a:bodyPr wrap="square" rtlCol="0">
+            <a:spAutoFit/>
+          </a:bodyPr>
+          <a:lstStyle/>
+          <a:p>
+            <a:r>
+              <a:rPr lang="en-US" altLang="zh-CN" dirty="0"/>
+              <a:t>Current results</a:t>
+            </a:r>
+            <a:endParaRPr lang="zh-CN" altLang="en-US" dirty="0"/>
+          </a:p>
+        </p:txBody>
+      </p:sp>
+      <p:pic>
+        <p:nvPicPr>
+          <p:cNvPr id="9" name="图片 8">
+            <a:extLst>
+              <a:ext uri="{FF2B5EF4-FFF2-40B4-BE49-F238E27FC236}">
+                <a16:creationId xmlns:a16="http://schemas.microsoft.com/office/drawing/2014/main" id="{B6F94BBA-B904-4054-B433-72EC61394474}"/>
+              </a:ext>
+            </a:extLst>
+          </p:cNvPr>
+          <p:cNvPicPr>
+            <a:picLocks noChangeAspect="1"/>
+          </p:cNvPicPr>
+          <p:nvPr/>
+        </p:nvPicPr>
+        <p:blipFill>
+          <a:blip r:embed="rId4">
+            <a:extLst>
+              <a:ext uri="{28A0092B-C50C-407E-A947-70E740481C1C}">
+                <a14:useLocalDpi xmlns:a14="http://schemas.microsoft.com/office/drawing/2010/main" val="0"/>
+              </a:ext>
+            </a:extLst>
+          </a:blip>
+          <a:stretch>
+            <a:fillRect/>
+          </a:stretch>
+        </p:blipFill>
+        <p:spPr>
+          <a:xfrm>
+            <a:off x="4676872" y="3180182"/>
+            <a:ext cx="3058583" cy="2218872"/>
+          </a:xfrm>
+          <a:prstGeom prst="rect">
+            <a:avLst/>
+          </a:prstGeom>
+        </p:spPr>
+      </p:pic>
+      <p:pic>
+        <p:nvPicPr>
+          <p:cNvPr id="12" name="图片 11">
+            <a:extLst>
+              <a:ext uri="{FF2B5EF4-FFF2-40B4-BE49-F238E27FC236}">
+                <a16:creationId xmlns:a16="http://schemas.microsoft.com/office/drawing/2014/main" id="{0BF5E74C-206D-4F0B-B8EA-750BB4540468}"/>
+              </a:ext>
+            </a:extLst>
+          </p:cNvPr>
+          <p:cNvPicPr>
+            <a:picLocks noChangeAspect="1"/>
+          </p:cNvPicPr>
+          <p:nvPr/>
+        </p:nvPicPr>
+        <p:blipFill>
+          <a:blip r:embed="rId5">
+            <a:extLst>
+              <a:ext uri="{28A0092B-C50C-407E-A947-70E740481C1C}">
+                <a14:useLocalDpi xmlns:a14="http://schemas.microsoft.com/office/drawing/2010/main" val="0"/>
+              </a:ext>
+            </a:extLst>
+          </a:blip>
+          <a:stretch>
+            <a:fillRect/>
+          </a:stretch>
+        </p:blipFill>
+        <p:spPr>
+          <a:xfrm>
+            <a:off x="8245527" y="3180182"/>
+            <a:ext cx="2880331" cy="2103558"/>
+          </a:xfrm>
+          <a:prstGeom prst="rect">
+            <a:avLst/>
+          </a:prstGeom>
+        </p:spPr>
+      </p:pic>
     </p:spTree>
     <p:extLst>
       <p:ext uri="{BB962C8B-B14F-4D97-AF65-F5344CB8AC3E}">
-        <p14:creationId xmlns:p14="http://schemas.microsoft.com/office/powerpoint/2010/main" val="2990382200"/>
+        <p14:creationId xmlns:p14="http://schemas.microsoft.com/office/powerpoint/2010/main" val="4155338532"/>
       </p:ext>
     </p:extLst>
   </p:cSld>
